--- a/doc/video-01-introduction.pptx
+++ b/doc/video-01-introduction.pptx
@@ -5,7 +5,7 @@
     <p:sldMasterId id="2147483648" r:id="rId1"/>
   </p:sldMasterIdLst>
   <p:notesMasterIdLst>
-    <p:NotesMasterId r:id="rId21"/>
+    <p:NotesMasterId r:id="rId23"/>
   </p:notesMasterIdLst>
   <p:sldIdLst>
     <p:sldId id="256" r:id="rId2"/>
@@ -27,6 +27,8 @@
     <p:sldId id="272" r:id="rId18"/>
     <p:sldId id="273" r:id="rId19"/>
     <p:sldId id="274" r:id="rId20"/>
+    <p:sldId id="275" r:id="rId21"/>
+    <p:sldId id="276" r:id="rId22"/>
   </p:sldIdLst>
   <p:sldSz cx="9144000" cy="6858000" type="screen4x3"/>
   <p:notesSz cx="6858000" cy="9144000"/>
@@ -8092,55 +8094,47 @@
             </a:pPr>
             <a:r>
               <a:rPr/>
-              <a:t>With</a:t>
-            </a:r>
-            <a:r>
-              <a:rPr/>
-              <a:t> </a:t>
-            </a:r>
-            <a:r>
-              <a:rPr/>
-              <a:t>six</a:t>
-            </a:r>
-            <a:r>
-              <a:rPr/>
-              <a:t> </a:t>
-            </a:r>
-            <a:r>
-              <a:rPr/>
-              <a:t>dichotomies,</a:t>
-            </a:r>
-            <a:r>
-              <a:rPr/>
-              <a:t> </a:t>
-            </a:r>
-            <a:r>
-              <a:rPr/>
-              <a:t>there</a:t>
-            </a:r>
-            <a:r>
-              <a:rPr/>
-              <a:t> </a:t>
-            </a:r>
-            <a:r>
-              <a:rPr/>
-              <a:t>are</a:t>
-            </a:r>
-            <a:r>
-              <a:rPr/>
-              <a:t> </a:t>
-            </a:r>
-            <a:r>
-              <a:rPr/>
-              <a:t>two</a:t>
-            </a:r>
-            <a:r>
-              <a:rPr/>
-              <a:t> </a:t>
-            </a:r>
-            <a:r>
-              <a:rPr/>
-              <a:t>raised</a:t>
+              <a:t>I</a:t>
+            </a:r>
+            <a:r>
+              <a:rPr/>
+              <a:t> </a:t>
+            </a:r>
+            <a:r>
+              <a:rPr/>
+              <a:t>find</a:t>
+            </a:r>
+            <a:r>
+              <a:rPr/>
+              <a:t> </a:t>
+            </a:r>
+            <a:r>
+              <a:rPr/>
+              <a:t>the</a:t>
+            </a:r>
+            <a:r>
+              <a:rPr/>
+              <a:t> </a:t>
+            </a:r>
+            <a:r>
+              <a:rPr/>
+              <a:t>term</a:t>
+            </a:r>
+            <a:r>
+              <a:rPr/>
+              <a:t> </a:t>
+            </a:r>
+            <a:r>
+              <a:rPr/>
+              <a:t>“</a:t>
+            </a:r>
+            <a:r>
+              <a:rPr/>
+              <a:t>translational</a:t>
+            </a:r>
+            <a:r>
+              <a:rPr/>
+              <a:t>”</a:t>
             </a:r>
             <a:r>
               <a:rPr/>
@@ -8156,6 +8150,78 @@
             </a:r>
             <a:r>
               <a:rPr/>
+              <a:t>be</a:t>
+            </a:r>
+            <a:r>
+              <a:rPr/>
+              <a:t> </a:t>
+            </a:r>
+            <a:r>
+              <a:rPr/>
+              <a:t>abused</a:t>
+            </a:r>
+            <a:r>
+              <a:rPr/>
+              <a:t> </a:t>
+            </a:r>
+            <a:r>
+              <a:rPr/>
+              <a:t>a</a:t>
+            </a:r>
+            <a:r>
+              <a:rPr/>
+              <a:t> </a:t>
+            </a:r>
+            <a:r>
+              <a:rPr/>
+              <a:t>lot,</a:t>
+            </a:r>
+            <a:r>
+              <a:rPr/>
+              <a:t> </a:t>
+            </a:r>
+            <a:r>
+              <a:rPr/>
+              <a:t>but</a:t>
+            </a:r>
+            <a:r>
+              <a:rPr/>
+              <a:t> </a:t>
+            </a:r>
+            <a:r>
+              <a:rPr/>
+              <a:t>it</a:t>
+            </a:r>
+            <a:r>
+              <a:rPr/>
+              <a:t> </a:t>
+            </a:r>
+            <a:r>
+              <a:rPr/>
+              <a:t>helps</a:t>
+            </a:r>
+            <a:r>
+              <a:rPr/>
+              <a:t> </a:t>
+            </a:r>
+            <a:r>
+              <a:rPr/>
+              <a:t>to</a:t>
+            </a:r>
+            <a:r>
+              <a:rPr/>
+              <a:t> </a:t>
+            </a:r>
+            <a:r>
+              <a:rPr/>
+              <a:t>understand</a:t>
+            </a:r>
+            <a:r>
+              <a:rPr/>
+              <a:t> </a:t>
+            </a:r>
+            <a:r>
+              <a:rPr/>
               <a:t>the</a:t>
             </a:r>
             <a:r>
@@ -8164,31 +8230,71 @@
             </a:r>
             <a:r>
               <a:rPr/>
-              <a:t>sixth</a:t>
-            </a:r>
-            <a:r>
-              <a:rPr/>
-              <a:t> </a:t>
-            </a:r>
-            <a:r>
-              <a:rPr/>
-              <a:t>power</a:t>
-            </a:r>
-            <a:r>
-              <a:rPr/>
-              <a:t> </a:t>
-            </a:r>
-            <a:r>
-              <a:rPr/>
-              <a:t>or</a:t>
-            </a:r>
-            <a:r>
-              <a:rPr/>
-              <a:t> </a:t>
-            </a:r>
-            <a:r>
-              <a:rPr/>
-              <a:t>64</a:t>
+              <a:t>original</a:t>
+            </a:r>
+            <a:r>
+              <a:rPr/>
+              <a:t> </a:t>
+            </a:r>
+            <a:r>
+              <a:rPr/>
+              <a:t>definition.</a:t>
+            </a:r>
+            <a:r>
+              <a:rPr/>
+              <a:t> </a:t>
+            </a:r>
+            <a:r>
+              <a:rPr/>
+              <a:t>The</a:t>
+            </a:r>
+            <a:r>
+              <a:rPr/>
+              <a:t> </a:t>
+            </a:r>
+            <a:r>
+              <a:rPr/>
+              <a:t>translational/basic</a:t>
+            </a:r>
+            <a:r>
+              <a:rPr/>
+              <a:t> </a:t>
+            </a:r>
+            <a:r>
+              <a:rPr/>
+              <a:t>dichotomy</a:t>
+            </a:r>
+            <a:r>
+              <a:rPr/>
+              <a:t> </a:t>
+            </a:r>
+            <a:r>
+              <a:rPr/>
+              <a:t>is</a:t>
+            </a:r>
+            <a:r>
+              <a:rPr/>
+              <a:t> </a:t>
+            </a:r>
+            <a:r>
+              <a:rPr/>
+              <a:t>not</a:t>
+            </a:r>
+            <a:r>
+              <a:rPr/>
+              <a:t> </a:t>
+            </a:r>
+            <a:r>
+              <a:rPr/>
+              <a:t>too</a:t>
+            </a:r>
+            <a:r>
+              <a:rPr/>
+              <a:t> </a:t>
+            </a:r>
+            <a:r>
+              <a:rPr/>
+              <a:t>much</a:t>
             </a:r>
             <a:r>
               <a:rPr/>
@@ -8204,7 +8310,131 @@
             </a:r>
             <a:r>
               <a:rPr/>
-              <a:t>types</a:t>
+              <a:t>from</a:t>
+            </a:r>
+            <a:r>
+              <a:rPr/>
+              <a:t> </a:t>
+            </a:r>
+            <a:r>
+              <a:rPr/>
+              <a:t>the</a:t>
+            </a:r>
+            <a:r>
+              <a:rPr/>
+              <a:t> </a:t>
+            </a:r>
+            <a:r>
+              <a:rPr/>
+              <a:t>applied/theoretical</a:t>
+            </a:r>
+            <a:r>
+              <a:rPr/>
+              <a:t> </a:t>
+            </a:r>
+            <a:r>
+              <a:rPr/>
+              <a:t>dichotomy.</a:t>
+            </a:r>
+            <a:r>
+              <a:rPr/>
+              <a:t> </a:t>
+            </a:r>
+            <a:r>
+              <a:rPr/>
+              <a:t>Basic</a:t>
+            </a:r>
+            <a:r>
+              <a:rPr/>
+              <a:t> </a:t>
+            </a:r>
+            <a:r>
+              <a:rPr/>
+              <a:t>research</a:t>
+            </a:r>
+            <a:r>
+              <a:rPr/>
+              <a:t> </a:t>
+            </a:r>
+            <a:r>
+              <a:rPr/>
+              <a:t>is</a:t>
+            </a:r>
+            <a:r>
+              <a:rPr/>
+              <a:t> </a:t>
+            </a:r>
+            <a:r>
+              <a:rPr/>
+              <a:t>research</a:t>
+            </a:r>
+            <a:r>
+              <a:rPr/>
+              <a:t> </a:t>
+            </a:r>
+            <a:r>
+              <a:rPr/>
+              <a:t>done</a:t>
+            </a:r>
+            <a:r>
+              <a:rPr/>
+              <a:t> </a:t>
+            </a:r>
+            <a:r>
+              <a:rPr/>
+              <a:t>mostly</a:t>
+            </a:r>
+            <a:r>
+              <a:rPr/>
+              <a:t> </a:t>
+            </a:r>
+            <a:r>
+              <a:rPr/>
+              <a:t>in</a:t>
+            </a:r>
+            <a:r>
+              <a:rPr/>
+              <a:t> </a:t>
+            </a:r>
+            <a:r>
+              <a:rPr/>
+              <a:t>the</a:t>
+            </a:r>
+            <a:r>
+              <a:rPr/>
+              <a:t> </a:t>
+            </a:r>
+            <a:r>
+              <a:rPr/>
+              <a:t>laboratory</a:t>
+            </a:r>
+            <a:r>
+              <a:rPr/>
+              <a:t> </a:t>
+            </a:r>
+            <a:r>
+              <a:rPr/>
+              <a:t>and</a:t>
+            </a:r>
+            <a:r>
+              <a:rPr/>
+              <a:t> </a:t>
+            </a:r>
+            <a:r>
+              <a:rPr/>
+              <a:t>“</a:t>
+            </a:r>
+            <a:r>
+              <a:rPr/>
+              <a:t>without</a:t>
+            </a:r>
+            <a:r>
+              <a:rPr/>
+              <a:t> </a:t>
+            </a:r>
+            <a:r>
+              <a:rPr/>
+              <a:t>thought</a:t>
             </a:r>
             <a:r>
               <a:rPr/>
@@ -8220,71 +8450,167 @@
             </a:r>
             <a:r>
               <a:rPr/>
-              <a:t>research.</a:t>
-            </a:r>
-            <a:r>
-              <a:rPr/>
-              <a:t> </a:t>
-            </a:r>
-            <a:r>
-              <a:rPr/>
-              <a:t>But</a:t>
-            </a:r>
-            <a:r>
-              <a:rPr/>
-              <a:t> </a:t>
-            </a:r>
-            <a:r>
-              <a:rPr/>
-              <a:t>some</a:t>
-            </a:r>
-            <a:r>
-              <a:rPr/>
-              <a:t> </a:t>
-            </a:r>
-            <a:r>
-              <a:rPr/>
-              <a:t>of</a:t>
-            </a:r>
-            <a:r>
-              <a:rPr/>
-              <a:t> </a:t>
-            </a:r>
-            <a:r>
-              <a:rPr/>
-              <a:t>these</a:t>
-            </a:r>
-            <a:r>
-              <a:rPr/>
-              <a:t> </a:t>
-            </a:r>
-            <a:r>
-              <a:rPr/>
-              <a:t>dichotomies</a:t>
-            </a:r>
-            <a:r>
-              <a:rPr/>
-              <a:t> </a:t>
-            </a:r>
-            <a:r>
-              <a:rPr/>
-              <a:t>are</a:t>
-            </a:r>
-            <a:r>
-              <a:rPr/>
-              <a:t> </a:t>
-            </a:r>
-            <a:r>
-              <a:rPr/>
-              <a:t>more</a:t>
-            </a:r>
-            <a:r>
-              <a:rPr/>
-              <a:t> </a:t>
-            </a:r>
-            <a:r>
-              <a:rPr/>
-              <a:t>likely</a:t>
+              <a:t>practical</a:t>
+            </a:r>
+            <a:r>
+              <a:rPr/>
+              <a:t> </a:t>
+            </a:r>
+            <a:r>
+              <a:rPr/>
+              <a:t>ends.</a:t>
+            </a:r>
+            <a:r>
+              <a:rPr/>
+              <a:t>”</a:t>
+            </a:r>
+            <a:r>
+              <a:rPr/>
+              <a:t> </a:t>
+            </a:r>
+            <a:r>
+              <a:rPr/>
+              <a:t>Translational</a:t>
+            </a:r>
+            <a:r>
+              <a:rPr/>
+              <a:t> </a:t>
+            </a:r>
+            <a:r>
+              <a:rPr/>
+              <a:t>research</a:t>
+            </a:r>
+            <a:r>
+              <a:rPr/>
+              <a:t> </a:t>
+            </a:r>
+            <a:r>
+              <a:rPr/>
+              <a:t>represents</a:t>
+            </a:r>
+            <a:r>
+              <a:rPr/>
+              <a:t> </a:t>
+            </a:r>
+            <a:r>
+              <a:rPr/>
+              <a:t>a</a:t>
+            </a:r>
+            <a:r>
+              <a:rPr/>
+              <a:t> </a:t>
+            </a:r>
+            <a:r>
+              <a:rPr/>
+              <a:t>bridge</a:t>
+            </a:r>
+            <a:r>
+              <a:rPr/>
+              <a:t> </a:t>
+            </a:r>
+            <a:r>
+              <a:rPr/>
+              <a:t>between</a:t>
+            </a:r>
+            <a:r>
+              <a:rPr/>
+              <a:t> </a:t>
+            </a:r>
+            <a:r>
+              <a:rPr/>
+              <a:t>the</a:t>
+            </a:r>
+            <a:r>
+              <a:rPr/>
+              <a:t> </a:t>
+            </a:r>
+            <a:r>
+              <a:rPr/>
+              <a:t>laboratory</a:t>
+            </a:r>
+            <a:r>
+              <a:rPr/>
+              <a:t> </a:t>
+            </a:r>
+            <a:r>
+              <a:rPr/>
+              <a:t>and</a:t>
+            </a:r>
+            <a:r>
+              <a:rPr/>
+              <a:t> </a:t>
+            </a:r>
+            <a:r>
+              <a:rPr/>
+              <a:t>the</a:t>
+            </a:r>
+            <a:r>
+              <a:rPr/>
+              <a:t> </a:t>
+            </a:r>
+            <a:r>
+              <a:rPr/>
+              <a:t>real</a:t>
+            </a:r>
+            <a:r>
+              <a:rPr/>
+              <a:t> </a:t>
+            </a:r>
+            <a:r>
+              <a:rPr/>
+              <a:t>world.</a:t>
+            </a:r>
+            <a:r>
+              <a:rPr/>
+              <a:t> </a:t>
+            </a:r>
+            <a:r>
+              <a:rPr/>
+              <a:t>You’ll</a:t>
+            </a:r>
+            <a:r>
+              <a:rPr/>
+              <a:t> </a:t>
+            </a:r>
+            <a:r>
+              <a:rPr/>
+              <a:t>see</a:t>
+            </a:r>
+            <a:r>
+              <a:rPr/>
+              <a:t> </a:t>
+            </a:r>
+            <a:r>
+              <a:rPr/>
+              <a:t>the</a:t>
+            </a:r>
+            <a:r>
+              <a:rPr/>
+              <a:t> </a:t>
+            </a:r>
+            <a:r>
+              <a:rPr/>
+              <a:t>phrase</a:t>
+            </a:r>
+            <a:r>
+              <a:rPr/>
+              <a:t> </a:t>
+            </a:r>
+            <a:r>
+              <a:rPr/>
+              <a:t>“</a:t>
+            </a:r>
+            <a:r>
+              <a:rPr/>
+              <a:t>from</a:t>
+            </a:r>
+            <a:r>
+              <a:rPr/>
+              <a:t> </a:t>
+            </a:r>
+            <a:r>
+              <a:rPr/>
+              <a:t>bench</a:t>
             </a:r>
             <a:r>
               <a:rPr/>
@@ -8300,31 +8626,43 @@
             </a:r>
             <a:r>
               <a:rPr/>
-              <a:t>appear</a:t>
-            </a:r>
-            <a:r>
-              <a:rPr/>
-              <a:t> </a:t>
-            </a:r>
-            <a:r>
-              <a:rPr/>
-              <a:t>together</a:t>
-            </a:r>
-            <a:r>
-              <a:rPr/>
-              <a:t> </a:t>
-            </a:r>
-            <a:r>
-              <a:rPr/>
-              <a:t>than</a:t>
-            </a:r>
-            <a:r>
-              <a:rPr/>
-              <a:t> </a:t>
-            </a:r>
-            <a:r>
-              <a:rPr/>
-              <a:t>others.</a:t>
+              <a:t>bedside</a:t>
+            </a:r>
+            <a:r>
+              <a:rPr/>
+              <a:t>”</a:t>
+            </a:r>
+            <a:r>
+              <a:rPr/>
+              <a:t> </a:t>
+            </a:r>
+            <a:r>
+              <a:rPr/>
+              <a:t>used</a:t>
+            </a:r>
+            <a:r>
+              <a:rPr/>
+              <a:t> </a:t>
+            </a:r>
+            <a:r>
+              <a:rPr/>
+              <a:t>in</a:t>
+            </a:r>
+            <a:r>
+              <a:rPr/>
+              <a:t> </a:t>
+            </a:r>
+            <a:r>
+              <a:rPr/>
+              <a:t>this</a:t>
+            </a:r>
+            <a:r>
+              <a:rPr/>
+              <a:t> </a:t>
+            </a:r>
+            <a:r>
+              <a:rPr/>
+              <a:t>context.</a:t>
             </a:r>
           </a:p>
           <a:p>
@@ -8338,7 +8676,127 @@
             </a:pPr>
             <a:r>
               <a:rPr/>
-              <a:t>A</a:t>
+              <a:t>Some</a:t>
+            </a:r>
+            <a:r>
+              <a:rPr/>
+              <a:t> </a:t>
+            </a:r>
+            <a:r>
+              <a:rPr/>
+              <a:t>people</a:t>
+            </a:r>
+            <a:r>
+              <a:rPr/>
+              <a:t> </a:t>
+            </a:r>
+            <a:r>
+              <a:rPr/>
+              <a:t>subdivide</a:t>
+            </a:r>
+            <a:r>
+              <a:rPr/>
+              <a:t> </a:t>
+            </a:r>
+            <a:r>
+              <a:rPr/>
+              <a:t>translational</a:t>
+            </a:r>
+            <a:r>
+              <a:rPr/>
+              <a:t> </a:t>
+            </a:r>
+            <a:r>
+              <a:rPr/>
+              <a:t>research</a:t>
+            </a:r>
+            <a:r>
+              <a:rPr/>
+              <a:t> </a:t>
+            </a:r>
+            <a:r>
+              <a:rPr/>
+              <a:t>into</a:t>
+            </a:r>
+            <a:r>
+              <a:rPr/>
+              <a:t> </a:t>
+            </a:r>
+            <a:r>
+              <a:rPr/>
+              <a:t>two</a:t>
+            </a:r>
+            <a:r>
+              <a:rPr/>
+              <a:t> </a:t>
+            </a:r>
+            <a:r>
+              <a:rPr/>
+              <a:t>types</a:t>
+            </a:r>
+            <a:r>
+              <a:rPr/>
+              <a:t> </a:t>
+            </a:r>
+            <a:r>
+              <a:rPr/>
+              <a:t>with</a:t>
+            </a:r>
+            <a:r>
+              <a:rPr/>
+              <a:t> </a:t>
+            </a:r>
+            <a:r>
+              <a:rPr/>
+              <a:t>T1</a:t>
+            </a:r>
+            <a:r>
+              <a:rPr/>
+              <a:t> </a:t>
+            </a:r>
+            <a:r>
+              <a:rPr/>
+              <a:t>research</a:t>
+            </a:r>
+            <a:r>
+              <a:rPr/>
+              <a:t> </a:t>
+            </a:r>
+            <a:r>
+              <a:rPr/>
+              <a:t>representing</a:t>
+            </a:r>
+            <a:r>
+              <a:rPr/>
+              <a:t> </a:t>
+            </a:r>
+            <a:r>
+              <a:rPr/>
+              <a:t>a</a:t>
+            </a:r>
+            <a:r>
+              <a:rPr/>
+              <a:t> </a:t>
+            </a:r>
+            <a:r>
+              <a:rPr/>
+              <a:t>bridge</a:t>
+            </a:r>
+            <a:r>
+              <a:rPr/>
+              <a:t> </a:t>
+            </a:r>
+            <a:r>
+              <a:rPr/>
+              <a:t>from</a:t>
+            </a:r>
+            <a:r>
+              <a:rPr/>
+              <a:t> </a:t>
+            </a:r>
+            <a:r>
+              <a:rPr/>
+              <a:t>the</a:t>
             </a:r>
             <a:r>
               <a:rPr/>
@@ -8354,54 +8812,6 @@
             </a:r>
             <a:r>
               <a:rPr/>
-              <a:t>study,</a:t>
-            </a:r>
-            <a:r>
-              <a:rPr/>
-              <a:t> </a:t>
-            </a:r>
-            <a:r>
-              <a:rPr/>
-              <a:t>for</a:t>
-            </a:r>
-            <a:r>
-              <a:rPr/>
-              <a:t> </a:t>
-            </a:r>
-            <a:r>
-              <a:rPr/>
-              <a:t>example,</a:t>
-            </a:r>
-            <a:r>
-              <a:rPr/>
-              <a:t> </a:t>
-            </a:r>
-            <a:r>
-              <a:rPr/>
-              <a:t>is</a:t>
-            </a:r>
-            <a:r>
-              <a:rPr/>
-              <a:t> </a:t>
-            </a:r>
-            <a:r>
-              <a:rPr/>
-              <a:t>fairly</a:t>
-            </a:r>
-            <a:r>
-              <a:rPr/>
-              <a:t> </a:t>
-            </a:r>
-            <a:r>
-              <a:rPr/>
-              <a:t>likely</a:t>
-            </a:r>
-            <a:r>
-              <a:rPr/>
-              <a:t> </a:t>
-            </a:r>
-            <a:r>
-              <a:rPr/>
               <a:t>to</a:t>
             </a:r>
             <a:r>
@@ -8410,7 +8820,47 @@
             </a:r>
             <a:r>
               <a:rPr/>
-              <a:t>be</a:t>
+              <a:t>the</a:t>
+            </a:r>
+            <a:r>
+              <a:rPr/>
+              <a:t> </a:t>
+            </a:r>
+            <a:r>
+              <a:rPr/>
+              <a:t>patient</a:t>
+            </a:r>
+            <a:r>
+              <a:rPr/>
+              <a:t> </a:t>
+            </a:r>
+            <a:r>
+              <a:rPr/>
+              <a:t>and</a:t>
+            </a:r>
+            <a:r>
+              <a:rPr/>
+              <a:t> </a:t>
+            </a:r>
+            <a:r>
+              <a:rPr/>
+              <a:t>T2</a:t>
+            </a:r>
+            <a:r>
+              <a:rPr/>
+              <a:t> </a:t>
+            </a:r>
+            <a:r>
+              <a:rPr/>
+              <a:t>research</a:t>
+            </a:r>
+            <a:r>
+              <a:rPr/>
+              <a:t> </a:t>
+            </a:r>
+            <a:r>
+              <a:rPr/>
+              <a:t>representing</a:t>
             </a:r>
             <a:r>
               <a:rPr/>
@@ -8426,23 +8876,15 @@
             </a:r>
             <a:r>
               <a:rPr/>
-              <a:t>theoretical</a:t>
-            </a:r>
-            <a:r>
-              <a:rPr/>
-              <a:t> </a:t>
-            </a:r>
-            <a:r>
-              <a:rPr/>
-              <a:t>study</a:t>
-            </a:r>
-            <a:r>
-              <a:rPr/>
-              <a:t> </a:t>
-            </a:r>
-            <a:r>
-              <a:rPr/>
-              <a:t>and</a:t>
+              <a:t>bridge</a:t>
+            </a:r>
+            <a:r>
+              <a:rPr/>
+              <a:t> </a:t>
+            </a:r>
+            <a:r>
+              <a:rPr/>
+              <a:t>from</a:t>
             </a:r>
             <a:r>
               <a:rPr/>
@@ -8458,39 +8900,39 @@
             </a:r>
             <a:r>
               <a:rPr/>
-              <a:t>field</a:t>
-            </a:r>
-            <a:r>
-              <a:rPr/>
-              <a:t> </a:t>
-            </a:r>
-            <a:r>
-              <a:rPr/>
-              <a:t>study</a:t>
-            </a:r>
-            <a:r>
-              <a:rPr/>
-              <a:t> </a:t>
-            </a:r>
-            <a:r>
-              <a:rPr/>
-              <a:t>is</a:t>
-            </a:r>
-            <a:r>
-              <a:rPr/>
-              <a:t> </a:t>
-            </a:r>
-            <a:r>
-              <a:rPr/>
-              <a:t>fairly</a:t>
-            </a:r>
-            <a:r>
-              <a:rPr/>
-              <a:t> </a:t>
-            </a:r>
-            <a:r>
-              <a:rPr/>
-              <a:t>likeloy</a:t>
+              <a:t>the</a:t>
+            </a:r>
+            <a:r>
+              <a:rPr/>
+              <a:t> </a:t>
+            </a:r>
+            <a:r>
+              <a:rPr/>
+              <a:t>carefully</a:t>
+            </a:r>
+            <a:r>
+              <a:rPr/>
+              <a:t> </a:t>
+            </a:r>
+            <a:r>
+              <a:rPr/>
+              <a:t>controlled</a:t>
+            </a:r>
+            <a:r>
+              <a:rPr/>
+              <a:t> </a:t>
+            </a:r>
+            <a:r>
+              <a:rPr/>
+              <a:t>clinical</a:t>
+            </a:r>
+            <a:r>
+              <a:rPr/>
+              <a:t> </a:t>
+            </a:r>
+            <a:r>
+              <a:rPr/>
+              <a:t>trial</a:t>
             </a:r>
             <a:r>
               <a:rPr/>
@@ -8506,143 +8948,55 @@
             </a:r>
             <a:r>
               <a:rPr/>
-              <a:t>be</a:t>
-            </a:r>
-            <a:r>
-              <a:rPr/>
-              <a:t> </a:t>
-            </a:r>
-            <a:r>
-              <a:rPr/>
-              <a:t>an</a:t>
-            </a:r>
-            <a:r>
-              <a:rPr/>
-              <a:t> </a:t>
-            </a:r>
-            <a:r>
-              <a:rPr/>
-              <a:t>applied</a:t>
-            </a:r>
-            <a:r>
-              <a:rPr/>
-              <a:t> </a:t>
-            </a:r>
-            <a:r>
-              <a:rPr/>
-              <a:t>study.</a:t>
-            </a:r>
-            <a:r>
-              <a:rPr/>
-              <a:t> </a:t>
-            </a:r>
-            <a:r>
-              <a:rPr/>
-              <a:t>A</a:t>
-            </a:r>
-            <a:r>
-              <a:rPr/>
-              <a:t> </a:t>
-            </a:r>
-            <a:r>
-              <a:rPr/>
-              <a:t>constructivist</a:t>
-            </a:r>
-            <a:r>
-              <a:rPr/>
-              <a:t> </a:t>
-            </a:r>
-            <a:r>
-              <a:rPr/>
-              <a:t>(qualitative)</a:t>
-            </a:r>
-            <a:r>
-              <a:rPr/>
-              <a:t> </a:t>
-            </a:r>
-            <a:r>
-              <a:rPr/>
-              <a:t>approach</a:t>
-            </a:r>
-            <a:r>
-              <a:rPr/>
-              <a:t> </a:t>
-            </a:r>
-            <a:r>
-              <a:rPr/>
-              <a:t>to</a:t>
-            </a:r>
-            <a:r>
-              <a:rPr/>
-              <a:t> </a:t>
-            </a:r>
-            <a:r>
-              <a:rPr/>
-              <a:t>research</a:t>
-            </a:r>
-            <a:r>
-              <a:rPr/>
-              <a:t> </a:t>
-            </a:r>
-            <a:r>
-              <a:rPr/>
-              <a:t>is</a:t>
-            </a:r>
-            <a:r>
-              <a:rPr/>
-              <a:t> </a:t>
-            </a:r>
-            <a:r>
-              <a:rPr/>
-              <a:t>fairly</a:t>
-            </a:r>
-            <a:r>
-              <a:rPr/>
-              <a:t> </a:t>
-            </a:r>
-            <a:r>
-              <a:rPr/>
-              <a:t>likely</a:t>
-            </a:r>
-            <a:r>
-              <a:rPr/>
-              <a:t> </a:t>
-            </a:r>
-            <a:r>
-              <a:rPr/>
-              <a:t>to</a:t>
-            </a:r>
-            <a:r>
-              <a:rPr/>
-              <a:t> </a:t>
-            </a:r>
-            <a:r>
-              <a:rPr/>
-              <a:t>collect</a:t>
-            </a:r>
-            <a:r>
-              <a:rPr/>
-              <a:t> </a:t>
-            </a:r>
-            <a:r>
-              <a:rPr/>
-              <a:t>subjective</a:t>
-            </a:r>
-            <a:r>
-              <a:rPr/>
-              <a:t> </a:t>
-            </a:r>
-            <a:r>
-              <a:rPr/>
-              <a:t>(qualitative)</a:t>
-            </a:r>
-            <a:r>
-              <a:rPr/>
-              <a:t> </a:t>
-            </a:r>
-            <a:r>
-              <a:rPr/>
-              <a:t>data.</a:t>
+              <a:t>actual</a:t>
+            </a:r>
+            <a:r>
+              <a:rPr/>
+              <a:t> </a:t>
+            </a:r>
+            <a:r>
+              <a:rPr/>
+              <a:t>practice</a:t>
+            </a:r>
+            <a:r>
+              <a:rPr/>
+              <a:t> </a:t>
+            </a:r>
+            <a:r>
+              <a:rPr/>
+              <a:t>settings</a:t>
+            </a:r>
+            <a:r>
+              <a:rPr/>
+              <a:t> </a:t>
+            </a:r>
+            <a:r>
+              <a:rPr/>
+              <a:t>in</a:t>
+            </a:r>
+            <a:r>
+              <a:rPr/>
+              <a:t> </a:t>
+            </a:r>
+            <a:r>
+              <a:rPr/>
+              <a:t>the</a:t>
+            </a:r>
+            <a:r>
+              <a:rPr/>
+              <a:t> </a:t>
+            </a:r>
+            <a:r>
+              <a:rPr/>
+              <a:t>regular</a:t>
+            </a:r>
+            <a:r>
+              <a:rPr/>
+              <a:t> </a:t>
+            </a:r>
+            <a:r>
+              <a:rPr/>
+              <a:t>community.</a:t>
             </a:r>
           </a:p>
           <a:p>
@@ -8656,31 +9010,295 @@
             </a:pPr>
             <a:r>
               <a:rPr/>
-              <a:t>But</a:t>
-            </a:r>
-            <a:r>
-              <a:rPr/>
-              <a:t> </a:t>
-            </a:r>
-            <a:r>
-              <a:rPr/>
-              <a:t>there</a:t>
-            </a:r>
-            <a:r>
-              <a:rPr/>
-              <a:t> </a:t>
-            </a:r>
-            <a:r>
-              <a:rPr/>
-              <a:t>are</a:t>
-            </a:r>
-            <a:r>
-              <a:rPr/>
-              <a:t> </a:t>
-            </a:r>
-            <a:r>
-              <a:rPr/>
-              <a:t>plenty</a:t>
+              <a:t>Some</a:t>
+            </a:r>
+            <a:r>
+              <a:rPr/>
+              <a:t> </a:t>
+            </a:r>
+            <a:r>
+              <a:rPr/>
+              <a:t>people</a:t>
+            </a:r>
+            <a:r>
+              <a:rPr/>
+              <a:t> </a:t>
+            </a:r>
+            <a:r>
+              <a:rPr/>
+              <a:t>further</a:t>
+            </a:r>
+            <a:r>
+              <a:rPr/>
+              <a:t> </a:t>
+            </a:r>
+            <a:r>
+              <a:rPr/>
+              <a:t>divide</a:t>
+            </a:r>
+            <a:r>
+              <a:rPr/>
+              <a:t> </a:t>
+            </a:r>
+            <a:r>
+              <a:rPr/>
+              <a:t>translational</a:t>
+            </a:r>
+            <a:r>
+              <a:rPr/>
+              <a:t> </a:t>
+            </a:r>
+            <a:r>
+              <a:rPr/>
+              <a:t>research</a:t>
+            </a:r>
+            <a:r>
+              <a:rPr/>
+              <a:t> </a:t>
+            </a:r>
+            <a:r>
+              <a:rPr/>
+              <a:t>into</a:t>
+            </a:r>
+            <a:r>
+              <a:rPr/>
+              <a:t> </a:t>
+            </a:r>
+            <a:r>
+              <a:rPr/>
+              <a:t>even</a:t>
+            </a:r>
+            <a:r>
+              <a:rPr/>
+              <a:t> </a:t>
+            </a:r>
+            <a:r>
+              <a:rPr/>
+              <a:t>more</a:t>
+            </a:r>
+            <a:r>
+              <a:rPr/>
+              <a:t> </a:t>
+            </a:r>
+            <a:r>
+              <a:rPr/>
+              <a:t>categories,</a:t>
+            </a:r>
+            <a:r>
+              <a:rPr/>
+              <a:t> </a:t>
+            </a:r>
+            <a:r>
+              <a:rPr/>
+              <a:t>T3,</a:t>
+            </a:r>
+            <a:r>
+              <a:rPr/>
+              <a:t> </a:t>
+            </a:r>
+            <a:r>
+              <a:rPr/>
+              <a:t>T4,</a:t>
+            </a:r>
+            <a:r>
+              <a:rPr/>
+              <a:t> </a:t>
+            </a:r>
+            <a:r>
+              <a:rPr/>
+              <a:t>and</a:t>
+            </a:r>
+            <a:r>
+              <a:rPr/>
+              <a:t> </a:t>
+            </a:r>
+            <a:r>
+              <a:rPr/>
+              <a:t>even</a:t>
+            </a:r>
+            <a:r>
+              <a:rPr/>
+              <a:t> </a:t>
+            </a:r>
+            <a:r>
+              <a:rPr/>
+              <a:t>T5.</a:t>
+            </a:r>
+            <a:r>
+              <a:rPr/>
+              <a:t> </a:t>
+            </a:r>
+            <a:r>
+              <a:rPr/>
+              <a:t>If</a:t>
+            </a:r>
+            <a:r>
+              <a:rPr/>
+              <a:t> </a:t>
+            </a:r>
+            <a:r>
+              <a:rPr/>
+              <a:t>you</a:t>
+            </a:r>
+            <a:r>
+              <a:rPr/>
+              <a:t> </a:t>
+            </a:r>
+            <a:r>
+              <a:rPr/>
+              <a:t>have</a:t>
+            </a:r>
+            <a:r>
+              <a:rPr/>
+              <a:t> </a:t>
+            </a:r>
+            <a:r>
+              <a:rPr/>
+              <a:t>a</a:t>
+            </a:r>
+            <a:r>
+              <a:rPr/>
+              <a:t> </a:t>
+            </a:r>
+            <a:r>
+              <a:rPr/>
+              <a:t>good</a:t>
+            </a:r>
+            <a:r>
+              <a:rPr/>
+              <a:t> </a:t>
+            </a:r>
+            <a:r>
+              <a:rPr/>
+              <a:t>resource</a:t>
+            </a:r>
+            <a:r>
+              <a:rPr/>
+              <a:t> </a:t>
+            </a:r>
+            <a:r>
+              <a:rPr/>
+              <a:t>that</a:t>
+            </a:r>
+            <a:r>
+              <a:rPr/>
+              <a:t> </a:t>
+            </a:r>
+            <a:r>
+              <a:rPr/>
+              <a:t>explains</a:t>
+            </a:r>
+            <a:r>
+              <a:rPr/>
+              <a:t> </a:t>
+            </a:r>
+            <a:r>
+              <a:rPr/>
+              <a:t>clearly</a:t>
+            </a:r>
+            <a:r>
+              <a:rPr/>
+              <a:t> </a:t>
+            </a:r>
+            <a:r>
+              <a:rPr/>
+              <a:t>what</a:t>
+            </a:r>
+            <a:r>
+              <a:rPr/>
+              <a:t> </a:t>
+            </a:r>
+            <a:r>
+              <a:rPr/>
+              <a:t>T5</a:t>
+            </a:r>
+            <a:r>
+              <a:rPr/>
+              <a:t> </a:t>
+            </a:r>
+            <a:r>
+              <a:rPr/>
+              <a:t>research</a:t>
+            </a:r>
+            <a:r>
+              <a:rPr/>
+              <a:t> </a:t>
+            </a:r>
+            <a:r>
+              <a:rPr/>
+              <a:t>is,</a:t>
+            </a:r>
+            <a:r>
+              <a:rPr/>
+              <a:t> </a:t>
+            </a:r>
+            <a:r>
+              <a:rPr/>
+              <a:t>I’d</a:t>
+            </a:r>
+            <a:r>
+              <a:rPr/>
+              <a:t> </a:t>
+            </a:r>
+            <a:r>
+              <a:rPr/>
+              <a:t>encourage</a:t>
+            </a:r>
+            <a:r>
+              <a:rPr/>
+              <a:t> </a:t>
+            </a:r>
+            <a:r>
+              <a:rPr/>
+              <a:t>you</a:t>
+            </a:r>
+            <a:r>
+              <a:rPr/>
+              <a:t> </a:t>
+            </a:r>
+            <a:r>
+              <a:rPr/>
+              <a:t>to</a:t>
+            </a:r>
+            <a:r>
+              <a:rPr/>
+              <a:t> </a:t>
+            </a:r>
+            <a:r>
+              <a:rPr/>
+              <a:t>share</a:t>
+            </a:r>
+            <a:r>
+              <a:rPr/>
+              <a:t> </a:t>
+            </a:r>
+            <a:r>
+              <a:rPr/>
+              <a:t>it</a:t>
+            </a:r>
+            <a:r>
+              <a:rPr/>
+              <a:t> </a:t>
+            </a:r>
+            <a:r>
+              <a:rPr/>
+              <a:t>with</a:t>
+            </a:r>
+            <a:r>
+              <a:rPr/>
+              <a:t> </a:t>
+            </a:r>
+            <a:r>
+              <a:rPr/>
+              <a:t>the</a:t>
+            </a:r>
+            <a:r>
+              <a:rPr/>
+              <a:t> </a:t>
+            </a:r>
+            <a:r>
+              <a:rPr/>
+              <a:t>rest</a:t>
             </a:r>
             <a:r>
               <a:rPr/>
@@ -8696,190 +9314,6 @@
             </a:r>
             <a:r>
               <a:rPr/>
-              <a:t>exceptions</a:t>
-            </a:r>
-            <a:r>
-              <a:rPr/>
-              <a:t> </a:t>
-            </a:r>
-            <a:r>
-              <a:rPr/>
-              <a:t>to</a:t>
-            </a:r>
-            <a:r>
-              <a:rPr/>
-              <a:t> </a:t>
-            </a:r>
-            <a:r>
-              <a:rPr/>
-              <a:t>these</a:t>
-            </a:r>
-            <a:r>
-              <a:rPr/>
-              <a:t> </a:t>
-            </a:r>
-            <a:r>
-              <a:rPr/>
-              <a:t>associations.</a:t>
-            </a:r>
-            <a:r>
-              <a:rPr/>
-              <a:t> </a:t>
-            </a:r>
-            <a:r>
-              <a:rPr/>
-              <a:t>Some</a:t>
-            </a:r>
-            <a:r>
-              <a:rPr/>
-              <a:t> </a:t>
-            </a:r>
-            <a:r>
-              <a:rPr/>
-              <a:t>field</a:t>
-            </a:r>
-            <a:r>
-              <a:rPr/>
-              <a:t> </a:t>
-            </a:r>
-            <a:r>
-              <a:rPr/>
-              <a:t>studies</a:t>
-            </a:r>
-            <a:r>
-              <a:rPr/>
-              <a:t> </a:t>
-            </a:r>
-            <a:r>
-              <a:rPr/>
-              <a:t>are</a:t>
-            </a:r>
-            <a:r>
-              <a:rPr/>
-              <a:t> </a:t>
-            </a:r>
-            <a:r>
-              <a:rPr/>
-              <a:t>theoretical</a:t>
-            </a:r>
-            <a:r>
-              <a:rPr/>
-              <a:t> </a:t>
-            </a:r>
-            <a:r>
-              <a:rPr/>
-              <a:t>and</a:t>
-            </a:r>
-            <a:r>
-              <a:rPr/>
-              <a:t> </a:t>
-            </a:r>
-            <a:r>
-              <a:rPr/>
-              <a:t>some</a:t>
-            </a:r>
-            <a:r>
-              <a:rPr/>
-              <a:t> </a:t>
-            </a:r>
-            <a:r>
-              <a:rPr/>
-              <a:t>lab</a:t>
-            </a:r>
-            <a:r>
-              <a:rPr/>
-              <a:t> </a:t>
-            </a:r>
-            <a:r>
-              <a:rPr/>
-              <a:t>studies</a:t>
-            </a:r>
-            <a:r>
-              <a:rPr/>
-              <a:t> </a:t>
-            </a:r>
-            <a:r>
-              <a:rPr/>
-              <a:t>are</a:t>
-            </a:r>
-            <a:r>
-              <a:rPr/>
-              <a:t> </a:t>
-            </a:r>
-            <a:r>
-              <a:rPr/>
-              <a:t>applied.</a:t>
-            </a:r>
-            <a:r>
-              <a:rPr/>
-              <a:t> </a:t>
-            </a:r>
-            <a:r>
-              <a:rPr/>
-              <a:t>A</a:t>
-            </a:r>
-            <a:r>
-              <a:rPr/>
-              <a:t> </a:t>
-            </a:r>
-            <a:r>
-              <a:rPr/>
-              <a:t>qualitative</a:t>
-            </a:r>
-            <a:r>
-              <a:rPr/>
-              <a:t> </a:t>
-            </a:r>
-            <a:r>
-              <a:rPr/>
-              <a:t>approach</a:t>
-            </a:r>
-            <a:r>
-              <a:rPr/>
-              <a:t> </a:t>
-            </a:r>
-            <a:r>
-              <a:rPr/>
-              <a:t>to</a:t>
-            </a:r>
-            <a:r>
-              <a:rPr/>
-              <a:t> </a:t>
-            </a:r>
-            <a:r>
-              <a:rPr/>
-              <a:t>research</a:t>
-            </a:r>
-            <a:r>
-              <a:rPr/>
-              <a:t> </a:t>
-            </a:r>
-            <a:r>
-              <a:rPr/>
-              <a:t>might</a:t>
-            </a:r>
-            <a:r>
-              <a:rPr/>
-              <a:t> </a:t>
-            </a:r>
-            <a:r>
-              <a:rPr/>
-              <a:t>often</a:t>
-            </a:r>
-            <a:r>
-              <a:rPr/>
-              <a:t> </a:t>
-            </a:r>
-            <a:r>
-              <a:rPr/>
-              <a:t>require</a:t>
-            </a:r>
-            <a:r>
-              <a:rPr/>
-              <a:t> </a:t>
-            </a:r>
-            <a:r>
-              <a:rPr/>
               <a:t>the</a:t>
             </a:r>
             <a:r>
@@ -8888,31 +9322,7 @@
             </a:r>
             <a:r>
               <a:rPr/>
-              <a:t>collection</a:t>
-            </a:r>
-            <a:r>
-              <a:rPr/>
-              <a:t> </a:t>
-            </a:r>
-            <a:r>
-              <a:rPr/>
-              <a:t>of</a:t>
-            </a:r>
-            <a:r>
-              <a:rPr/>
-              <a:t> </a:t>
-            </a:r>
-            <a:r>
-              <a:rPr/>
-              <a:t>quantitative</a:t>
-            </a:r>
-            <a:r>
-              <a:rPr/>
-              <a:t> </a:t>
-            </a:r>
-            <a:r>
-              <a:rPr/>
-              <a:t>data.</a:t>
+              <a:t>class.</a:t>
             </a:r>
           </a:p>
           <a:p>
@@ -8926,39 +9336,47 @@
             </a:pPr>
             <a:r>
               <a:rPr/>
-              <a:t>The</a:t>
-            </a:r>
-            <a:r>
-              <a:rPr/>
-              <a:t> </a:t>
-            </a:r>
-            <a:r>
-              <a:rPr/>
-              <a:t>term</a:t>
-            </a:r>
-            <a:r>
-              <a:rPr/>
-              <a:t> </a:t>
-            </a:r>
-            <a:r>
-              <a:rPr/>
-              <a:t>mixed</a:t>
-            </a:r>
-            <a:r>
-              <a:rPr/>
-              <a:t> </a:t>
-            </a:r>
-            <a:r>
-              <a:rPr/>
-              <a:t>methods</a:t>
-            </a:r>
-            <a:r>
-              <a:rPr/>
-              <a:t> </a:t>
-            </a:r>
-            <a:r>
-              <a:rPr/>
-              <a:t>means</a:t>
+              <a:t>Like</a:t>
+            </a:r>
+            <a:r>
+              <a:rPr/>
+              <a:t> </a:t>
+            </a:r>
+            <a:r>
+              <a:rPr/>
+              <a:t>every</a:t>
+            </a:r>
+            <a:r>
+              <a:rPr/>
+              <a:t> </a:t>
+            </a:r>
+            <a:r>
+              <a:rPr/>
+              <a:t>other</a:t>
+            </a:r>
+            <a:r>
+              <a:rPr/>
+              <a:t> </a:t>
+            </a:r>
+            <a:r>
+              <a:rPr/>
+              <a:t>dichotomy,</a:t>
+            </a:r>
+            <a:r>
+              <a:rPr/>
+              <a:t> </a:t>
+            </a:r>
+            <a:r>
+              <a:rPr/>
+              <a:t>it</a:t>
+            </a:r>
+            <a:r>
+              <a:rPr/>
+              <a:t> </a:t>
+            </a:r>
+            <a:r>
+              <a:rPr/>
+              <a:t>is</a:t>
             </a:r>
             <a:r>
               <a:rPr/>
@@ -8974,7 +9392,39 @@
             </a:r>
             <a:r>
               <a:rPr/>
-              <a:t>mixture</a:t>
+              <a:t>mistake</a:t>
+            </a:r>
+            <a:r>
+              <a:rPr/>
+              <a:t> </a:t>
+            </a:r>
+            <a:r>
+              <a:rPr/>
+              <a:t>to</a:t>
+            </a:r>
+            <a:r>
+              <a:rPr/>
+              <a:t> </a:t>
+            </a:r>
+            <a:r>
+              <a:rPr/>
+              <a:t>view</a:t>
+            </a:r>
+            <a:r>
+              <a:rPr/>
+              <a:t> </a:t>
+            </a:r>
+            <a:r>
+              <a:rPr/>
+              <a:t>one</a:t>
+            </a:r>
+            <a:r>
+              <a:rPr/>
+              <a:t> </a:t>
+            </a:r>
+            <a:r>
+              <a:rPr/>
+              <a:t>side</a:t>
             </a:r>
             <a:r>
               <a:rPr/>
@@ -8990,30 +9440,6 @@
             </a:r>
             <a:r>
               <a:rPr/>
-              <a:t>both</a:t>
-            </a:r>
-            <a:r>
-              <a:rPr/>
-              <a:t> </a:t>
-            </a:r>
-            <a:r>
-              <a:rPr/>
-              <a:t>ends</a:t>
-            </a:r>
-            <a:r>
-              <a:rPr/>
-              <a:t> </a:t>
-            </a:r>
-            <a:r>
-              <a:rPr/>
-              <a:t>of</a:t>
-            </a:r>
-            <a:r>
-              <a:rPr/>
-              <a:t> </a:t>
-            </a:r>
-            <a:r>
-              <a:rPr/>
               <a:t>the</a:t>
             </a:r>
             <a:r>
@@ -9022,309 +9448,31 @@
             </a:r>
             <a:r>
               <a:rPr/>
-              <a:t>dichotomy:</a:t>
-            </a:r>
-            <a:r>
-              <a:rPr/>
-              <a:t> </a:t>
-            </a:r>
-            <a:r>
-              <a:rPr/>
-              <a:t>a</a:t>
-            </a:r>
-            <a:r>
-              <a:rPr/>
-              <a:t> </a:t>
-            </a:r>
-            <a:r>
-              <a:rPr/>
-              <a:t>collection</a:t>
-            </a:r>
-            <a:r>
-              <a:rPr/>
-              <a:t> </a:t>
-            </a:r>
-            <a:r>
-              <a:rPr/>
-              <a:t>of</a:t>
-            </a:r>
-            <a:r>
-              <a:rPr/>
-              <a:t> </a:t>
-            </a:r>
-            <a:r>
-              <a:rPr/>
-              <a:t>both</a:t>
-            </a:r>
-            <a:r>
-              <a:rPr/>
-              <a:t> </a:t>
-            </a:r>
-            <a:r>
-              <a:rPr/>
-              <a:t>quantitative</a:t>
-            </a:r>
-            <a:r>
-              <a:rPr/>
-              <a:t> </a:t>
-            </a:r>
-            <a:r>
-              <a:rPr/>
-              <a:t>and</a:t>
-            </a:r>
-            <a:r>
-              <a:rPr/>
-              <a:t> </a:t>
-            </a:r>
-            <a:r>
-              <a:rPr/>
-              <a:t>qualitative</a:t>
-            </a:r>
-            <a:r>
-              <a:rPr/>
-              <a:t> </a:t>
-            </a:r>
-            <a:r>
-              <a:rPr/>
-              <a:t>data,</a:t>
-            </a:r>
-            <a:r>
-              <a:rPr/>
-              <a:t> </a:t>
-            </a:r>
-            <a:r>
-              <a:rPr/>
-              <a:t>for</a:t>
-            </a:r>
-            <a:r>
-              <a:rPr/>
-              <a:t> </a:t>
-            </a:r>
-            <a:r>
-              <a:rPr/>
-              <a:t>example.</a:t>
-            </a:r>
-          </a:p>
-          <a:p>
-            <a:pPr lvl="0" marL="0" indent="0">
-              <a:buNone/>
-            </a:pPr>
-          </a:p>
-          <a:p>
-            <a:pPr lvl="0" marL="0" indent="0">
-              <a:buNone/>
-            </a:pPr>
-            <a:r>
-              <a:rPr/>
-              <a:t>There</a:t>
-            </a:r>
-            <a:r>
-              <a:rPr/>
-              <a:t> </a:t>
-            </a:r>
-            <a:r>
-              <a:rPr/>
-              <a:t>is</a:t>
-            </a:r>
-            <a:r>
-              <a:rPr/>
-              <a:t> </a:t>
-            </a:r>
-            <a:r>
-              <a:rPr/>
-              <a:t>a</a:t>
-            </a:r>
-            <a:r>
-              <a:rPr/>
-              <a:t> </a:t>
-            </a:r>
-            <a:r>
-              <a:rPr/>
-              <a:t>term,</a:t>
-            </a:r>
-            <a:r>
-              <a:rPr/>
-              <a:t> </a:t>
-            </a:r>
-            <a:r>
-              <a:rPr/>
-              <a:t>triangulation,</a:t>
-            </a:r>
-            <a:r>
-              <a:rPr/>
-              <a:t> </a:t>
-            </a:r>
-            <a:r>
-              <a:rPr/>
-              <a:t>which</a:t>
-            </a:r>
-            <a:r>
-              <a:rPr/>
-              <a:t> </a:t>
-            </a:r>
-            <a:r>
-              <a:rPr/>
-              <a:t>is</a:t>
-            </a:r>
-            <a:r>
-              <a:rPr/>
-              <a:t> </a:t>
-            </a:r>
-            <a:r>
-              <a:rPr/>
-              <a:t>worth</a:t>
-            </a:r>
-            <a:r>
-              <a:rPr/>
-              <a:t> </a:t>
-            </a:r>
-            <a:r>
-              <a:rPr/>
-              <a:t>mentioning</a:t>
-            </a:r>
-            <a:r>
-              <a:rPr/>
-              <a:t> </a:t>
-            </a:r>
-            <a:r>
-              <a:rPr/>
-              <a:t>here,</a:t>
-            </a:r>
-            <a:r>
-              <a:rPr/>
-              <a:t> </a:t>
-            </a:r>
-            <a:r>
-              <a:rPr/>
-              <a:t>though</a:t>
-            </a:r>
-            <a:r>
-              <a:rPr/>
-              <a:t> </a:t>
-            </a:r>
-            <a:r>
-              <a:rPr/>
-              <a:t>it</a:t>
-            </a:r>
-            <a:r>
-              <a:rPr/>
-              <a:t> </a:t>
-            </a:r>
-            <a:r>
-              <a:rPr/>
-              <a:t>is</a:t>
-            </a:r>
-            <a:r>
-              <a:rPr/>
-              <a:t> </a:t>
-            </a:r>
-            <a:r>
-              <a:rPr/>
-              <a:t>not</a:t>
-            </a:r>
-            <a:r>
-              <a:rPr/>
-              <a:t> </a:t>
-            </a:r>
-            <a:r>
-              <a:rPr/>
-              <a:t>in</a:t>
-            </a:r>
-            <a:r>
-              <a:rPr/>
-              <a:t> </a:t>
-            </a:r>
-            <a:r>
-              <a:rPr/>
-              <a:t>your</a:t>
-            </a:r>
-            <a:r>
-              <a:rPr/>
-              <a:t> </a:t>
-            </a:r>
-            <a:r>
-              <a:rPr/>
-              <a:t>book.</a:t>
-            </a:r>
-            <a:r>
-              <a:rPr/>
-              <a:t> </a:t>
-            </a:r>
-            <a:r>
-              <a:rPr/>
-              <a:t>Have</a:t>
-            </a:r>
-            <a:r>
-              <a:rPr/>
-              <a:t> </a:t>
-            </a:r>
-            <a:r>
-              <a:rPr/>
-              <a:t>you</a:t>
-            </a:r>
-            <a:r>
-              <a:rPr/>
-              <a:t> </a:t>
-            </a:r>
-            <a:r>
-              <a:rPr/>
-              <a:t>ever</a:t>
-            </a:r>
-            <a:r>
-              <a:rPr/>
-              <a:t> </a:t>
-            </a:r>
-            <a:r>
-              <a:rPr/>
-              <a:t>wondered</a:t>
-            </a:r>
-            <a:r>
-              <a:rPr/>
-              <a:t> </a:t>
-            </a:r>
-            <a:r>
-              <a:rPr/>
-              <a:t>how</a:t>
-            </a:r>
-            <a:r>
-              <a:rPr/>
-              <a:t> </a:t>
-            </a:r>
-            <a:r>
-              <a:rPr/>
-              <a:t>a</a:t>
-            </a:r>
-            <a:r>
-              <a:rPr/>
-              <a:t> </a:t>
-            </a:r>
-            <a:r>
-              <a:rPr/>
-              <a:t>sailboat</a:t>
-            </a:r>
-            <a:r>
-              <a:rPr/>
-              <a:t> </a:t>
-            </a:r>
-            <a:r>
-              <a:rPr/>
-              <a:t>can</a:t>
-            </a:r>
-            <a:r>
-              <a:rPr/>
-              <a:t> </a:t>
-            </a:r>
-            <a:r>
-              <a:rPr/>
-              <a:t>sail</a:t>
-            </a:r>
-            <a:r>
-              <a:rPr/>
-              <a:t> </a:t>
-            </a:r>
-            <a:r>
-              <a:rPr/>
-              <a:t>into</a:t>
+              <a:t>dichotomy</a:t>
+            </a:r>
+            <a:r>
+              <a:rPr/>
+              <a:t> </a:t>
+            </a:r>
+            <a:r>
+              <a:rPr/>
+              <a:t>as</a:t>
+            </a:r>
+            <a:r>
+              <a:rPr/>
+              <a:t> </a:t>
+            </a:r>
+            <a:r>
+              <a:rPr/>
+              <a:t>superior</a:t>
+            </a:r>
+            <a:r>
+              <a:rPr/>
+              <a:t> </a:t>
+            </a:r>
+            <a:r>
+              <a:rPr/>
+              <a:t>to</a:t>
             </a:r>
             <a:r>
               <a:rPr/>
@@ -9340,1345 +9488,7 @@
             </a:r>
             <a:r>
               <a:rPr/>
-              <a:t>wind?</a:t>
-            </a:r>
-            <a:r>
-              <a:rPr/>
-              <a:t> </a:t>
-            </a:r>
-            <a:r>
-              <a:rPr/>
-              <a:t>If</a:t>
-            </a:r>
-            <a:r>
-              <a:rPr/>
-              <a:t> </a:t>
-            </a:r>
-            <a:r>
-              <a:rPr/>
-              <a:t>the</a:t>
-            </a:r>
-            <a:r>
-              <a:rPr/>
-              <a:t> </a:t>
-            </a:r>
-            <a:r>
-              <a:rPr/>
-              <a:t>wind</a:t>
-            </a:r>
-            <a:r>
-              <a:rPr/>
-              <a:t> </a:t>
-            </a:r>
-            <a:r>
-              <a:rPr/>
-              <a:t>is</a:t>
-            </a:r>
-            <a:r>
-              <a:rPr/>
-              <a:t> </a:t>
-            </a:r>
-            <a:r>
-              <a:rPr/>
-              <a:t>coming</a:t>
-            </a:r>
-            <a:r>
-              <a:rPr/>
-              <a:t> </a:t>
-            </a:r>
-            <a:r>
-              <a:rPr/>
-              <a:t>from</a:t>
-            </a:r>
-            <a:r>
-              <a:rPr/>
-              <a:t> </a:t>
-            </a:r>
-            <a:r>
-              <a:rPr/>
-              <a:t>the</a:t>
-            </a:r>
-            <a:r>
-              <a:rPr/>
-              <a:t> </a:t>
-            </a:r>
-            <a:r>
-              <a:rPr/>
-              <a:t>west,</a:t>
-            </a:r>
-            <a:r>
-              <a:rPr/>
-              <a:t> </a:t>
-            </a:r>
-            <a:r>
-              <a:rPr/>
-              <a:t>how</a:t>
-            </a:r>
-            <a:r>
-              <a:rPr/>
-              <a:t> </a:t>
-            </a:r>
-            <a:r>
-              <a:rPr/>
-              <a:t>can</a:t>
-            </a:r>
-            <a:r>
-              <a:rPr/>
-              <a:t> </a:t>
-            </a:r>
-            <a:r>
-              <a:rPr/>
-              <a:t>you</a:t>
-            </a:r>
-            <a:r>
-              <a:rPr/>
-              <a:t> </a:t>
-            </a:r>
-            <a:r>
-              <a:rPr/>
-              <a:t>get</a:t>
-            </a:r>
-            <a:r>
-              <a:rPr/>
-              <a:t> </a:t>
-            </a:r>
-            <a:r>
-              <a:rPr/>
-              <a:t>a</a:t>
-            </a:r>
-            <a:r>
-              <a:rPr/>
-              <a:t> </a:t>
-            </a:r>
-            <a:r>
-              <a:rPr/>
-              <a:t>sailboat</a:t>
-            </a:r>
-            <a:r>
-              <a:rPr/>
-              <a:t> </a:t>
-            </a:r>
-            <a:r>
-              <a:rPr/>
-              <a:t>to</a:t>
-            </a:r>
-            <a:r>
-              <a:rPr/>
-              <a:t> </a:t>
-            </a:r>
-            <a:r>
-              <a:rPr/>
-              <a:t>go</a:t>
-            </a:r>
-            <a:r>
-              <a:rPr/>
-              <a:t> </a:t>
-            </a:r>
-            <a:r>
-              <a:rPr/>
-              <a:t>west?</a:t>
-            </a:r>
-            <a:r>
-              <a:rPr/>
-              <a:t> </a:t>
-            </a:r>
-            <a:r>
-              <a:rPr/>
-              <a:t>You</a:t>
-            </a:r>
-            <a:r>
-              <a:rPr/>
-              <a:t> </a:t>
-            </a:r>
-            <a:r>
-              <a:rPr/>
-              <a:t>sail</a:t>
-            </a:r>
-            <a:r>
-              <a:rPr/>
-              <a:t> </a:t>
-            </a:r>
-            <a:r>
-              <a:rPr/>
-              <a:t>for</a:t>
-            </a:r>
-            <a:r>
-              <a:rPr/>
-              <a:t> </a:t>
-            </a:r>
-            <a:r>
-              <a:rPr/>
-              <a:t>a</a:t>
-            </a:r>
-            <a:r>
-              <a:rPr/>
-              <a:t> </a:t>
-            </a:r>
-            <a:r>
-              <a:rPr/>
-              <a:t>short</a:t>
-            </a:r>
-            <a:r>
-              <a:rPr/>
-              <a:t> </a:t>
-            </a:r>
-            <a:r>
-              <a:rPr/>
-              <a:t>while</a:t>
-            </a:r>
-            <a:r>
-              <a:rPr/>
-              <a:t> </a:t>
-            </a:r>
-            <a:r>
-              <a:rPr/>
-              <a:t>to</a:t>
-            </a:r>
-            <a:r>
-              <a:rPr/>
-              <a:t> </a:t>
-            </a:r>
-            <a:r>
-              <a:rPr/>
-              <a:t>the</a:t>
-            </a:r>
-            <a:r>
-              <a:rPr/>
-              <a:t> </a:t>
-            </a:r>
-            <a:r>
-              <a:rPr/>
-              <a:t>northwest</a:t>
-            </a:r>
-            <a:r>
-              <a:rPr/>
-              <a:t> </a:t>
-            </a:r>
-            <a:r>
-              <a:rPr/>
-              <a:t>and</a:t>
-            </a:r>
-            <a:r>
-              <a:rPr/>
-              <a:t> </a:t>
-            </a:r>
-            <a:r>
-              <a:rPr/>
-              <a:t>then</a:t>
-            </a:r>
-            <a:r>
-              <a:rPr/>
-              <a:t> </a:t>
-            </a:r>
-            <a:r>
-              <a:rPr/>
-              <a:t>changes</a:t>
-            </a:r>
-            <a:r>
-              <a:rPr/>
-              <a:t> </a:t>
-            </a:r>
-            <a:r>
-              <a:rPr/>
-              <a:t>to</a:t>
-            </a:r>
-            <a:r>
-              <a:rPr/>
-              <a:t> </a:t>
-            </a:r>
-            <a:r>
-              <a:rPr/>
-              <a:t>turn</a:t>
-            </a:r>
-            <a:r>
-              <a:rPr/>
-              <a:t> </a:t>
-            </a:r>
-            <a:r>
-              <a:rPr/>
-              <a:t>southwest.</a:t>
-            </a:r>
-            <a:r>
-              <a:rPr/>
-              <a:t> </a:t>
-            </a:r>
-            <a:r>
-              <a:rPr/>
-              <a:t>Enough</a:t>
-            </a:r>
-            <a:r>
-              <a:rPr/>
-              <a:t> </a:t>
-            </a:r>
-            <a:r>
-              <a:rPr/>
-              <a:t>alternating,</a:t>
-            </a:r>
-            <a:r>
-              <a:rPr/>
-              <a:t> </a:t>
-            </a:r>
-            <a:r>
-              <a:rPr/>
-              <a:t>and</a:t>
-            </a:r>
-            <a:r>
-              <a:rPr/>
-              <a:t> </a:t>
-            </a:r>
-            <a:r>
-              <a:rPr/>
-              <a:t>you</a:t>
-            </a:r>
-            <a:r>
-              <a:rPr/>
-              <a:t> </a:t>
-            </a:r>
-            <a:r>
-              <a:rPr/>
-              <a:t>end</a:t>
-            </a:r>
-            <a:r>
-              <a:rPr/>
-              <a:t> </a:t>
-            </a:r>
-            <a:r>
-              <a:rPr/>
-              <a:t>up</a:t>
-            </a:r>
-            <a:r>
-              <a:rPr/>
-              <a:t> </a:t>
-            </a:r>
-            <a:r>
-              <a:rPr/>
-              <a:t>heading</a:t>
-            </a:r>
-            <a:r>
-              <a:rPr/>
-              <a:t> </a:t>
-            </a:r>
-            <a:r>
-              <a:rPr/>
-              <a:t>due</a:t>
-            </a:r>
-            <a:r>
-              <a:rPr/>
-              <a:t> </a:t>
-            </a:r>
-            <a:r>
-              <a:rPr/>
-              <a:t>west,</a:t>
-            </a:r>
-            <a:r>
-              <a:rPr/>
-              <a:t> </a:t>
-            </a:r>
-            <a:r>
-              <a:rPr/>
-              <a:t>not</a:t>
-            </a:r>
-            <a:r>
-              <a:rPr/>
-              <a:t> </a:t>
-            </a:r>
-            <a:r>
-              <a:rPr/>
-              <a:t>as</a:t>
-            </a:r>
-            <a:r>
-              <a:rPr/>
-              <a:t> </a:t>
-            </a:r>
-            <a:r>
-              <a:rPr/>
-              <a:t>fast</a:t>
-            </a:r>
-            <a:r>
-              <a:rPr/>
-              <a:t> </a:t>
-            </a:r>
-            <a:r>
-              <a:rPr/>
-              <a:t>as</a:t>
-            </a:r>
-            <a:r>
-              <a:rPr/>
-              <a:t> </a:t>
-            </a:r>
-            <a:r>
-              <a:rPr/>
-              <a:t>you’d</a:t>
-            </a:r>
-            <a:r>
-              <a:rPr/>
-              <a:t> </a:t>
-            </a:r>
-            <a:r>
-              <a:rPr/>
-              <a:t>like</a:t>
-            </a:r>
-            <a:r>
-              <a:rPr/>
-              <a:t> </a:t>
-            </a:r>
-            <a:r>
-              <a:rPr/>
-              <a:t>but</a:t>
-            </a:r>
-            <a:r>
-              <a:rPr/>
-              <a:t> </a:t>
-            </a:r>
-            <a:r>
-              <a:rPr/>
-              <a:t>you</a:t>
-            </a:r>
-            <a:r>
-              <a:rPr/>
-              <a:t> </a:t>
-            </a:r>
-            <a:r>
-              <a:rPr/>
-              <a:t>do</a:t>
-            </a:r>
-            <a:r>
-              <a:rPr/>
-              <a:t> </a:t>
-            </a:r>
-            <a:r>
-              <a:rPr/>
-              <a:t>end</a:t>
-            </a:r>
-            <a:r>
-              <a:rPr/>
-              <a:t> </a:t>
-            </a:r>
-            <a:r>
-              <a:rPr/>
-              <a:t>up</a:t>
-            </a:r>
-            <a:r>
-              <a:rPr/>
-              <a:t> </a:t>
-            </a:r>
-            <a:r>
-              <a:rPr/>
-              <a:t>getting</a:t>
-            </a:r>
-            <a:r>
-              <a:rPr/>
-              <a:t> </a:t>
-            </a:r>
-            <a:r>
-              <a:rPr/>
-              <a:t>there.</a:t>
-            </a:r>
-          </a:p>
-          <a:p>
-            <a:pPr lvl="0" marL="0" indent="0">
-              <a:buNone/>
-            </a:pPr>
-          </a:p>
-          <a:p>
-            <a:pPr lvl="0" marL="0" indent="0">
-              <a:buNone/>
-            </a:pPr>
-            <a:r>
-              <a:rPr/>
-              <a:t>Triangulation</a:t>
-            </a:r>
-            <a:r>
-              <a:rPr/>
-              <a:t> </a:t>
-            </a:r>
-            <a:r>
-              <a:rPr/>
-              <a:t>in</a:t>
-            </a:r>
-            <a:r>
-              <a:rPr/>
-              <a:t> </a:t>
-            </a:r>
-            <a:r>
-              <a:rPr/>
-              <a:t>research</a:t>
-            </a:r>
-            <a:r>
-              <a:rPr/>
-              <a:t> </a:t>
-            </a:r>
-            <a:r>
-              <a:rPr/>
-              <a:t>is</a:t>
-            </a:r>
-            <a:r>
-              <a:rPr/>
-              <a:t> </a:t>
-            </a:r>
-            <a:r>
-              <a:rPr/>
-              <a:t>alternating</a:t>
-            </a:r>
-            <a:r>
-              <a:rPr/>
-              <a:t> </a:t>
-            </a:r>
-            <a:r>
-              <a:rPr/>
-              <a:t>between</a:t>
-            </a:r>
-            <a:r>
-              <a:rPr/>
-              <a:t> </a:t>
-            </a:r>
-            <a:r>
-              <a:rPr/>
-              <a:t>a</a:t>
-            </a:r>
-            <a:r>
-              <a:rPr/>
-              <a:t> </a:t>
-            </a:r>
-            <a:r>
-              <a:rPr/>
-              <a:t>constructivist</a:t>
-            </a:r>
-            <a:r>
-              <a:rPr/>
-              <a:t> </a:t>
-            </a:r>
-            <a:r>
-              <a:rPr/>
-              <a:t>approach</a:t>
-            </a:r>
-            <a:r>
-              <a:rPr/>
-              <a:t> </a:t>
-            </a:r>
-            <a:r>
-              <a:rPr/>
-              <a:t>that</a:t>
-            </a:r>
-            <a:r>
-              <a:rPr/>
-              <a:t> </a:t>
-            </a:r>
-            <a:r>
-              <a:rPr/>
-              <a:t>generates</a:t>
-            </a:r>
-            <a:r>
-              <a:rPr/>
-              <a:t> </a:t>
-            </a:r>
-            <a:r>
-              <a:rPr/>
-              <a:t>research</a:t>
-            </a:r>
-            <a:r>
-              <a:rPr/>
-              <a:t> </a:t>
-            </a:r>
-            <a:r>
-              <a:rPr/>
-              <a:t>ideas</a:t>
-            </a:r>
-            <a:r>
-              <a:rPr/>
-              <a:t> </a:t>
-            </a:r>
-            <a:r>
-              <a:rPr/>
-              <a:t>and</a:t>
-            </a:r>
-            <a:r>
-              <a:rPr/>
-              <a:t> </a:t>
-            </a:r>
-            <a:r>
-              <a:rPr/>
-              <a:t>a</a:t>
-            </a:r>
-            <a:r>
-              <a:rPr/>
-              <a:t> </a:t>
-            </a:r>
-            <a:r>
-              <a:rPr/>
-              <a:t>positivist</a:t>
-            </a:r>
-            <a:r>
-              <a:rPr/>
-              <a:t> </a:t>
-            </a:r>
-            <a:r>
-              <a:rPr/>
-              <a:t>approach</a:t>
-            </a:r>
-            <a:r>
-              <a:rPr/>
-              <a:t> </a:t>
-            </a:r>
-            <a:r>
-              <a:rPr/>
-              <a:t>that</a:t>
-            </a:r>
-            <a:r>
-              <a:rPr/>
-              <a:t> </a:t>
-            </a:r>
-            <a:r>
-              <a:rPr/>
-              <a:t>tests</a:t>
-            </a:r>
-            <a:r>
-              <a:rPr/>
-              <a:t> </a:t>
-            </a:r>
-            <a:r>
-              <a:rPr/>
-              <a:t>these</a:t>
-            </a:r>
-            <a:r>
-              <a:rPr/>
-              <a:t> </a:t>
-            </a:r>
-            <a:r>
-              <a:rPr/>
-              <a:t>new</a:t>
-            </a:r>
-            <a:r>
-              <a:rPr/>
-              <a:t> </a:t>
-            </a:r>
-            <a:r>
-              <a:rPr/>
-              <a:t>ideas.</a:t>
-            </a:r>
-            <a:r>
-              <a:rPr/>
-              <a:t> </a:t>
-            </a:r>
-            <a:r>
-              <a:rPr/>
-              <a:t>This</a:t>
-            </a:r>
-            <a:r>
-              <a:rPr/>
-              <a:t> </a:t>
-            </a:r>
-            <a:r>
-              <a:rPr/>
-              <a:t>leads</a:t>
-            </a:r>
-            <a:r>
-              <a:rPr/>
-              <a:t> </a:t>
-            </a:r>
-            <a:r>
-              <a:rPr/>
-              <a:t>to</a:t>
-            </a:r>
-            <a:r>
-              <a:rPr/>
-              <a:t> </a:t>
-            </a:r>
-            <a:r>
-              <a:rPr/>
-              <a:t>an</a:t>
-            </a:r>
-            <a:r>
-              <a:rPr/>
-              <a:t> </a:t>
-            </a:r>
-            <a:r>
-              <a:rPr/>
-              <a:t>exploration</a:t>
-            </a:r>
-            <a:r>
-              <a:rPr/>
-              <a:t> </a:t>
-            </a:r>
-            <a:r>
-              <a:rPr/>
-              <a:t>of</a:t>
-            </a:r>
-            <a:r>
-              <a:rPr/>
-              <a:t> </a:t>
-            </a:r>
-            <a:r>
-              <a:rPr/>
-              <a:t>more</a:t>
-            </a:r>
-            <a:r>
-              <a:rPr/>
-              <a:t> </a:t>
-            </a:r>
-            <a:r>
-              <a:rPr/>
-              <a:t>research</a:t>
-            </a:r>
-            <a:r>
-              <a:rPr/>
-              <a:t> </a:t>
-            </a:r>
-            <a:r>
-              <a:rPr/>
-              <a:t>ideas,</a:t>
-            </a:r>
-            <a:r>
-              <a:rPr/>
-              <a:t> </a:t>
-            </a:r>
-            <a:r>
-              <a:rPr/>
-              <a:t>more</a:t>
-            </a:r>
-            <a:r>
-              <a:rPr/>
-              <a:t> </a:t>
-            </a:r>
-            <a:r>
-              <a:rPr/>
-              <a:t>tests</a:t>
-            </a:r>
-            <a:r>
-              <a:rPr/>
-              <a:t> </a:t>
-            </a:r>
-            <a:r>
-              <a:rPr/>
-              <a:t>of</a:t>
-            </a:r>
-            <a:r>
-              <a:rPr/>
-              <a:t> </a:t>
-            </a:r>
-            <a:r>
-              <a:rPr/>
-              <a:t>those</a:t>
-            </a:r>
-            <a:r>
-              <a:rPr/>
-              <a:t> </a:t>
-            </a:r>
-            <a:r>
-              <a:rPr/>
-              <a:t>ideas,</a:t>
-            </a:r>
-            <a:r>
-              <a:rPr/>
-              <a:t> </a:t>
-            </a:r>
-            <a:r>
-              <a:rPr/>
-              <a:t>and</a:t>
-            </a:r>
-            <a:r>
-              <a:rPr/>
-              <a:t> </a:t>
-            </a:r>
-            <a:r>
-              <a:rPr/>
-              <a:t>so</a:t>
-            </a:r>
-            <a:r>
-              <a:rPr/>
-              <a:t> </a:t>
-            </a:r>
-            <a:r>
-              <a:rPr/>
-              <a:t>forth.</a:t>
-            </a:r>
-          </a:p>
-          <a:p>
-            <a:pPr lvl="0" marL="0" indent="0">
-              <a:buNone/>
-            </a:pPr>
-          </a:p>
-          <a:p>
-            <a:pPr lvl="0" marL="0" indent="0">
-              <a:buNone/>
-            </a:pPr>
-            <a:r>
-              <a:rPr/>
-              <a:t>At</a:t>
-            </a:r>
-            <a:r>
-              <a:rPr/>
-              <a:t> </a:t>
-            </a:r>
-            <a:r>
-              <a:rPr/>
-              <a:t>the</a:t>
-            </a:r>
-            <a:r>
-              <a:rPr/>
-              <a:t> </a:t>
-            </a:r>
-            <a:r>
-              <a:rPr/>
-              <a:t>end</a:t>
-            </a:r>
-            <a:r>
-              <a:rPr/>
-              <a:t> </a:t>
-            </a:r>
-            <a:r>
-              <a:rPr/>
-              <a:t>of</a:t>
-            </a:r>
-            <a:r>
-              <a:rPr/>
-              <a:t> </a:t>
-            </a:r>
-            <a:r>
-              <a:rPr/>
-              <a:t>the</a:t>
-            </a:r>
-            <a:r>
-              <a:rPr/>
-              <a:t> </a:t>
-            </a:r>
-            <a:r>
-              <a:rPr/>
-              <a:t>chapter,</a:t>
-            </a:r>
-            <a:r>
-              <a:rPr/>
-              <a:t> </a:t>
-            </a:r>
-            <a:r>
-              <a:rPr/>
-              <a:t>your</a:t>
-            </a:r>
-            <a:r>
-              <a:rPr/>
-              <a:t> </a:t>
-            </a:r>
-            <a:r>
-              <a:rPr/>
-              <a:t>book</a:t>
-            </a:r>
-            <a:r>
-              <a:rPr/>
-              <a:t> </a:t>
-            </a:r>
-            <a:r>
-              <a:rPr/>
-              <a:t>offers</a:t>
-            </a:r>
-            <a:r>
-              <a:rPr/>
-              <a:t> </a:t>
-            </a:r>
-            <a:r>
-              <a:rPr/>
-              <a:t>what</a:t>
-            </a:r>
-            <a:r>
-              <a:rPr/>
-              <a:t> </a:t>
-            </a:r>
-            <a:r>
-              <a:rPr/>
-              <a:t>I</a:t>
-            </a:r>
-            <a:r>
-              <a:rPr/>
-              <a:t> </a:t>
-            </a:r>
-            <a:r>
-              <a:rPr/>
-              <a:t>think</a:t>
-            </a:r>
-            <a:r>
-              <a:rPr/>
-              <a:t> </a:t>
-            </a:r>
-            <a:r>
-              <a:rPr/>
-              <a:t>is</a:t>
-            </a:r>
-            <a:r>
-              <a:rPr/>
-              <a:t> </a:t>
-            </a:r>
-            <a:r>
-              <a:rPr/>
-              <a:t>a</a:t>
-            </a:r>
-            <a:r>
-              <a:rPr/>
-              <a:t> </a:t>
-            </a:r>
-            <a:r>
-              <a:rPr/>
-              <a:t>thoughtful</a:t>
-            </a:r>
-            <a:r>
-              <a:rPr/>
-              <a:t> </a:t>
-            </a:r>
-            <a:r>
-              <a:rPr/>
-              <a:t>choice:</a:t>
-            </a:r>
-            <a:r>
-              <a:rPr/>
-              <a:t> </a:t>
-            </a:r>
-            <a:r>
-              <a:rPr/>
-              <a:t>the</a:t>
-            </a:r>
-            <a:r>
-              <a:rPr/>
-              <a:t> </a:t>
-            </a:r>
-            <a:r>
-              <a:rPr/>
-              <a:t>pragmatic</a:t>
-            </a:r>
-            <a:r>
-              <a:rPr/>
-              <a:t> </a:t>
-            </a:r>
-            <a:r>
-              <a:rPr/>
-              <a:t>approach.</a:t>
-            </a:r>
-            <a:r>
-              <a:rPr/>
-              <a:t> </a:t>
-            </a:r>
-            <a:r>
-              <a:rPr/>
-              <a:t>A</a:t>
-            </a:r>
-            <a:r>
-              <a:rPr/>
-              <a:t> </a:t>
-            </a:r>
-            <a:r>
-              <a:rPr/>
-              <a:t>good</a:t>
-            </a:r>
-            <a:r>
-              <a:rPr/>
-              <a:t> </a:t>
-            </a:r>
-            <a:r>
-              <a:rPr/>
-              <a:t>researcher</a:t>
-            </a:r>
-            <a:r>
-              <a:rPr/>
-              <a:t> </a:t>
-            </a:r>
-            <a:r>
-              <a:rPr/>
-              <a:t>does</a:t>
-            </a:r>
-            <a:r>
-              <a:rPr/>
-              <a:t> </a:t>
-            </a:r>
-            <a:r>
-              <a:rPr/>
-              <a:t>not</a:t>
-            </a:r>
-            <a:r>
-              <a:rPr/>
-              <a:t> </a:t>
-            </a:r>
-            <a:r>
-              <a:rPr/>
-              <a:t>specialize</a:t>
-            </a:r>
-            <a:r>
-              <a:rPr/>
-              <a:t> </a:t>
-            </a:r>
-            <a:r>
-              <a:rPr/>
-              <a:t>in</a:t>
-            </a:r>
-            <a:r>
-              <a:rPr/>
-              <a:t> </a:t>
-            </a:r>
-            <a:r>
-              <a:rPr/>
-              <a:t>one</a:t>
-            </a:r>
-            <a:r>
-              <a:rPr/>
-              <a:t> </a:t>
-            </a:r>
-            <a:r>
-              <a:rPr/>
-              <a:t>particular</a:t>
-            </a:r>
-            <a:r>
-              <a:rPr/>
-              <a:t> </a:t>
-            </a:r>
-            <a:r>
-              <a:rPr/>
-              <a:t>type</a:t>
-            </a:r>
-            <a:r>
-              <a:rPr/>
-              <a:t> </a:t>
-            </a:r>
-            <a:r>
-              <a:rPr/>
-              <a:t>of</a:t>
-            </a:r>
-            <a:r>
-              <a:rPr/>
-              <a:t> </a:t>
-            </a:r>
-            <a:r>
-              <a:rPr/>
-              <a:t>research,</a:t>
-            </a:r>
-            <a:r>
-              <a:rPr/>
-              <a:t> </a:t>
-            </a:r>
-            <a:r>
-              <a:rPr/>
-              <a:t>but</a:t>
-            </a:r>
-            <a:r>
-              <a:rPr/>
-              <a:t> </a:t>
-            </a:r>
-            <a:r>
-              <a:rPr/>
-              <a:t>uses</a:t>
-            </a:r>
-            <a:r>
-              <a:rPr/>
-              <a:t> </a:t>
-            </a:r>
-            <a:r>
-              <a:rPr/>
-              <a:t>whatever</a:t>
-            </a:r>
-            <a:r>
-              <a:rPr/>
-              <a:t> </a:t>
-            </a:r>
-            <a:r>
-              <a:rPr/>
-              <a:t>approach</a:t>
-            </a:r>
-            <a:r>
-              <a:rPr/>
-              <a:t> </a:t>
-            </a:r>
-            <a:r>
-              <a:rPr/>
-              <a:t>is</a:t>
-            </a:r>
-            <a:r>
-              <a:rPr/>
-              <a:t> </a:t>
-            </a:r>
-            <a:r>
-              <a:rPr/>
-              <a:t>best</a:t>
-            </a:r>
-            <a:r>
-              <a:rPr/>
-              <a:t> </a:t>
-            </a:r>
-            <a:r>
-              <a:rPr/>
-              <a:t>for</a:t>
-            </a:r>
-            <a:r>
-              <a:rPr/>
-              <a:t> </a:t>
-            </a:r>
-            <a:r>
-              <a:rPr/>
-              <a:t>the</a:t>
-            </a:r>
-            <a:r>
-              <a:rPr/>
-              <a:t> </a:t>
-            </a:r>
-            <a:r>
-              <a:rPr/>
-              <a:t>particular</a:t>
-            </a:r>
-            <a:r>
-              <a:rPr/>
-              <a:t> </a:t>
-            </a:r>
-            <a:r>
-              <a:rPr/>
-              <a:t>research</a:t>
-            </a:r>
-            <a:r>
-              <a:rPr/>
-              <a:t> </a:t>
-            </a:r>
-            <a:r>
-              <a:rPr/>
-              <a:t>question.</a:t>
-            </a:r>
-          </a:p>
-          <a:p>
-            <a:pPr lvl="0" marL="0" indent="0">
-              <a:buNone/>
-            </a:pPr>
-          </a:p>
-          <a:p>
-            <a:pPr lvl="0" marL="0" indent="0">
-              <a:buNone/>
-            </a:pPr>
-            <a:r>
-              <a:rPr/>
-              <a:t>I</a:t>
-            </a:r>
-            <a:r>
-              <a:rPr/>
-              <a:t> </a:t>
-            </a:r>
-            <a:r>
-              <a:rPr/>
-              <a:t>need</a:t>
-            </a:r>
-            <a:r>
-              <a:rPr/>
-              <a:t> </a:t>
-            </a:r>
-            <a:r>
-              <a:rPr/>
-              <a:t>to</a:t>
-            </a:r>
-            <a:r>
-              <a:rPr/>
-              <a:t> </a:t>
-            </a:r>
-            <a:r>
-              <a:rPr/>
-              <a:t>emphasize</a:t>
-            </a:r>
-            <a:r>
-              <a:rPr/>
-              <a:t> </a:t>
-            </a:r>
-            <a:r>
-              <a:rPr/>
-              <a:t>again</a:t>
-            </a:r>
-            <a:r>
-              <a:rPr/>
-              <a:t> </a:t>
-            </a:r>
-            <a:r>
-              <a:rPr/>
-              <a:t>that</a:t>
-            </a:r>
-            <a:r>
-              <a:rPr/>
-              <a:t> </a:t>
-            </a:r>
-            <a:r>
-              <a:rPr/>
-              <a:t>you</a:t>
-            </a:r>
-            <a:r>
-              <a:rPr/>
-              <a:t> </a:t>
-            </a:r>
-            <a:r>
-              <a:rPr/>
-              <a:t>never</a:t>
-            </a:r>
-            <a:r>
-              <a:rPr/>
-              <a:t> </a:t>
-            </a:r>
-            <a:r>
-              <a:rPr/>
-              <a:t>stand</a:t>
-            </a:r>
-            <a:r>
-              <a:rPr/>
-              <a:t> </a:t>
-            </a:r>
-            <a:r>
-              <a:rPr/>
-              <a:t>at</a:t>
-            </a:r>
-            <a:r>
-              <a:rPr/>
-              <a:t> </a:t>
-            </a:r>
-            <a:r>
-              <a:rPr/>
-              <a:t>one</a:t>
-            </a:r>
-            <a:r>
-              <a:rPr/>
-              <a:t> </a:t>
-            </a:r>
-            <a:r>
-              <a:rPr/>
-              <a:t>end</a:t>
-            </a:r>
-            <a:r>
-              <a:rPr/>
-              <a:t> </a:t>
-            </a:r>
-            <a:r>
-              <a:rPr/>
-              <a:t>of</a:t>
-            </a:r>
-            <a:r>
-              <a:rPr/>
-              <a:t> </a:t>
-            </a:r>
-            <a:r>
-              <a:rPr/>
-              <a:t>a</a:t>
-            </a:r>
-            <a:r>
-              <a:rPr/>
-              <a:t> </a:t>
-            </a:r>
-            <a:r>
-              <a:rPr/>
-              <a:t>dichotomy</a:t>
-            </a:r>
-            <a:r>
-              <a:rPr/>
-              <a:t> </a:t>
-            </a:r>
-            <a:r>
-              <a:rPr/>
-              <a:t>and</a:t>
-            </a:r>
-            <a:r>
-              <a:rPr/>
-              <a:t> </a:t>
-            </a:r>
-            <a:r>
-              <a:rPr/>
-              <a:t>criticize</a:t>
-            </a:r>
-            <a:r>
-              <a:rPr/>
-              <a:t> </a:t>
-            </a:r>
-            <a:r>
-              <a:rPr/>
-              <a:t>the</a:t>
-            </a:r>
-            <a:r>
-              <a:rPr/>
-              <a:t> </a:t>
-            </a:r>
-            <a:r>
-              <a:rPr/>
-              <a:t>other</a:t>
-            </a:r>
-            <a:r>
-              <a:rPr/>
-              <a:t> </a:t>
-            </a:r>
-            <a:r>
-              <a:rPr/>
-              <a:t>end.</a:t>
-            </a:r>
-            <a:r>
-              <a:rPr/>
-              <a:t> </a:t>
-            </a:r>
-            <a:r>
-              <a:rPr/>
-              <a:t>Don’t</a:t>
-            </a:r>
-            <a:r>
-              <a:rPr/>
-              <a:t> </a:t>
-            </a:r>
-            <a:r>
-              <a:rPr/>
-              <a:t>be</a:t>
-            </a:r>
-            <a:r>
-              <a:rPr/>
-              <a:t> </a:t>
-            </a:r>
-            <a:r>
-              <a:rPr/>
-              <a:t>an</a:t>
-            </a:r>
-            <a:r>
-              <a:rPr/>
-              <a:t> </a:t>
-            </a:r>
-            <a:r>
-              <a:rPr/>
-              <a:t>applied</a:t>
-            </a:r>
-            <a:r>
-              <a:rPr/>
-              <a:t> </a:t>
-            </a:r>
-            <a:r>
-              <a:rPr/>
-              <a:t>researcher</a:t>
-            </a:r>
-            <a:r>
-              <a:rPr/>
-              <a:t> </a:t>
-            </a:r>
-            <a:r>
-              <a:rPr/>
-              <a:t>who</a:t>
-            </a:r>
-            <a:r>
-              <a:rPr/>
-              <a:t> </a:t>
-            </a:r>
-            <a:r>
-              <a:rPr/>
-              <a:t>sneers</a:t>
-            </a:r>
-            <a:r>
-              <a:rPr/>
-              <a:t> </a:t>
-            </a:r>
-            <a:r>
-              <a:rPr/>
-              <a:t>at</a:t>
-            </a:r>
-            <a:r>
-              <a:rPr/>
-              <a:t> </a:t>
-            </a:r>
-            <a:r>
-              <a:rPr/>
-              <a:t>theoretical</a:t>
-            </a:r>
-            <a:r>
-              <a:rPr/>
-              <a:t> </a:t>
-            </a:r>
-            <a:r>
-              <a:rPr/>
-              <a:t>research.</a:t>
+              <a:t>other.</a:t>
             </a:r>
           </a:p>
         </p:txBody>
@@ -10760,7 +9570,71 @@
             </a:pPr>
             <a:r>
               <a:rPr/>
-              <a:t>Here’s</a:t>
+              <a:t>Another</a:t>
+            </a:r>
+            <a:r>
+              <a:rPr/>
+              <a:t> </a:t>
+            </a:r>
+            <a:r>
+              <a:rPr/>
+              <a:t>important</a:t>
+            </a:r>
+            <a:r>
+              <a:rPr/>
+              <a:t> </a:t>
+            </a:r>
+            <a:r>
+              <a:rPr/>
+              <a:t>dichotomy</a:t>
+            </a:r>
+            <a:r>
+              <a:rPr/>
+              <a:t> </a:t>
+            </a:r>
+            <a:r>
+              <a:rPr/>
+              <a:t>is</a:t>
+            </a:r>
+            <a:r>
+              <a:rPr/>
+              <a:t> </a:t>
+            </a:r>
+            <a:r>
+              <a:rPr/>
+              <a:t>deductive</a:t>
+            </a:r>
+            <a:r>
+              <a:rPr/>
+              <a:t> </a:t>
+            </a:r>
+            <a:r>
+              <a:rPr/>
+              <a:t>versus</a:t>
+            </a:r>
+            <a:r>
+              <a:rPr/>
+              <a:t> </a:t>
+            </a:r>
+            <a:r>
+              <a:rPr/>
+              <a:t>inductive</a:t>
+            </a:r>
+            <a:r>
+              <a:rPr/>
+              <a:t> </a:t>
+            </a:r>
+            <a:r>
+              <a:rPr/>
+              <a:t>research.</a:t>
+            </a:r>
+            <a:r>
+              <a:rPr/>
+              <a:t> </a:t>
+            </a:r>
+            <a:r>
+              <a:rPr/>
+              <a:t>Note</a:t>
             </a:r>
             <a:r>
               <a:rPr/>
@@ -10776,55 +9650,31 @@
             </a:r>
             <a:r>
               <a:rPr/>
-              <a:t>diagram</a:t>
-            </a:r>
-            <a:r>
-              <a:rPr/>
-              <a:t> </a:t>
-            </a:r>
-            <a:r>
-              <a:rPr/>
-              <a:t>again.</a:t>
-            </a:r>
-            <a:r>
-              <a:rPr/>
-              <a:t> </a:t>
-            </a:r>
-            <a:r>
-              <a:rPr/>
-              <a:t>The</a:t>
-            </a:r>
-            <a:r>
-              <a:rPr/>
-              <a:t> </a:t>
-            </a:r>
-            <a:r>
-              <a:rPr/>
-              <a:t>“</a:t>
-            </a:r>
-            <a:r>
-              <a:rPr/>
-              <a:t>quantitative</a:t>
-            </a:r>
-            <a:r>
-              <a:rPr/>
-              <a:t>”</a:t>
-            </a:r>
-            <a:r>
-              <a:rPr/>
-              <a:t> </a:t>
-            </a:r>
-            <a:r>
-              <a:rPr/>
-              <a:t>parts</a:t>
-            </a:r>
-            <a:r>
-              <a:rPr/>
-              <a:t> </a:t>
-            </a:r>
-            <a:r>
-              <a:rPr/>
-              <a:t>of</a:t>
+              <a:t>this</a:t>
+            </a:r>
+            <a:r>
+              <a:rPr/>
+              <a:t> </a:t>
+            </a:r>
+            <a:r>
+              <a:rPr/>
+              <a:t>is</a:t>
+            </a:r>
+            <a:r>
+              <a:rPr/>
+              <a:t> </a:t>
+            </a:r>
+            <a:r>
+              <a:rPr/>
+              <a:t>not</a:t>
+            </a:r>
+            <a:r>
+              <a:rPr/>
+              <a:t> </a:t>
+            </a:r>
+            <a:r>
+              <a:rPr/>
+              <a:t>quite</a:t>
             </a:r>
             <a:r>
               <a:rPr/>
@@ -10840,343 +9690,55 @@
             </a:r>
             <a:r>
               <a:rPr/>
-              <a:t>dichotomy</a:t>
-            </a:r>
-            <a:r>
-              <a:rPr/>
-              <a:t> </a:t>
-            </a:r>
-            <a:r>
-              <a:rPr/>
-              <a:t>(positivist</a:t>
-            </a:r>
-            <a:r>
-              <a:rPr/>
-              <a:t> </a:t>
-            </a:r>
-            <a:r>
-              <a:rPr/>
-              <a:t>approach,</a:t>
-            </a:r>
-            <a:r>
-              <a:rPr/>
-              <a:t> </a:t>
-            </a:r>
-            <a:r>
-              <a:rPr/>
-              <a:t>objective</a:t>
-            </a:r>
-            <a:r>
-              <a:rPr/>
-              <a:t> </a:t>
-            </a:r>
-            <a:r>
-              <a:rPr/>
-              <a:t>data,</a:t>
-            </a:r>
-            <a:r>
-              <a:rPr/>
-              <a:t> </a:t>
-            </a:r>
-            <a:r>
-              <a:rPr/>
-              <a:t>and</a:t>
-            </a:r>
-            <a:r>
-              <a:rPr/>
-              <a:t> </a:t>
-            </a:r>
-            <a:r>
-              <a:rPr/>
-              <a:t>inferential</a:t>
-            </a:r>
-            <a:r>
-              <a:rPr/>
-              <a:t> </a:t>
-            </a:r>
-            <a:r>
-              <a:rPr/>
-              <a:t>statistics)</a:t>
-            </a:r>
-            <a:r>
-              <a:rPr/>
-              <a:t> </a:t>
-            </a:r>
-            <a:r>
-              <a:rPr/>
-              <a:t>tend</a:t>
-            </a:r>
-            <a:r>
-              <a:rPr/>
-              <a:t> </a:t>
-            </a:r>
-            <a:r>
-              <a:rPr/>
-              <a:t>to</a:t>
-            </a:r>
-            <a:r>
-              <a:rPr/>
-              <a:t> </a:t>
-            </a:r>
-            <a:r>
-              <a:rPr/>
-              <a:t>congregate</a:t>
-            </a:r>
-            <a:r>
-              <a:rPr/>
-              <a:t> </a:t>
-            </a:r>
-            <a:r>
-              <a:rPr/>
-              <a:t>on</a:t>
-            </a:r>
-            <a:r>
-              <a:rPr/>
-              <a:t> </a:t>
-            </a:r>
-            <a:r>
-              <a:rPr/>
-              <a:t>the</a:t>
-            </a:r>
-            <a:r>
-              <a:rPr/>
-              <a:t> </a:t>
-            </a:r>
-            <a:r>
-              <a:rPr/>
-              <a:t>left</a:t>
-            </a:r>
-            <a:r>
-              <a:rPr/>
-              <a:t> </a:t>
-            </a:r>
-            <a:r>
-              <a:rPr/>
-              <a:t>side</a:t>
-            </a:r>
-            <a:r>
-              <a:rPr/>
-              <a:t> </a:t>
-            </a:r>
-            <a:r>
-              <a:rPr/>
-              <a:t>of</a:t>
-            </a:r>
-            <a:r>
-              <a:rPr/>
-              <a:t> </a:t>
-            </a:r>
-            <a:r>
-              <a:rPr/>
-              <a:t>this</a:t>
-            </a:r>
-            <a:r>
-              <a:rPr/>
-              <a:t> </a:t>
-            </a:r>
-            <a:r>
-              <a:rPr/>
-              <a:t>chart</a:t>
-            </a:r>
-            <a:r>
-              <a:rPr/>
-              <a:t> </a:t>
-            </a:r>
-            <a:r>
-              <a:rPr/>
-              <a:t>and</a:t>
-            </a:r>
-            <a:r>
-              <a:rPr/>
-              <a:t> </a:t>
-            </a:r>
-            <a:r>
-              <a:rPr/>
-              <a:t>the</a:t>
-            </a:r>
-            <a:r>
-              <a:rPr/>
-              <a:t> </a:t>
-            </a:r>
-            <a:r>
-              <a:rPr/>
-              <a:t>“</a:t>
-            </a:r>
-            <a:r>
-              <a:rPr/>
-              <a:t>qualitative</a:t>
-            </a:r>
-            <a:r>
-              <a:rPr/>
-              <a:t>”</a:t>
-            </a:r>
-            <a:r>
-              <a:rPr/>
-              <a:t> </a:t>
-            </a:r>
-            <a:r>
-              <a:rPr/>
-              <a:t>parts</a:t>
-            </a:r>
-            <a:r>
-              <a:rPr/>
-              <a:t> </a:t>
-            </a:r>
-            <a:r>
-              <a:rPr/>
-              <a:t>of</a:t>
-            </a:r>
-            <a:r>
-              <a:rPr/>
-              <a:t> </a:t>
-            </a:r>
-            <a:r>
-              <a:rPr/>
-              <a:t>the</a:t>
-            </a:r>
-            <a:r>
-              <a:rPr/>
-              <a:t> </a:t>
-            </a:r>
-            <a:r>
-              <a:rPr/>
-              <a:t>dichotomy</a:t>
-            </a:r>
-            <a:r>
-              <a:rPr/>
-              <a:t> </a:t>
-            </a:r>
-            <a:r>
-              <a:rPr/>
-              <a:t>(constructivist</a:t>
-            </a:r>
-            <a:r>
-              <a:rPr/>
-              <a:t> </a:t>
-            </a:r>
-            <a:r>
-              <a:rPr/>
-              <a:t>approach,</a:t>
-            </a:r>
-            <a:r>
-              <a:rPr/>
-              <a:t> </a:t>
-            </a:r>
-            <a:r>
-              <a:rPr/>
-              <a:t>subjective</a:t>
-            </a:r>
-            <a:r>
-              <a:rPr/>
-              <a:t> </a:t>
-            </a:r>
-            <a:r>
-              <a:rPr/>
-              <a:t>data,</a:t>
-            </a:r>
-            <a:r>
-              <a:rPr/>
-              <a:t> </a:t>
-            </a:r>
-            <a:r>
-              <a:rPr/>
-              <a:t>and</a:t>
-            </a:r>
-            <a:r>
-              <a:rPr/>
-              <a:t> </a:t>
-            </a:r>
-            <a:r>
-              <a:rPr/>
-              <a:t>descriptive</a:t>
-            </a:r>
-            <a:r>
-              <a:rPr/>
-              <a:t> </a:t>
-            </a:r>
-            <a:r>
-              <a:rPr/>
-              <a:t>statistics)</a:t>
-            </a:r>
-            <a:r>
-              <a:rPr/>
-              <a:t> </a:t>
-            </a:r>
-            <a:r>
-              <a:rPr/>
-              <a:t>tend</a:t>
-            </a:r>
-            <a:r>
-              <a:rPr/>
-              <a:t> </a:t>
-            </a:r>
-            <a:r>
-              <a:rPr/>
-              <a:t>to</a:t>
-            </a:r>
-            <a:r>
-              <a:rPr/>
-              <a:t> </a:t>
-            </a:r>
-            <a:r>
-              <a:rPr/>
-              <a:t>congregate</a:t>
-            </a:r>
-            <a:r>
-              <a:rPr/>
-              <a:t> </a:t>
-            </a:r>
-            <a:r>
-              <a:rPr/>
-              <a:t>on</a:t>
-            </a:r>
-            <a:r>
-              <a:rPr/>
-              <a:t> </a:t>
-            </a:r>
-            <a:r>
-              <a:rPr/>
-              <a:t>the</a:t>
-            </a:r>
-            <a:r>
-              <a:rPr/>
-              <a:t> </a:t>
-            </a:r>
-            <a:r>
-              <a:rPr/>
-              <a:t>right</a:t>
-            </a:r>
-            <a:r>
-              <a:rPr/>
-              <a:t> </a:t>
-            </a:r>
-            <a:r>
-              <a:rPr/>
-              <a:t>side</a:t>
-            </a:r>
-            <a:r>
-              <a:rPr/>
-              <a:t> </a:t>
-            </a:r>
-            <a:r>
-              <a:rPr/>
-              <a:t>of</a:t>
-            </a:r>
-            <a:r>
-              <a:rPr/>
-              <a:t> </a:t>
-            </a:r>
-            <a:r>
-              <a:rPr/>
-              <a:t>this</a:t>
-            </a:r>
-            <a:r>
-              <a:rPr/>
-              <a:t> </a:t>
-            </a:r>
-            <a:r>
-              <a:rPr/>
-              <a:t>chart.</a:t>
+              <a:t>same</a:t>
+            </a:r>
+            <a:r>
+              <a:rPr/>
+              <a:t> </a:t>
+            </a:r>
+            <a:r>
+              <a:rPr/>
+              <a:t>thing</a:t>
+            </a:r>
+            <a:r>
+              <a:rPr/>
+              <a:t> </a:t>
+            </a:r>
+            <a:r>
+              <a:rPr/>
+              <a:t>as</a:t>
+            </a:r>
+            <a:r>
+              <a:rPr/>
+              <a:t> </a:t>
+            </a:r>
+            <a:r>
+              <a:rPr/>
+              <a:t>inductive</a:t>
+            </a:r>
+            <a:r>
+              <a:rPr/>
+              <a:t> </a:t>
+            </a:r>
+            <a:r>
+              <a:rPr/>
+              <a:t>versus</a:t>
+            </a:r>
+            <a:r>
+              <a:rPr/>
+              <a:t> </a:t>
+            </a:r>
+            <a:r>
+              <a:rPr/>
+              <a:t>deductive</a:t>
+            </a:r>
+            <a:r>
+              <a:rPr/>
+              <a:t> </a:t>
+            </a:r>
+            <a:r>
+              <a:rPr/>
+              <a:t>reasoning.</a:t>
             </a:r>
           </a:p>
           <a:p>
@@ -11190,39 +9752,47 @@
             </a:pPr>
             <a:r>
               <a:rPr/>
-              <a:t>Don’t</a:t>
-            </a:r>
-            <a:r>
-              <a:rPr/>
-              <a:t> </a:t>
-            </a:r>
-            <a:r>
-              <a:rPr/>
-              <a:t>take</a:t>
-            </a:r>
-            <a:r>
-              <a:rPr/>
-              <a:t> </a:t>
-            </a:r>
-            <a:r>
-              <a:rPr/>
-              <a:t>this</a:t>
-            </a:r>
-            <a:r>
-              <a:rPr/>
-              <a:t> </a:t>
-            </a:r>
-            <a:r>
-              <a:rPr/>
-              <a:t>chart</a:t>
-            </a:r>
-            <a:r>
-              <a:rPr/>
-              <a:t> </a:t>
-            </a:r>
-            <a:r>
-              <a:rPr/>
-              <a:t>as</a:t>
+              <a:t>With</a:t>
+            </a:r>
+            <a:r>
+              <a:rPr/>
+              <a:t> </a:t>
+            </a:r>
+            <a:r>
+              <a:rPr/>
+              <a:t>deductive</a:t>
+            </a:r>
+            <a:r>
+              <a:rPr/>
+              <a:t> </a:t>
+            </a:r>
+            <a:r>
+              <a:rPr/>
+              <a:t>research,</a:t>
+            </a:r>
+            <a:r>
+              <a:rPr/>
+              <a:t> </a:t>
+            </a:r>
+            <a:r>
+              <a:rPr/>
+              <a:t>you</a:t>
+            </a:r>
+            <a:r>
+              <a:rPr/>
+              <a:t> </a:t>
+            </a:r>
+            <a:r>
+              <a:rPr/>
+              <a:t>rely</a:t>
+            </a:r>
+            <a:r>
+              <a:rPr/>
+              <a:t> </a:t>
+            </a:r>
+            <a:r>
+              <a:rPr/>
+              <a:t>on</a:t>
             </a:r>
             <a:r>
               <a:rPr/>
@@ -11238,7 +9808,143 @@
             </a:r>
             <a:r>
               <a:rPr/>
-              <a:t>mandate,</a:t>
+              <a:t>broad</a:t>
+            </a:r>
+            <a:r>
+              <a:rPr/>
+              <a:t> </a:t>
+            </a:r>
+            <a:r>
+              <a:rPr/>
+              <a:t>theory</a:t>
+            </a:r>
+            <a:r>
+              <a:rPr/>
+              <a:t> </a:t>
+            </a:r>
+            <a:r>
+              <a:rPr/>
+              <a:t>to</a:t>
+            </a:r>
+            <a:r>
+              <a:rPr/>
+              <a:t> </a:t>
+            </a:r>
+            <a:r>
+              <a:rPr/>
+              <a:t>identify</a:t>
+            </a:r>
+            <a:r>
+              <a:rPr/>
+              <a:t> </a:t>
+            </a:r>
+            <a:r>
+              <a:rPr/>
+              <a:t>specific</a:t>
+            </a:r>
+            <a:r>
+              <a:rPr/>
+              <a:t> </a:t>
+            </a:r>
+            <a:r>
+              <a:rPr/>
+              <a:t>hypotheses</a:t>
+            </a:r>
+            <a:r>
+              <a:rPr/>
+              <a:t> </a:t>
+            </a:r>
+            <a:r>
+              <a:rPr/>
+              <a:t>to</a:t>
+            </a:r>
+            <a:r>
+              <a:rPr/>
+              <a:t> </a:t>
+            </a:r>
+            <a:r>
+              <a:rPr/>
+              <a:t>test.</a:t>
+            </a:r>
+            <a:r>
+              <a:rPr/>
+              <a:t> </a:t>
+            </a:r>
+            <a:r>
+              <a:rPr/>
+              <a:t>You</a:t>
+            </a:r>
+            <a:r>
+              <a:rPr/>
+              <a:t> </a:t>
+            </a:r>
+            <a:r>
+              <a:rPr/>
+              <a:t>are</a:t>
+            </a:r>
+            <a:r>
+              <a:rPr/>
+              <a:t> </a:t>
+            </a:r>
+            <a:r>
+              <a:rPr/>
+              <a:t>moving</a:t>
+            </a:r>
+            <a:r>
+              <a:rPr/>
+              <a:t> </a:t>
+            </a:r>
+            <a:r>
+              <a:rPr/>
+              <a:t>from</a:t>
+            </a:r>
+            <a:r>
+              <a:rPr/>
+              <a:t> </a:t>
+            </a:r>
+            <a:r>
+              <a:rPr/>
+              <a:t>a</a:t>
+            </a:r>
+            <a:r>
+              <a:rPr/>
+              <a:t> </a:t>
+            </a:r>
+            <a:r>
+              <a:rPr/>
+              <a:t>general</a:t>
+            </a:r>
+            <a:r>
+              <a:rPr/>
+              <a:t> </a:t>
+            </a:r>
+            <a:r>
+              <a:rPr/>
+              <a:t>knowledge</a:t>
+            </a:r>
+            <a:r>
+              <a:rPr/>
+              <a:t> </a:t>
+            </a:r>
+            <a:r>
+              <a:rPr/>
+              <a:t>base</a:t>
+            </a:r>
+            <a:r>
+              <a:rPr/>
+              <a:t> </a:t>
+            </a:r>
+            <a:r>
+              <a:rPr/>
+              <a:t>to</a:t>
+            </a:r>
+            <a:r>
+              <a:rPr/>
+              <a:t> </a:t>
+            </a:r>
+            <a:r>
+              <a:rPr/>
+              <a:t>identify</a:t>
             </a:r>
             <a:r>
               <a:rPr/>
@@ -11254,7 +9960,77 @@
             </a:r>
             <a:r>
               <a:rPr/>
-              <a:t>certain</a:t>
+              <a:t>test</a:t>
+            </a:r>
+            <a:r>
+              <a:rPr/>
+              <a:t> </a:t>
+            </a:r>
+            <a:r>
+              <a:rPr/>
+              <a:t>specific</a:t>
+            </a:r>
+            <a:r>
+              <a:rPr/>
+              <a:t> </a:t>
+            </a:r>
+            <a:r>
+              <a:rPr/>
+              <a:t>hypotheses</a:t>
+            </a:r>
+            <a:r>
+              <a:rPr/>
+              <a:t> </a:t>
+            </a:r>
+            <a:r>
+              <a:rPr/>
+              <a:t>that</a:t>
+            </a:r>
+            <a:r>
+              <a:rPr/>
+              <a:t> </a:t>
+            </a:r>
+            <a:r>
+              <a:rPr/>
+              <a:t>the</a:t>
+            </a:r>
+            <a:r>
+              <a:rPr/>
+              <a:t> </a:t>
+            </a:r>
+            <a:r>
+              <a:rPr/>
+              <a:t>theory</a:t>
+            </a:r>
+            <a:r>
+              <a:rPr/>
+              <a:t> </a:t>
+            </a:r>
+            <a:r>
+              <a:rPr/>
+              <a:t>would</a:t>
+            </a:r>
+            <a:r>
+              <a:rPr/>
+              <a:t> </a:t>
+            </a:r>
+            <a:r>
+              <a:rPr/>
+              <a:t>predict.</a:t>
+            </a:r>
+          </a:p>
+          <a:p>
+            <a:pPr lvl="0" marL="0" indent="0">
+              <a:buNone/>
+            </a:pPr>
+          </a:p>
+          <a:p>
+            <a:pPr lvl="0" marL="0" indent="0">
+              <a:buNone/>
+            </a:pPr>
+            <a:r>
+              <a:rPr/>
+              <a:t>Inductive</a:t>
             </a:r>
             <a:r>
               <a:rPr/>
@@ -11270,7 +10046,95 @@
             </a:r>
             <a:r>
               <a:rPr/>
-              <a:t>approaches</a:t>
+              <a:t>collects</a:t>
+            </a:r>
+            <a:r>
+              <a:rPr/>
+              <a:t> </a:t>
+            </a:r>
+            <a:r>
+              <a:rPr/>
+              <a:t>specific</a:t>
+            </a:r>
+            <a:r>
+              <a:rPr/>
+              <a:t> </a:t>
+            </a:r>
+            <a:r>
+              <a:rPr/>
+              <a:t>facts</a:t>
+            </a:r>
+            <a:r>
+              <a:rPr/>
+              <a:t> </a:t>
+            </a:r>
+            <a:r>
+              <a:rPr/>
+              <a:t>and</a:t>
+            </a:r>
+            <a:r>
+              <a:rPr/>
+              <a:t> </a:t>
+            </a:r>
+            <a:r>
+              <a:rPr/>
+              <a:t>uses</a:t>
+            </a:r>
+            <a:r>
+              <a:rPr/>
+              <a:t> </a:t>
+            </a:r>
+            <a:r>
+              <a:rPr/>
+              <a:t>them</a:t>
+            </a:r>
+            <a:r>
+              <a:rPr/>
+              <a:t> </a:t>
+            </a:r>
+            <a:r>
+              <a:rPr/>
+              <a:t>to</a:t>
+            </a:r>
+            <a:r>
+              <a:rPr/>
+              <a:t> </a:t>
+            </a:r>
+            <a:r>
+              <a:rPr/>
+              <a:t>develop</a:t>
+            </a:r>
+            <a:r>
+              <a:rPr/>
+              <a:t> </a:t>
+            </a:r>
+            <a:r>
+              <a:rPr/>
+              <a:t>a</a:t>
+            </a:r>
+            <a:r>
+              <a:rPr/>
+              <a:t> </a:t>
+            </a:r>
+            <a:r>
+              <a:rPr/>
+              <a:t>novel</a:t>
+            </a:r>
+            <a:r>
+              <a:rPr/>
+              <a:t> </a:t>
+            </a:r>
+            <a:r>
+              <a:rPr/>
+              <a:t>theory.</a:t>
+            </a:r>
+            <a:r>
+              <a:rPr/>
+              <a:t> </a:t>
+            </a:r>
+            <a:r>
+              <a:rPr/>
+              <a:t>You</a:t>
             </a:r>
             <a:r>
               <a:rPr/>
@@ -11286,6 +10150,78 @@
             </a:r>
             <a:r>
               <a:rPr/>
+              <a:t>moving</a:t>
+            </a:r>
+            <a:r>
+              <a:rPr/>
+              <a:t> </a:t>
+            </a:r>
+            <a:r>
+              <a:rPr/>
+              <a:t>from</a:t>
+            </a:r>
+            <a:r>
+              <a:rPr/>
+              <a:t> </a:t>
+            </a:r>
+            <a:r>
+              <a:rPr/>
+              <a:t>the</a:t>
+            </a:r>
+            <a:r>
+              <a:rPr/>
+              <a:t> </a:t>
+            </a:r>
+            <a:r>
+              <a:rPr/>
+              <a:t>specific</a:t>
+            </a:r>
+            <a:r>
+              <a:rPr/>
+              <a:t> </a:t>
+            </a:r>
+            <a:r>
+              <a:rPr/>
+              <a:t>to</a:t>
+            </a:r>
+            <a:r>
+              <a:rPr/>
+              <a:t> </a:t>
+            </a:r>
+            <a:r>
+              <a:rPr/>
+              <a:t>the</a:t>
+            </a:r>
+            <a:r>
+              <a:rPr/>
+              <a:t> </a:t>
+            </a:r>
+            <a:r>
+              <a:rPr/>
+              <a:t>general.</a:t>
+            </a:r>
+            <a:r>
+              <a:rPr/>
+              <a:t> </a:t>
+            </a:r>
+            <a:r>
+              <a:rPr/>
+              <a:t>Often</a:t>
+            </a:r>
+            <a:r>
+              <a:rPr/>
+              <a:t> </a:t>
+            </a:r>
+            <a:r>
+              <a:rPr/>
+              <a:t>(but</a:t>
+            </a:r>
+            <a:r>
+              <a:rPr/>
+              <a:t> </a:t>
+            </a:r>
+            <a:r>
+              <a:rPr/>
               <a:t>not</a:t>
             </a:r>
             <a:r>
@@ -11294,63 +10230,47 @@
             </a:r>
             <a:r>
               <a:rPr/>
-              <a:t>confined</a:t>
-            </a:r>
-            <a:r>
-              <a:rPr/>
-              <a:t> </a:t>
-            </a:r>
-            <a:r>
-              <a:rPr/>
-              <a:t>unfailingly</a:t>
-            </a:r>
-            <a:r>
-              <a:rPr/>
-              <a:t> </a:t>
-            </a:r>
-            <a:r>
-              <a:rPr/>
-              <a:t>to</a:t>
-            </a:r>
-            <a:r>
-              <a:rPr/>
-              <a:t> </a:t>
-            </a:r>
-            <a:r>
-              <a:rPr/>
-              <a:t>one</a:t>
-            </a:r>
-            <a:r>
-              <a:rPr/>
-              <a:t> </a:t>
-            </a:r>
-            <a:r>
-              <a:rPr/>
-              <a:t>region</a:t>
-            </a:r>
-            <a:r>
-              <a:rPr/>
-              <a:t> </a:t>
-            </a:r>
-            <a:r>
-              <a:rPr/>
-              <a:t>or</a:t>
-            </a:r>
-            <a:r>
-              <a:rPr/>
-              <a:t> </a:t>
-            </a:r>
-            <a:r>
-              <a:rPr/>
-              <a:t>one</a:t>
-            </a:r>
-            <a:r>
-              <a:rPr/>
-              <a:t> </a:t>
-            </a:r>
-            <a:r>
-              <a:rPr/>
-              <a:t>path</a:t>
+              <a:t>always),</a:t>
+            </a:r>
+            <a:r>
+              <a:rPr/>
+              <a:t> </a:t>
+            </a:r>
+            <a:r>
+              <a:rPr/>
+              <a:t>an</a:t>
+            </a:r>
+            <a:r>
+              <a:rPr/>
+              <a:t> </a:t>
+            </a:r>
+            <a:r>
+              <a:rPr/>
+              <a:t>inductive</a:t>
+            </a:r>
+            <a:r>
+              <a:rPr/>
+              <a:t> </a:t>
+            </a:r>
+            <a:r>
+              <a:rPr/>
+              <a:t>research</a:t>
+            </a:r>
+            <a:r>
+              <a:rPr/>
+              <a:t> </a:t>
+            </a:r>
+            <a:r>
+              <a:rPr/>
+              <a:t>project</a:t>
+            </a:r>
+            <a:r>
+              <a:rPr/>
+              <a:t> </a:t>
+            </a:r>
+            <a:r>
+              <a:rPr/>
+              <a:t>relies</a:t>
             </a:r>
             <a:r>
               <a:rPr/>
@@ -11366,103 +10286,15 @@
             </a:r>
             <a:r>
               <a:rPr/>
-              <a:t>this</a:t>
-            </a:r>
-            <a:r>
-              <a:rPr/>
-              <a:t> </a:t>
-            </a:r>
-            <a:r>
-              <a:rPr/>
-              <a:t>diagram.</a:t>
-            </a:r>
-            <a:r>
-              <a:rPr/>
-              <a:t> </a:t>
-            </a:r>
-            <a:r>
-              <a:rPr/>
-              <a:t>But</a:t>
-            </a:r>
-            <a:r>
-              <a:rPr/>
-              <a:t> </a:t>
-            </a:r>
-            <a:r>
-              <a:rPr/>
-              <a:t>when</a:t>
-            </a:r>
-            <a:r>
-              <a:rPr/>
-              <a:t> </a:t>
-            </a:r>
-            <a:r>
-              <a:rPr/>
-              <a:t>the</a:t>
-            </a:r>
-            <a:r>
-              <a:rPr/>
-              <a:t> </a:t>
-            </a:r>
-            <a:r>
-              <a:rPr/>
-              <a:t>seemingly</a:t>
-            </a:r>
-            <a:r>
-              <a:rPr/>
-              <a:t> </a:t>
-            </a:r>
-            <a:r>
-              <a:rPr/>
-              <a:t>infinite</a:t>
-            </a:r>
-            <a:r>
-              <a:rPr/>
-              <a:t> </a:t>
-            </a:r>
-            <a:r>
-              <a:rPr/>
-              <a:t>number</a:t>
-            </a:r>
-            <a:r>
-              <a:rPr/>
-              <a:t> </a:t>
-            </a:r>
-            <a:r>
-              <a:rPr/>
-              <a:t>of</a:t>
-            </a:r>
-            <a:r>
-              <a:rPr/>
-              <a:t> </a:t>
-            </a:r>
-            <a:r>
-              <a:rPr/>
-              <a:t>choices</a:t>
-            </a:r>
-            <a:r>
-              <a:rPr/>
-              <a:t> </a:t>
-            </a:r>
-            <a:r>
-              <a:rPr/>
-              <a:t>that</a:t>
-            </a:r>
-            <a:r>
-              <a:rPr/>
-              <a:t> </a:t>
-            </a:r>
-            <a:r>
-              <a:rPr/>
-              <a:t>you</a:t>
-            </a:r>
-            <a:r>
-              <a:rPr/>
-              <a:t> </a:t>
-            </a:r>
-            <a:r>
-              <a:rPr/>
-              <a:t>face</a:t>
+              <a:t>qualitative</a:t>
+            </a:r>
+            <a:r>
+              <a:rPr/>
+              <a:t> </a:t>
+            </a:r>
+            <a:r>
+              <a:rPr/>
+              <a:t>methods</a:t>
             </a:r>
             <a:r>
               <a:rPr/>
@@ -11478,7 +10310,15 @@
             </a:r>
             <a:r>
               <a:rPr/>
-              <a:t>designing</a:t>
+              <a:t>general</a:t>
+            </a:r>
+            <a:r>
+              <a:rPr/>
+              <a:t> </a:t>
+            </a:r>
+            <a:r>
+              <a:rPr/>
+              <a:t>and</a:t>
             </a:r>
             <a:r>
               <a:rPr/>
@@ -11494,167 +10334,23 @@
             </a:r>
             <a:r>
               <a:rPr/>
-              <a:t>research</a:t>
-            </a:r>
-            <a:r>
-              <a:rPr/>
-              <a:t> </a:t>
-            </a:r>
-            <a:r>
-              <a:rPr/>
-              <a:t>study</a:t>
-            </a:r>
-            <a:r>
-              <a:rPr/>
-              <a:t> </a:t>
-            </a:r>
-            <a:r>
-              <a:rPr/>
-              <a:t>can</a:t>
-            </a:r>
-            <a:r>
-              <a:rPr/>
-              <a:t> </a:t>
-            </a:r>
-            <a:r>
-              <a:rPr/>
-              <a:t>lead</a:t>
-            </a:r>
-            <a:r>
-              <a:rPr/>
-              <a:t> </a:t>
-            </a:r>
-            <a:r>
-              <a:rPr/>
-              <a:t>you</a:t>
-            </a:r>
-            <a:r>
-              <a:rPr/>
-              <a:t> </a:t>
-            </a:r>
-            <a:r>
-              <a:rPr/>
-              <a:t>to</a:t>
-            </a:r>
-            <a:r>
-              <a:rPr/>
-              <a:t> </a:t>
-            </a:r>
-            <a:r>
-              <a:rPr/>
-              <a:t>despair,</a:t>
-            </a:r>
-            <a:r>
-              <a:rPr/>
-              <a:t> </a:t>
-            </a:r>
-            <a:r>
-              <a:rPr/>
-              <a:t>the</a:t>
-            </a:r>
-            <a:r>
-              <a:rPr/>
-              <a:t> </a:t>
-            </a:r>
-            <a:r>
-              <a:rPr/>
-              <a:t>ability</a:t>
-            </a:r>
-            <a:r>
-              <a:rPr/>
-              <a:t> </a:t>
-            </a:r>
-            <a:r>
-              <a:rPr/>
-              <a:t>to</a:t>
-            </a:r>
-            <a:r>
-              <a:rPr/>
-              <a:t> </a:t>
-            </a:r>
-            <a:r>
-              <a:rPr/>
-              <a:t>focus</a:t>
-            </a:r>
-            <a:r>
-              <a:rPr/>
-              <a:t> </a:t>
-            </a:r>
-            <a:r>
-              <a:rPr/>
-              <a:t>on</a:t>
-            </a:r>
-            <a:r>
-              <a:rPr/>
-              <a:t> </a:t>
-            </a:r>
-            <a:r>
-              <a:rPr/>
-              <a:t>a</a:t>
-            </a:r>
-            <a:r>
-              <a:rPr/>
-              <a:t> </a:t>
-            </a:r>
-            <a:r>
-              <a:rPr/>
-              <a:t>smaller</a:t>
-            </a:r>
-            <a:r>
-              <a:rPr/>
-              <a:t> </a:t>
-            </a:r>
-            <a:r>
-              <a:rPr/>
-              <a:t>number</a:t>
-            </a:r>
-            <a:r>
-              <a:rPr/>
-              <a:t> </a:t>
-            </a:r>
-            <a:r>
-              <a:rPr/>
-              <a:t>of</a:t>
-            </a:r>
-            <a:r>
-              <a:rPr/>
-              <a:t> </a:t>
-            </a:r>
-            <a:r>
-              <a:rPr/>
-              <a:t>choices</a:t>
-            </a:r>
-            <a:r>
-              <a:rPr/>
-              <a:t> </a:t>
-            </a:r>
-            <a:r>
-              <a:rPr/>
-              <a:t>can</a:t>
-            </a:r>
-            <a:r>
-              <a:rPr/>
-              <a:t> </a:t>
-            </a:r>
-            <a:r>
-              <a:rPr/>
-              <a:t>help</a:t>
-            </a:r>
-            <a:r>
-              <a:rPr/>
-              <a:t> </a:t>
-            </a:r>
-            <a:r>
-              <a:rPr/>
-              <a:t>a</a:t>
-            </a:r>
-            <a:r>
-              <a:rPr/>
-              <a:t> </a:t>
-            </a:r>
-            <a:r>
-              <a:rPr/>
-              <a:t>lot.</a:t>
+              <a:t>grounded</a:t>
+            </a:r>
+            <a:r>
+              <a:rPr/>
+              <a:t> </a:t>
+            </a:r>
+            <a:r>
+              <a:rPr/>
+              <a:t>theory</a:t>
+            </a:r>
+            <a:r>
+              <a:rPr/>
+              <a:t> </a:t>
+            </a:r>
+            <a:r>
+              <a:rPr/>
+              <a:t>approach.</a:t>
             </a:r>
           </a:p>
         </p:txBody>
@@ -11736,6 +10432,1876 @@
             </a:pPr>
             <a:r>
               <a:rPr/>
+              <a:t>With</a:t>
+            </a:r>
+            <a:r>
+              <a:rPr/>
+              <a:t> </a:t>
+            </a:r>
+            <a:r>
+              <a:rPr/>
+              <a:t>six</a:t>
+            </a:r>
+            <a:r>
+              <a:rPr/>
+              <a:t> </a:t>
+            </a:r>
+            <a:r>
+              <a:rPr/>
+              <a:t>dichotomies,</a:t>
+            </a:r>
+            <a:r>
+              <a:rPr/>
+              <a:t> </a:t>
+            </a:r>
+            <a:r>
+              <a:rPr/>
+              <a:t>there</a:t>
+            </a:r>
+            <a:r>
+              <a:rPr/>
+              <a:t> </a:t>
+            </a:r>
+            <a:r>
+              <a:rPr/>
+              <a:t>are</a:t>
+            </a:r>
+            <a:r>
+              <a:rPr/>
+              <a:t> </a:t>
+            </a:r>
+            <a:r>
+              <a:rPr/>
+              <a:t>two</a:t>
+            </a:r>
+            <a:r>
+              <a:rPr/>
+              <a:t> </a:t>
+            </a:r>
+            <a:r>
+              <a:rPr/>
+              <a:t>raised</a:t>
+            </a:r>
+            <a:r>
+              <a:rPr/>
+              <a:t> </a:t>
+            </a:r>
+            <a:r>
+              <a:rPr/>
+              <a:t>to</a:t>
+            </a:r>
+            <a:r>
+              <a:rPr/>
+              <a:t> </a:t>
+            </a:r>
+            <a:r>
+              <a:rPr/>
+              <a:t>the</a:t>
+            </a:r>
+            <a:r>
+              <a:rPr/>
+              <a:t> </a:t>
+            </a:r>
+            <a:r>
+              <a:rPr/>
+              <a:t>sixth</a:t>
+            </a:r>
+            <a:r>
+              <a:rPr/>
+              <a:t> </a:t>
+            </a:r>
+            <a:r>
+              <a:rPr/>
+              <a:t>power</a:t>
+            </a:r>
+            <a:r>
+              <a:rPr/>
+              <a:t> </a:t>
+            </a:r>
+            <a:r>
+              <a:rPr/>
+              <a:t>or</a:t>
+            </a:r>
+            <a:r>
+              <a:rPr/>
+              <a:t> </a:t>
+            </a:r>
+            <a:r>
+              <a:rPr/>
+              <a:t>64</a:t>
+            </a:r>
+            <a:r>
+              <a:rPr/>
+              <a:t> </a:t>
+            </a:r>
+            <a:r>
+              <a:rPr/>
+              <a:t>different</a:t>
+            </a:r>
+            <a:r>
+              <a:rPr/>
+              <a:t> </a:t>
+            </a:r>
+            <a:r>
+              <a:rPr/>
+              <a:t>types</a:t>
+            </a:r>
+            <a:r>
+              <a:rPr/>
+              <a:t> </a:t>
+            </a:r>
+            <a:r>
+              <a:rPr/>
+              <a:t>of</a:t>
+            </a:r>
+            <a:r>
+              <a:rPr/>
+              <a:t> </a:t>
+            </a:r>
+            <a:r>
+              <a:rPr/>
+              <a:t>research.</a:t>
+            </a:r>
+            <a:r>
+              <a:rPr/>
+              <a:t> </a:t>
+            </a:r>
+            <a:r>
+              <a:rPr/>
+              <a:t>But</a:t>
+            </a:r>
+            <a:r>
+              <a:rPr/>
+              <a:t> </a:t>
+            </a:r>
+            <a:r>
+              <a:rPr/>
+              <a:t>some</a:t>
+            </a:r>
+            <a:r>
+              <a:rPr/>
+              <a:t> </a:t>
+            </a:r>
+            <a:r>
+              <a:rPr/>
+              <a:t>of</a:t>
+            </a:r>
+            <a:r>
+              <a:rPr/>
+              <a:t> </a:t>
+            </a:r>
+            <a:r>
+              <a:rPr/>
+              <a:t>these</a:t>
+            </a:r>
+            <a:r>
+              <a:rPr/>
+              <a:t> </a:t>
+            </a:r>
+            <a:r>
+              <a:rPr/>
+              <a:t>dichotomies</a:t>
+            </a:r>
+            <a:r>
+              <a:rPr/>
+              <a:t> </a:t>
+            </a:r>
+            <a:r>
+              <a:rPr/>
+              <a:t>are</a:t>
+            </a:r>
+            <a:r>
+              <a:rPr/>
+              <a:t> </a:t>
+            </a:r>
+            <a:r>
+              <a:rPr/>
+              <a:t>more</a:t>
+            </a:r>
+            <a:r>
+              <a:rPr/>
+              <a:t> </a:t>
+            </a:r>
+            <a:r>
+              <a:rPr/>
+              <a:t>likely</a:t>
+            </a:r>
+            <a:r>
+              <a:rPr/>
+              <a:t> </a:t>
+            </a:r>
+            <a:r>
+              <a:rPr/>
+              <a:t>to</a:t>
+            </a:r>
+            <a:r>
+              <a:rPr/>
+              <a:t> </a:t>
+            </a:r>
+            <a:r>
+              <a:rPr/>
+              <a:t>appear</a:t>
+            </a:r>
+            <a:r>
+              <a:rPr/>
+              <a:t> </a:t>
+            </a:r>
+            <a:r>
+              <a:rPr/>
+              <a:t>together</a:t>
+            </a:r>
+            <a:r>
+              <a:rPr/>
+              <a:t> </a:t>
+            </a:r>
+            <a:r>
+              <a:rPr/>
+              <a:t>than</a:t>
+            </a:r>
+            <a:r>
+              <a:rPr/>
+              <a:t> </a:t>
+            </a:r>
+            <a:r>
+              <a:rPr/>
+              <a:t>others.</a:t>
+            </a:r>
+          </a:p>
+          <a:p>
+            <a:pPr lvl="0" marL="0" indent="0">
+              <a:buNone/>
+            </a:pPr>
+          </a:p>
+          <a:p>
+            <a:pPr lvl="0" marL="0" indent="0">
+              <a:buNone/>
+            </a:pPr>
+            <a:r>
+              <a:rPr/>
+              <a:t>A</a:t>
+            </a:r>
+            <a:r>
+              <a:rPr/>
+              <a:t> </a:t>
+            </a:r>
+            <a:r>
+              <a:rPr/>
+              <a:t>laboratory</a:t>
+            </a:r>
+            <a:r>
+              <a:rPr/>
+              <a:t> </a:t>
+            </a:r>
+            <a:r>
+              <a:rPr/>
+              <a:t>study,</a:t>
+            </a:r>
+            <a:r>
+              <a:rPr/>
+              <a:t> </a:t>
+            </a:r>
+            <a:r>
+              <a:rPr/>
+              <a:t>for</a:t>
+            </a:r>
+            <a:r>
+              <a:rPr/>
+              <a:t> </a:t>
+            </a:r>
+            <a:r>
+              <a:rPr/>
+              <a:t>example,</a:t>
+            </a:r>
+            <a:r>
+              <a:rPr/>
+              <a:t> </a:t>
+            </a:r>
+            <a:r>
+              <a:rPr/>
+              <a:t>is</a:t>
+            </a:r>
+            <a:r>
+              <a:rPr/>
+              <a:t> </a:t>
+            </a:r>
+            <a:r>
+              <a:rPr/>
+              <a:t>fairly</a:t>
+            </a:r>
+            <a:r>
+              <a:rPr/>
+              <a:t> </a:t>
+            </a:r>
+            <a:r>
+              <a:rPr/>
+              <a:t>likely</a:t>
+            </a:r>
+            <a:r>
+              <a:rPr/>
+              <a:t> </a:t>
+            </a:r>
+            <a:r>
+              <a:rPr/>
+              <a:t>to</a:t>
+            </a:r>
+            <a:r>
+              <a:rPr/>
+              <a:t> </a:t>
+            </a:r>
+            <a:r>
+              <a:rPr/>
+              <a:t>be</a:t>
+            </a:r>
+            <a:r>
+              <a:rPr/>
+              <a:t> </a:t>
+            </a:r>
+            <a:r>
+              <a:rPr/>
+              <a:t>a</a:t>
+            </a:r>
+            <a:r>
+              <a:rPr/>
+              <a:t> </a:t>
+            </a:r>
+            <a:r>
+              <a:rPr/>
+              <a:t>theoretical</a:t>
+            </a:r>
+            <a:r>
+              <a:rPr/>
+              <a:t> </a:t>
+            </a:r>
+            <a:r>
+              <a:rPr/>
+              <a:t>study</a:t>
+            </a:r>
+            <a:r>
+              <a:rPr/>
+              <a:t> </a:t>
+            </a:r>
+            <a:r>
+              <a:rPr/>
+              <a:t>and</a:t>
+            </a:r>
+            <a:r>
+              <a:rPr/>
+              <a:t> </a:t>
+            </a:r>
+            <a:r>
+              <a:rPr/>
+              <a:t>a</a:t>
+            </a:r>
+            <a:r>
+              <a:rPr/>
+              <a:t> </a:t>
+            </a:r>
+            <a:r>
+              <a:rPr/>
+              <a:t>field</a:t>
+            </a:r>
+            <a:r>
+              <a:rPr/>
+              <a:t> </a:t>
+            </a:r>
+            <a:r>
+              <a:rPr/>
+              <a:t>study</a:t>
+            </a:r>
+            <a:r>
+              <a:rPr/>
+              <a:t> </a:t>
+            </a:r>
+            <a:r>
+              <a:rPr/>
+              <a:t>is</a:t>
+            </a:r>
+            <a:r>
+              <a:rPr/>
+              <a:t> </a:t>
+            </a:r>
+            <a:r>
+              <a:rPr/>
+              <a:t>fairly</a:t>
+            </a:r>
+            <a:r>
+              <a:rPr/>
+              <a:t> </a:t>
+            </a:r>
+            <a:r>
+              <a:rPr/>
+              <a:t>likeloy</a:t>
+            </a:r>
+            <a:r>
+              <a:rPr/>
+              <a:t> </a:t>
+            </a:r>
+            <a:r>
+              <a:rPr/>
+              <a:t>to</a:t>
+            </a:r>
+            <a:r>
+              <a:rPr/>
+              <a:t> </a:t>
+            </a:r>
+            <a:r>
+              <a:rPr/>
+              <a:t>be</a:t>
+            </a:r>
+            <a:r>
+              <a:rPr/>
+              <a:t> </a:t>
+            </a:r>
+            <a:r>
+              <a:rPr/>
+              <a:t>an</a:t>
+            </a:r>
+            <a:r>
+              <a:rPr/>
+              <a:t> </a:t>
+            </a:r>
+            <a:r>
+              <a:rPr/>
+              <a:t>applied</a:t>
+            </a:r>
+            <a:r>
+              <a:rPr/>
+              <a:t> </a:t>
+            </a:r>
+            <a:r>
+              <a:rPr/>
+              <a:t>study.</a:t>
+            </a:r>
+            <a:r>
+              <a:rPr/>
+              <a:t> </a:t>
+            </a:r>
+            <a:r>
+              <a:rPr/>
+              <a:t>A</a:t>
+            </a:r>
+            <a:r>
+              <a:rPr/>
+              <a:t> </a:t>
+            </a:r>
+            <a:r>
+              <a:rPr/>
+              <a:t>constructivist</a:t>
+            </a:r>
+            <a:r>
+              <a:rPr/>
+              <a:t> </a:t>
+            </a:r>
+            <a:r>
+              <a:rPr/>
+              <a:t>(qualitative)</a:t>
+            </a:r>
+            <a:r>
+              <a:rPr/>
+              <a:t> </a:t>
+            </a:r>
+            <a:r>
+              <a:rPr/>
+              <a:t>approach</a:t>
+            </a:r>
+            <a:r>
+              <a:rPr/>
+              <a:t> </a:t>
+            </a:r>
+            <a:r>
+              <a:rPr/>
+              <a:t>to</a:t>
+            </a:r>
+            <a:r>
+              <a:rPr/>
+              <a:t> </a:t>
+            </a:r>
+            <a:r>
+              <a:rPr/>
+              <a:t>research</a:t>
+            </a:r>
+            <a:r>
+              <a:rPr/>
+              <a:t> </a:t>
+            </a:r>
+            <a:r>
+              <a:rPr/>
+              <a:t>is</a:t>
+            </a:r>
+            <a:r>
+              <a:rPr/>
+              <a:t> </a:t>
+            </a:r>
+            <a:r>
+              <a:rPr/>
+              <a:t>fairly</a:t>
+            </a:r>
+            <a:r>
+              <a:rPr/>
+              <a:t> </a:t>
+            </a:r>
+            <a:r>
+              <a:rPr/>
+              <a:t>likely</a:t>
+            </a:r>
+            <a:r>
+              <a:rPr/>
+              <a:t> </a:t>
+            </a:r>
+            <a:r>
+              <a:rPr/>
+              <a:t>to</a:t>
+            </a:r>
+            <a:r>
+              <a:rPr/>
+              <a:t> </a:t>
+            </a:r>
+            <a:r>
+              <a:rPr/>
+              <a:t>collect</a:t>
+            </a:r>
+            <a:r>
+              <a:rPr/>
+              <a:t> </a:t>
+            </a:r>
+            <a:r>
+              <a:rPr/>
+              <a:t>subjective</a:t>
+            </a:r>
+            <a:r>
+              <a:rPr/>
+              <a:t> </a:t>
+            </a:r>
+            <a:r>
+              <a:rPr/>
+              <a:t>(qualitative)</a:t>
+            </a:r>
+            <a:r>
+              <a:rPr/>
+              <a:t> </a:t>
+            </a:r>
+            <a:r>
+              <a:rPr/>
+              <a:t>data.</a:t>
+            </a:r>
+          </a:p>
+          <a:p>
+            <a:pPr lvl="0" marL="0" indent="0">
+              <a:buNone/>
+            </a:pPr>
+          </a:p>
+          <a:p>
+            <a:pPr lvl="0" marL="0" indent="0">
+              <a:buNone/>
+            </a:pPr>
+            <a:r>
+              <a:rPr/>
+              <a:t>But</a:t>
+            </a:r>
+            <a:r>
+              <a:rPr/>
+              <a:t> </a:t>
+            </a:r>
+            <a:r>
+              <a:rPr/>
+              <a:t>there</a:t>
+            </a:r>
+            <a:r>
+              <a:rPr/>
+              <a:t> </a:t>
+            </a:r>
+            <a:r>
+              <a:rPr/>
+              <a:t>are</a:t>
+            </a:r>
+            <a:r>
+              <a:rPr/>
+              <a:t> </a:t>
+            </a:r>
+            <a:r>
+              <a:rPr/>
+              <a:t>plenty</a:t>
+            </a:r>
+            <a:r>
+              <a:rPr/>
+              <a:t> </a:t>
+            </a:r>
+            <a:r>
+              <a:rPr/>
+              <a:t>of</a:t>
+            </a:r>
+            <a:r>
+              <a:rPr/>
+              <a:t> </a:t>
+            </a:r>
+            <a:r>
+              <a:rPr/>
+              <a:t>exceptions</a:t>
+            </a:r>
+            <a:r>
+              <a:rPr/>
+              <a:t> </a:t>
+            </a:r>
+            <a:r>
+              <a:rPr/>
+              <a:t>to</a:t>
+            </a:r>
+            <a:r>
+              <a:rPr/>
+              <a:t> </a:t>
+            </a:r>
+            <a:r>
+              <a:rPr/>
+              <a:t>these</a:t>
+            </a:r>
+            <a:r>
+              <a:rPr/>
+              <a:t> </a:t>
+            </a:r>
+            <a:r>
+              <a:rPr/>
+              <a:t>associations.</a:t>
+            </a:r>
+            <a:r>
+              <a:rPr/>
+              <a:t> </a:t>
+            </a:r>
+            <a:r>
+              <a:rPr/>
+              <a:t>Some</a:t>
+            </a:r>
+            <a:r>
+              <a:rPr/>
+              <a:t> </a:t>
+            </a:r>
+            <a:r>
+              <a:rPr/>
+              <a:t>field</a:t>
+            </a:r>
+            <a:r>
+              <a:rPr/>
+              <a:t> </a:t>
+            </a:r>
+            <a:r>
+              <a:rPr/>
+              <a:t>studies</a:t>
+            </a:r>
+            <a:r>
+              <a:rPr/>
+              <a:t> </a:t>
+            </a:r>
+            <a:r>
+              <a:rPr/>
+              <a:t>are</a:t>
+            </a:r>
+            <a:r>
+              <a:rPr/>
+              <a:t> </a:t>
+            </a:r>
+            <a:r>
+              <a:rPr/>
+              <a:t>theoretical</a:t>
+            </a:r>
+            <a:r>
+              <a:rPr/>
+              <a:t> </a:t>
+            </a:r>
+            <a:r>
+              <a:rPr/>
+              <a:t>and</a:t>
+            </a:r>
+            <a:r>
+              <a:rPr/>
+              <a:t> </a:t>
+            </a:r>
+            <a:r>
+              <a:rPr/>
+              <a:t>some</a:t>
+            </a:r>
+            <a:r>
+              <a:rPr/>
+              <a:t> </a:t>
+            </a:r>
+            <a:r>
+              <a:rPr/>
+              <a:t>lab</a:t>
+            </a:r>
+            <a:r>
+              <a:rPr/>
+              <a:t> </a:t>
+            </a:r>
+            <a:r>
+              <a:rPr/>
+              <a:t>studies</a:t>
+            </a:r>
+            <a:r>
+              <a:rPr/>
+              <a:t> </a:t>
+            </a:r>
+            <a:r>
+              <a:rPr/>
+              <a:t>are</a:t>
+            </a:r>
+            <a:r>
+              <a:rPr/>
+              <a:t> </a:t>
+            </a:r>
+            <a:r>
+              <a:rPr/>
+              <a:t>applied.</a:t>
+            </a:r>
+            <a:r>
+              <a:rPr/>
+              <a:t> </a:t>
+            </a:r>
+            <a:r>
+              <a:rPr/>
+              <a:t>A</a:t>
+            </a:r>
+            <a:r>
+              <a:rPr/>
+              <a:t> </a:t>
+            </a:r>
+            <a:r>
+              <a:rPr/>
+              <a:t>qualitative</a:t>
+            </a:r>
+            <a:r>
+              <a:rPr/>
+              <a:t> </a:t>
+            </a:r>
+            <a:r>
+              <a:rPr/>
+              <a:t>approach</a:t>
+            </a:r>
+            <a:r>
+              <a:rPr/>
+              <a:t> </a:t>
+            </a:r>
+            <a:r>
+              <a:rPr/>
+              <a:t>to</a:t>
+            </a:r>
+            <a:r>
+              <a:rPr/>
+              <a:t> </a:t>
+            </a:r>
+            <a:r>
+              <a:rPr/>
+              <a:t>research</a:t>
+            </a:r>
+            <a:r>
+              <a:rPr/>
+              <a:t> </a:t>
+            </a:r>
+            <a:r>
+              <a:rPr/>
+              <a:t>might</a:t>
+            </a:r>
+            <a:r>
+              <a:rPr/>
+              <a:t> </a:t>
+            </a:r>
+            <a:r>
+              <a:rPr/>
+              <a:t>often</a:t>
+            </a:r>
+            <a:r>
+              <a:rPr/>
+              <a:t> </a:t>
+            </a:r>
+            <a:r>
+              <a:rPr/>
+              <a:t>require</a:t>
+            </a:r>
+            <a:r>
+              <a:rPr/>
+              <a:t> </a:t>
+            </a:r>
+            <a:r>
+              <a:rPr/>
+              <a:t>the</a:t>
+            </a:r>
+            <a:r>
+              <a:rPr/>
+              <a:t> </a:t>
+            </a:r>
+            <a:r>
+              <a:rPr/>
+              <a:t>collection</a:t>
+            </a:r>
+            <a:r>
+              <a:rPr/>
+              <a:t> </a:t>
+            </a:r>
+            <a:r>
+              <a:rPr/>
+              <a:t>of</a:t>
+            </a:r>
+            <a:r>
+              <a:rPr/>
+              <a:t> </a:t>
+            </a:r>
+            <a:r>
+              <a:rPr/>
+              <a:t>quantitative</a:t>
+            </a:r>
+            <a:r>
+              <a:rPr/>
+              <a:t> </a:t>
+            </a:r>
+            <a:r>
+              <a:rPr/>
+              <a:t>data.</a:t>
+            </a:r>
+          </a:p>
+          <a:p>
+            <a:pPr lvl="0" marL="0" indent="0">
+              <a:buNone/>
+            </a:pPr>
+          </a:p>
+          <a:p>
+            <a:pPr lvl="0" marL="0" indent="0">
+              <a:buNone/>
+            </a:pPr>
+            <a:r>
+              <a:rPr/>
+              <a:t>The</a:t>
+            </a:r>
+            <a:r>
+              <a:rPr/>
+              <a:t> </a:t>
+            </a:r>
+            <a:r>
+              <a:rPr/>
+              <a:t>term</a:t>
+            </a:r>
+            <a:r>
+              <a:rPr/>
+              <a:t> </a:t>
+            </a:r>
+            <a:r>
+              <a:rPr/>
+              <a:t>mixed</a:t>
+            </a:r>
+            <a:r>
+              <a:rPr/>
+              <a:t> </a:t>
+            </a:r>
+            <a:r>
+              <a:rPr/>
+              <a:t>methods</a:t>
+            </a:r>
+            <a:r>
+              <a:rPr/>
+              <a:t> </a:t>
+            </a:r>
+            <a:r>
+              <a:rPr/>
+              <a:t>means</a:t>
+            </a:r>
+            <a:r>
+              <a:rPr/>
+              <a:t> </a:t>
+            </a:r>
+            <a:r>
+              <a:rPr/>
+              <a:t>a</a:t>
+            </a:r>
+            <a:r>
+              <a:rPr/>
+              <a:t> </a:t>
+            </a:r>
+            <a:r>
+              <a:rPr/>
+              <a:t>mixture</a:t>
+            </a:r>
+            <a:r>
+              <a:rPr/>
+              <a:t> </a:t>
+            </a:r>
+            <a:r>
+              <a:rPr/>
+              <a:t>of</a:t>
+            </a:r>
+            <a:r>
+              <a:rPr/>
+              <a:t> </a:t>
+            </a:r>
+            <a:r>
+              <a:rPr/>
+              <a:t>both</a:t>
+            </a:r>
+            <a:r>
+              <a:rPr/>
+              <a:t> </a:t>
+            </a:r>
+            <a:r>
+              <a:rPr/>
+              <a:t>ends</a:t>
+            </a:r>
+            <a:r>
+              <a:rPr/>
+              <a:t> </a:t>
+            </a:r>
+            <a:r>
+              <a:rPr/>
+              <a:t>of</a:t>
+            </a:r>
+            <a:r>
+              <a:rPr/>
+              <a:t> </a:t>
+            </a:r>
+            <a:r>
+              <a:rPr/>
+              <a:t>the</a:t>
+            </a:r>
+            <a:r>
+              <a:rPr/>
+              <a:t> </a:t>
+            </a:r>
+            <a:r>
+              <a:rPr/>
+              <a:t>dichotomy:</a:t>
+            </a:r>
+            <a:r>
+              <a:rPr/>
+              <a:t> </a:t>
+            </a:r>
+            <a:r>
+              <a:rPr/>
+              <a:t>a</a:t>
+            </a:r>
+            <a:r>
+              <a:rPr/>
+              <a:t> </a:t>
+            </a:r>
+            <a:r>
+              <a:rPr/>
+              <a:t>collection</a:t>
+            </a:r>
+            <a:r>
+              <a:rPr/>
+              <a:t> </a:t>
+            </a:r>
+            <a:r>
+              <a:rPr/>
+              <a:t>of</a:t>
+            </a:r>
+            <a:r>
+              <a:rPr/>
+              <a:t> </a:t>
+            </a:r>
+            <a:r>
+              <a:rPr/>
+              <a:t>both</a:t>
+            </a:r>
+            <a:r>
+              <a:rPr/>
+              <a:t> </a:t>
+            </a:r>
+            <a:r>
+              <a:rPr/>
+              <a:t>quantitative</a:t>
+            </a:r>
+            <a:r>
+              <a:rPr/>
+              <a:t> </a:t>
+            </a:r>
+            <a:r>
+              <a:rPr/>
+              <a:t>and</a:t>
+            </a:r>
+            <a:r>
+              <a:rPr/>
+              <a:t> </a:t>
+            </a:r>
+            <a:r>
+              <a:rPr/>
+              <a:t>qualitative</a:t>
+            </a:r>
+            <a:r>
+              <a:rPr/>
+              <a:t> </a:t>
+            </a:r>
+            <a:r>
+              <a:rPr/>
+              <a:t>data,</a:t>
+            </a:r>
+            <a:r>
+              <a:rPr/>
+              <a:t> </a:t>
+            </a:r>
+            <a:r>
+              <a:rPr/>
+              <a:t>for</a:t>
+            </a:r>
+            <a:r>
+              <a:rPr/>
+              <a:t> </a:t>
+            </a:r>
+            <a:r>
+              <a:rPr/>
+              <a:t>example.</a:t>
+            </a:r>
+          </a:p>
+          <a:p>
+            <a:pPr lvl="0" marL="0" indent="0">
+              <a:buNone/>
+            </a:pPr>
+          </a:p>
+          <a:p>
+            <a:pPr lvl="0" marL="0" indent="0">
+              <a:buNone/>
+            </a:pPr>
+            <a:r>
+              <a:rPr/>
+              <a:t>There</a:t>
+            </a:r>
+            <a:r>
+              <a:rPr/>
+              <a:t> </a:t>
+            </a:r>
+            <a:r>
+              <a:rPr/>
+              <a:t>is</a:t>
+            </a:r>
+            <a:r>
+              <a:rPr/>
+              <a:t> </a:t>
+            </a:r>
+            <a:r>
+              <a:rPr/>
+              <a:t>a</a:t>
+            </a:r>
+            <a:r>
+              <a:rPr/>
+              <a:t> </a:t>
+            </a:r>
+            <a:r>
+              <a:rPr/>
+              <a:t>term,</a:t>
+            </a:r>
+            <a:r>
+              <a:rPr/>
+              <a:t> </a:t>
+            </a:r>
+            <a:r>
+              <a:rPr/>
+              <a:t>triangulation,</a:t>
+            </a:r>
+            <a:r>
+              <a:rPr/>
+              <a:t> </a:t>
+            </a:r>
+            <a:r>
+              <a:rPr/>
+              <a:t>which</a:t>
+            </a:r>
+            <a:r>
+              <a:rPr/>
+              <a:t> </a:t>
+            </a:r>
+            <a:r>
+              <a:rPr/>
+              <a:t>is</a:t>
+            </a:r>
+            <a:r>
+              <a:rPr/>
+              <a:t> </a:t>
+            </a:r>
+            <a:r>
+              <a:rPr/>
+              <a:t>worth</a:t>
+            </a:r>
+            <a:r>
+              <a:rPr/>
+              <a:t> </a:t>
+            </a:r>
+            <a:r>
+              <a:rPr/>
+              <a:t>mentioning</a:t>
+            </a:r>
+            <a:r>
+              <a:rPr/>
+              <a:t> </a:t>
+            </a:r>
+            <a:r>
+              <a:rPr/>
+              <a:t>here,</a:t>
+            </a:r>
+            <a:r>
+              <a:rPr/>
+              <a:t> </a:t>
+            </a:r>
+            <a:r>
+              <a:rPr/>
+              <a:t>though</a:t>
+            </a:r>
+            <a:r>
+              <a:rPr/>
+              <a:t> </a:t>
+            </a:r>
+            <a:r>
+              <a:rPr/>
+              <a:t>it</a:t>
+            </a:r>
+            <a:r>
+              <a:rPr/>
+              <a:t> </a:t>
+            </a:r>
+            <a:r>
+              <a:rPr/>
+              <a:t>is</a:t>
+            </a:r>
+            <a:r>
+              <a:rPr/>
+              <a:t> </a:t>
+            </a:r>
+            <a:r>
+              <a:rPr/>
+              <a:t>not</a:t>
+            </a:r>
+            <a:r>
+              <a:rPr/>
+              <a:t> </a:t>
+            </a:r>
+            <a:r>
+              <a:rPr/>
+              <a:t>in</a:t>
+            </a:r>
+            <a:r>
+              <a:rPr/>
+              <a:t> </a:t>
+            </a:r>
+            <a:r>
+              <a:rPr/>
+              <a:t>your</a:t>
+            </a:r>
+            <a:r>
+              <a:rPr/>
+              <a:t> </a:t>
+            </a:r>
+            <a:r>
+              <a:rPr/>
+              <a:t>book.</a:t>
+            </a:r>
+            <a:r>
+              <a:rPr/>
+              <a:t> </a:t>
+            </a:r>
+            <a:r>
+              <a:rPr/>
+              <a:t>Have</a:t>
+            </a:r>
+            <a:r>
+              <a:rPr/>
+              <a:t> </a:t>
+            </a:r>
+            <a:r>
+              <a:rPr/>
+              <a:t>you</a:t>
+            </a:r>
+            <a:r>
+              <a:rPr/>
+              <a:t> </a:t>
+            </a:r>
+            <a:r>
+              <a:rPr/>
+              <a:t>ever</a:t>
+            </a:r>
+            <a:r>
+              <a:rPr/>
+              <a:t> </a:t>
+            </a:r>
+            <a:r>
+              <a:rPr/>
+              <a:t>wondered</a:t>
+            </a:r>
+            <a:r>
+              <a:rPr/>
+              <a:t> </a:t>
+            </a:r>
+            <a:r>
+              <a:rPr/>
+              <a:t>how</a:t>
+            </a:r>
+            <a:r>
+              <a:rPr/>
+              <a:t> </a:t>
+            </a:r>
+            <a:r>
+              <a:rPr/>
+              <a:t>a</a:t>
+            </a:r>
+            <a:r>
+              <a:rPr/>
+              <a:t> </a:t>
+            </a:r>
+            <a:r>
+              <a:rPr/>
+              <a:t>sailboat</a:t>
+            </a:r>
+            <a:r>
+              <a:rPr/>
+              <a:t> </a:t>
+            </a:r>
+            <a:r>
+              <a:rPr/>
+              <a:t>can</a:t>
+            </a:r>
+            <a:r>
+              <a:rPr/>
+              <a:t> </a:t>
+            </a:r>
+            <a:r>
+              <a:rPr/>
+              <a:t>sail</a:t>
+            </a:r>
+            <a:r>
+              <a:rPr/>
+              <a:t> </a:t>
+            </a:r>
+            <a:r>
+              <a:rPr/>
+              <a:t>into</a:t>
+            </a:r>
+            <a:r>
+              <a:rPr/>
+              <a:t> </a:t>
+            </a:r>
+            <a:r>
+              <a:rPr/>
+              <a:t>the</a:t>
+            </a:r>
+            <a:r>
+              <a:rPr/>
+              <a:t> </a:t>
+            </a:r>
+            <a:r>
+              <a:rPr/>
+              <a:t>wind?</a:t>
+            </a:r>
+            <a:r>
+              <a:rPr/>
+              <a:t> </a:t>
+            </a:r>
+            <a:r>
+              <a:rPr/>
+              <a:t>If</a:t>
+            </a:r>
+            <a:r>
+              <a:rPr/>
+              <a:t> </a:t>
+            </a:r>
+            <a:r>
+              <a:rPr/>
+              <a:t>the</a:t>
+            </a:r>
+            <a:r>
+              <a:rPr/>
+              <a:t> </a:t>
+            </a:r>
+            <a:r>
+              <a:rPr/>
+              <a:t>wind</a:t>
+            </a:r>
+            <a:r>
+              <a:rPr/>
+              <a:t> </a:t>
+            </a:r>
+            <a:r>
+              <a:rPr/>
+              <a:t>is</a:t>
+            </a:r>
+            <a:r>
+              <a:rPr/>
+              <a:t> </a:t>
+            </a:r>
+            <a:r>
+              <a:rPr/>
+              <a:t>coming</a:t>
+            </a:r>
+            <a:r>
+              <a:rPr/>
+              <a:t> </a:t>
+            </a:r>
+            <a:r>
+              <a:rPr/>
+              <a:t>from</a:t>
+            </a:r>
+            <a:r>
+              <a:rPr/>
+              <a:t> </a:t>
+            </a:r>
+            <a:r>
+              <a:rPr/>
+              <a:t>the</a:t>
+            </a:r>
+            <a:r>
+              <a:rPr/>
+              <a:t> </a:t>
+            </a:r>
+            <a:r>
+              <a:rPr/>
+              <a:t>west,</a:t>
+            </a:r>
+            <a:r>
+              <a:rPr/>
+              <a:t> </a:t>
+            </a:r>
+            <a:r>
+              <a:rPr/>
+              <a:t>how</a:t>
+            </a:r>
+            <a:r>
+              <a:rPr/>
+              <a:t> </a:t>
+            </a:r>
+            <a:r>
+              <a:rPr/>
+              <a:t>can</a:t>
+            </a:r>
+            <a:r>
+              <a:rPr/>
+              <a:t> </a:t>
+            </a:r>
+            <a:r>
+              <a:rPr/>
+              <a:t>you</a:t>
+            </a:r>
+            <a:r>
+              <a:rPr/>
+              <a:t> </a:t>
+            </a:r>
+            <a:r>
+              <a:rPr/>
+              <a:t>get</a:t>
+            </a:r>
+            <a:r>
+              <a:rPr/>
+              <a:t> </a:t>
+            </a:r>
+            <a:r>
+              <a:rPr/>
+              <a:t>a</a:t>
+            </a:r>
+            <a:r>
+              <a:rPr/>
+              <a:t> </a:t>
+            </a:r>
+            <a:r>
+              <a:rPr/>
+              <a:t>sailboat</a:t>
+            </a:r>
+            <a:r>
+              <a:rPr/>
+              <a:t> </a:t>
+            </a:r>
+            <a:r>
+              <a:rPr/>
+              <a:t>to</a:t>
+            </a:r>
+            <a:r>
+              <a:rPr/>
+              <a:t> </a:t>
+            </a:r>
+            <a:r>
+              <a:rPr/>
+              <a:t>go</a:t>
+            </a:r>
+            <a:r>
+              <a:rPr/>
+              <a:t> </a:t>
+            </a:r>
+            <a:r>
+              <a:rPr/>
+              <a:t>west?</a:t>
+            </a:r>
+            <a:r>
+              <a:rPr/>
+              <a:t> </a:t>
+            </a:r>
+            <a:r>
+              <a:rPr/>
+              <a:t>You</a:t>
+            </a:r>
+            <a:r>
+              <a:rPr/>
+              <a:t> </a:t>
+            </a:r>
+            <a:r>
+              <a:rPr/>
+              <a:t>sail</a:t>
+            </a:r>
+            <a:r>
+              <a:rPr/>
+              <a:t> </a:t>
+            </a:r>
+            <a:r>
+              <a:rPr/>
+              <a:t>for</a:t>
+            </a:r>
+            <a:r>
+              <a:rPr/>
+              <a:t> </a:t>
+            </a:r>
+            <a:r>
+              <a:rPr/>
+              <a:t>a</a:t>
+            </a:r>
+            <a:r>
+              <a:rPr/>
+              <a:t> </a:t>
+            </a:r>
+            <a:r>
+              <a:rPr/>
+              <a:t>short</a:t>
+            </a:r>
+            <a:r>
+              <a:rPr/>
+              <a:t> </a:t>
+            </a:r>
+            <a:r>
+              <a:rPr/>
+              <a:t>while</a:t>
+            </a:r>
+            <a:r>
+              <a:rPr/>
+              <a:t> </a:t>
+            </a:r>
+            <a:r>
+              <a:rPr/>
+              <a:t>to</a:t>
+            </a:r>
+            <a:r>
+              <a:rPr/>
+              <a:t> </a:t>
+            </a:r>
+            <a:r>
+              <a:rPr/>
+              <a:t>the</a:t>
+            </a:r>
+            <a:r>
+              <a:rPr/>
+              <a:t> </a:t>
+            </a:r>
+            <a:r>
+              <a:rPr/>
+              <a:t>northwest</a:t>
+            </a:r>
+            <a:r>
+              <a:rPr/>
+              <a:t> </a:t>
+            </a:r>
+            <a:r>
+              <a:rPr/>
+              <a:t>and</a:t>
+            </a:r>
+            <a:r>
+              <a:rPr/>
+              <a:t> </a:t>
+            </a:r>
+            <a:r>
+              <a:rPr/>
+              <a:t>then</a:t>
+            </a:r>
+            <a:r>
+              <a:rPr/>
+              <a:t> </a:t>
+            </a:r>
+            <a:r>
+              <a:rPr/>
+              <a:t>changes</a:t>
+            </a:r>
+            <a:r>
+              <a:rPr/>
+              <a:t> </a:t>
+            </a:r>
+            <a:r>
+              <a:rPr/>
+              <a:t>to</a:t>
+            </a:r>
+            <a:r>
+              <a:rPr/>
+              <a:t> </a:t>
+            </a:r>
+            <a:r>
+              <a:rPr/>
+              <a:t>turn</a:t>
+            </a:r>
+            <a:r>
+              <a:rPr/>
+              <a:t> </a:t>
+            </a:r>
+            <a:r>
+              <a:rPr/>
+              <a:t>southwest.</a:t>
+            </a:r>
+            <a:r>
+              <a:rPr/>
+              <a:t> </a:t>
+            </a:r>
+            <a:r>
+              <a:rPr/>
+              <a:t>Enough</a:t>
+            </a:r>
+            <a:r>
+              <a:rPr/>
+              <a:t> </a:t>
+            </a:r>
+            <a:r>
+              <a:rPr/>
+              <a:t>alternating,</a:t>
+            </a:r>
+            <a:r>
+              <a:rPr/>
+              <a:t> </a:t>
+            </a:r>
+            <a:r>
+              <a:rPr/>
+              <a:t>and</a:t>
+            </a:r>
+            <a:r>
+              <a:rPr/>
+              <a:t> </a:t>
+            </a:r>
+            <a:r>
+              <a:rPr/>
+              <a:t>you</a:t>
+            </a:r>
+            <a:r>
+              <a:rPr/>
+              <a:t> </a:t>
+            </a:r>
+            <a:r>
+              <a:rPr/>
+              <a:t>end</a:t>
+            </a:r>
+            <a:r>
+              <a:rPr/>
+              <a:t> </a:t>
+            </a:r>
+            <a:r>
+              <a:rPr/>
+              <a:t>up</a:t>
+            </a:r>
+            <a:r>
+              <a:rPr/>
+              <a:t> </a:t>
+            </a:r>
+            <a:r>
+              <a:rPr/>
+              <a:t>heading</a:t>
+            </a:r>
+            <a:r>
+              <a:rPr/>
+              <a:t> </a:t>
+            </a:r>
+            <a:r>
+              <a:rPr/>
+              <a:t>due</a:t>
+            </a:r>
+            <a:r>
+              <a:rPr/>
+              <a:t> </a:t>
+            </a:r>
+            <a:r>
+              <a:rPr/>
+              <a:t>west,</a:t>
+            </a:r>
+            <a:r>
+              <a:rPr/>
+              <a:t> </a:t>
+            </a:r>
+            <a:r>
+              <a:rPr/>
+              <a:t>not</a:t>
+            </a:r>
+            <a:r>
+              <a:rPr/>
+              <a:t> </a:t>
+            </a:r>
+            <a:r>
+              <a:rPr/>
+              <a:t>as</a:t>
+            </a:r>
+            <a:r>
+              <a:rPr/>
+              <a:t> </a:t>
+            </a:r>
+            <a:r>
+              <a:rPr/>
+              <a:t>fast</a:t>
+            </a:r>
+            <a:r>
+              <a:rPr/>
+              <a:t> </a:t>
+            </a:r>
+            <a:r>
+              <a:rPr/>
+              <a:t>as</a:t>
+            </a:r>
+            <a:r>
+              <a:rPr/>
+              <a:t> </a:t>
+            </a:r>
+            <a:r>
+              <a:rPr/>
+              <a:t>you’d</a:t>
+            </a:r>
+            <a:r>
+              <a:rPr/>
+              <a:t> </a:t>
+            </a:r>
+            <a:r>
+              <a:rPr/>
+              <a:t>like</a:t>
+            </a:r>
+            <a:r>
+              <a:rPr/>
+              <a:t> </a:t>
+            </a:r>
+            <a:r>
+              <a:rPr/>
+              <a:t>but</a:t>
+            </a:r>
+            <a:r>
+              <a:rPr/>
+              <a:t> </a:t>
+            </a:r>
+            <a:r>
+              <a:rPr/>
+              <a:t>you</a:t>
+            </a:r>
+            <a:r>
+              <a:rPr/>
+              <a:t> </a:t>
+            </a:r>
+            <a:r>
+              <a:rPr/>
+              <a:t>do</a:t>
+            </a:r>
+            <a:r>
+              <a:rPr/>
+              <a:t> </a:t>
+            </a:r>
+            <a:r>
+              <a:rPr/>
+              <a:t>end</a:t>
+            </a:r>
+            <a:r>
+              <a:rPr/>
+              <a:t> </a:t>
+            </a:r>
+            <a:r>
+              <a:rPr/>
+              <a:t>up</a:t>
+            </a:r>
+            <a:r>
+              <a:rPr/>
+              <a:t> </a:t>
+            </a:r>
+            <a:r>
+              <a:rPr/>
+              <a:t>getting</a:t>
+            </a:r>
+            <a:r>
+              <a:rPr/>
+              <a:t> </a:t>
+            </a:r>
+            <a:r>
+              <a:rPr/>
+              <a:t>there.</a:t>
+            </a:r>
+          </a:p>
+          <a:p>
+            <a:pPr lvl="0" marL="0" indent="0">
+              <a:buNone/>
+            </a:pPr>
+          </a:p>
+          <a:p>
+            <a:pPr lvl="0" marL="0" indent="0">
+              <a:buNone/>
+            </a:pPr>
+            <a:r>
+              <a:rPr/>
+              <a:t>Triangulation</a:t>
+            </a:r>
+            <a:r>
+              <a:rPr/>
+              <a:t> </a:t>
+            </a:r>
+            <a:r>
+              <a:rPr/>
+              <a:t>in</a:t>
+            </a:r>
+            <a:r>
+              <a:rPr/>
+              <a:t> </a:t>
+            </a:r>
+            <a:r>
+              <a:rPr/>
+              <a:t>research</a:t>
+            </a:r>
+            <a:r>
+              <a:rPr/>
+              <a:t> </a:t>
+            </a:r>
+            <a:r>
+              <a:rPr/>
+              <a:t>is</a:t>
+            </a:r>
+            <a:r>
+              <a:rPr/>
+              <a:t> </a:t>
+            </a:r>
+            <a:r>
+              <a:rPr/>
+              <a:t>alternating</a:t>
+            </a:r>
+            <a:r>
+              <a:rPr/>
+              <a:t> </a:t>
+            </a:r>
+            <a:r>
+              <a:rPr/>
+              <a:t>between</a:t>
+            </a:r>
+            <a:r>
+              <a:rPr/>
+              <a:t> </a:t>
+            </a:r>
+            <a:r>
+              <a:rPr/>
+              <a:t>a</a:t>
+            </a:r>
+            <a:r>
+              <a:rPr/>
+              <a:t> </a:t>
+            </a:r>
+            <a:r>
+              <a:rPr/>
+              <a:t>constructivist</a:t>
+            </a:r>
+            <a:r>
+              <a:rPr/>
+              <a:t> </a:t>
+            </a:r>
+            <a:r>
+              <a:rPr/>
+              <a:t>approach</a:t>
+            </a:r>
+            <a:r>
+              <a:rPr/>
+              <a:t> </a:t>
+            </a:r>
+            <a:r>
+              <a:rPr/>
+              <a:t>that</a:t>
+            </a:r>
+            <a:r>
+              <a:rPr/>
+              <a:t> </a:t>
+            </a:r>
+            <a:r>
+              <a:rPr/>
+              <a:t>generates</a:t>
+            </a:r>
+            <a:r>
+              <a:rPr/>
+              <a:t> </a:t>
+            </a:r>
+            <a:r>
+              <a:rPr/>
+              <a:t>research</a:t>
+            </a:r>
+            <a:r>
+              <a:rPr/>
+              <a:t> </a:t>
+            </a:r>
+            <a:r>
+              <a:rPr/>
+              <a:t>ideas</a:t>
+            </a:r>
+            <a:r>
+              <a:rPr/>
+              <a:t> </a:t>
+            </a:r>
+            <a:r>
+              <a:rPr/>
+              <a:t>and</a:t>
+            </a:r>
+            <a:r>
+              <a:rPr/>
+              <a:t> </a:t>
+            </a:r>
+            <a:r>
+              <a:rPr/>
+              <a:t>a</a:t>
+            </a:r>
+            <a:r>
+              <a:rPr/>
+              <a:t> </a:t>
+            </a:r>
+            <a:r>
+              <a:rPr/>
+              <a:t>positivist</a:t>
+            </a:r>
+            <a:r>
+              <a:rPr/>
+              <a:t> </a:t>
+            </a:r>
+            <a:r>
+              <a:rPr/>
+              <a:t>approach</a:t>
+            </a:r>
+            <a:r>
+              <a:rPr/>
+              <a:t> </a:t>
+            </a:r>
+            <a:r>
+              <a:rPr/>
+              <a:t>that</a:t>
+            </a:r>
+            <a:r>
+              <a:rPr/>
+              <a:t> </a:t>
+            </a:r>
+            <a:r>
+              <a:rPr/>
+              <a:t>tests</a:t>
+            </a:r>
+            <a:r>
+              <a:rPr/>
+              <a:t> </a:t>
+            </a:r>
+            <a:r>
+              <a:rPr/>
+              <a:t>these</a:t>
+            </a:r>
+            <a:r>
+              <a:rPr/>
+              <a:t> </a:t>
+            </a:r>
+            <a:r>
+              <a:rPr/>
+              <a:t>new</a:t>
+            </a:r>
+            <a:r>
+              <a:rPr/>
+              <a:t> </a:t>
+            </a:r>
+            <a:r>
+              <a:rPr/>
+              <a:t>ideas.</a:t>
+            </a:r>
+            <a:r>
+              <a:rPr/>
+              <a:t> </a:t>
+            </a:r>
+            <a:r>
+              <a:rPr/>
               <a:t>This</a:t>
             </a:r>
             <a:r>
@@ -11744,6 +12310,236 @@
             </a:r>
             <a:r>
               <a:rPr/>
+              <a:t>leads</a:t>
+            </a:r>
+            <a:r>
+              <a:rPr/>
+              <a:t> </a:t>
+            </a:r>
+            <a:r>
+              <a:rPr/>
+              <a:t>to</a:t>
+            </a:r>
+            <a:r>
+              <a:rPr/>
+              <a:t> </a:t>
+            </a:r>
+            <a:r>
+              <a:rPr/>
+              <a:t>an</a:t>
+            </a:r>
+            <a:r>
+              <a:rPr/>
+              <a:t> </a:t>
+            </a:r>
+            <a:r>
+              <a:rPr/>
+              <a:t>exploration</a:t>
+            </a:r>
+            <a:r>
+              <a:rPr/>
+              <a:t> </a:t>
+            </a:r>
+            <a:r>
+              <a:rPr/>
+              <a:t>of</a:t>
+            </a:r>
+            <a:r>
+              <a:rPr/>
+              <a:t> </a:t>
+            </a:r>
+            <a:r>
+              <a:rPr/>
+              <a:t>more</a:t>
+            </a:r>
+            <a:r>
+              <a:rPr/>
+              <a:t> </a:t>
+            </a:r>
+            <a:r>
+              <a:rPr/>
+              <a:t>research</a:t>
+            </a:r>
+            <a:r>
+              <a:rPr/>
+              <a:t> </a:t>
+            </a:r>
+            <a:r>
+              <a:rPr/>
+              <a:t>ideas,</a:t>
+            </a:r>
+            <a:r>
+              <a:rPr/>
+              <a:t> </a:t>
+            </a:r>
+            <a:r>
+              <a:rPr/>
+              <a:t>more</a:t>
+            </a:r>
+            <a:r>
+              <a:rPr/>
+              <a:t> </a:t>
+            </a:r>
+            <a:r>
+              <a:rPr/>
+              <a:t>tests</a:t>
+            </a:r>
+            <a:r>
+              <a:rPr/>
+              <a:t> </a:t>
+            </a:r>
+            <a:r>
+              <a:rPr/>
+              <a:t>of</a:t>
+            </a:r>
+            <a:r>
+              <a:rPr/>
+              <a:t> </a:t>
+            </a:r>
+            <a:r>
+              <a:rPr/>
+              <a:t>those</a:t>
+            </a:r>
+            <a:r>
+              <a:rPr/>
+              <a:t> </a:t>
+            </a:r>
+            <a:r>
+              <a:rPr/>
+              <a:t>ideas,</a:t>
+            </a:r>
+            <a:r>
+              <a:rPr/>
+              <a:t> </a:t>
+            </a:r>
+            <a:r>
+              <a:rPr/>
+              <a:t>and</a:t>
+            </a:r>
+            <a:r>
+              <a:rPr/>
+              <a:t> </a:t>
+            </a:r>
+            <a:r>
+              <a:rPr/>
+              <a:t>so</a:t>
+            </a:r>
+            <a:r>
+              <a:rPr/>
+              <a:t> </a:t>
+            </a:r>
+            <a:r>
+              <a:rPr/>
+              <a:t>forth.</a:t>
+            </a:r>
+          </a:p>
+          <a:p>
+            <a:pPr lvl="0" marL="0" indent="0">
+              <a:buNone/>
+            </a:pPr>
+          </a:p>
+          <a:p>
+            <a:pPr lvl="0" marL="0" indent="0">
+              <a:buNone/>
+            </a:pPr>
+            <a:r>
+              <a:rPr/>
+              <a:t>At</a:t>
+            </a:r>
+            <a:r>
+              <a:rPr/>
+              <a:t> </a:t>
+            </a:r>
+            <a:r>
+              <a:rPr/>
+              <a:t>the</a:t>
+            </a:r>
+            <a:r>
+              <a:rPr/>
+              <a:t> </a:t>
+            </a:r>
+            <a:r>
+              <a:rPr/>
+              <a:t>end</a:t>
+            </a:r>
+            <a:r>
+              <a:rPr/>
+              <a:t> </a:t>
+            </a:r>
+            <a:r>
+              <a:rPr/>
+              <a:t>of</a:t>
+            </a:r>
+            <a:r>
+              <a:rPr/>
+              <a:t> </a:t>
+            </a:r>
+            <a:r>
+              <a:rPr/>
+              <a:t>the</a:t>
+            </a:r>
+            <a:r>
+              <a:rPr/>
+              <a:t> </a:t>
+            </a:r>
+            <a:r>
+              <a:rPr/>
+              <a:t>chapter,</a:t>
+            </a:r>
+            <a:r>
+              <a:rPr/>
+              <a:t> </a:t>
+            </a:r>
+            <a:r>
+              <a:rPr/>
+              <a:t>your</a:t>
+            </a:r>
+            <a:r>
+              <a:rPr/>
+              <a:t> </a:t>
+            </a:r>
+            <a:r>
+              <a:rPr/>
+              <a:t>book</a:t>
+            </a:r>
+            <a:r>
+              <a:rPr/>
+              <a:t> </a:t>
+            </a:r>
+            <a:r>
+              <a:rPr/>
+              <a:t>offers</a:t>
+            </a:r>
+            <a:r>
+              <a:rPr/>
+              <a:t> </a:t>
+            </a:r>
+            <a:r>
+              <a:rPr/>
+              <a:t>what</a:t>
+            </a:r>
+            <a:r>
+              <a:rPr/>
+              <a:t> </a:t>
+            </a:r>
+            <a:r>
+              <a:rPr/>
+              <a:t>I</a:t>
+            </a:r>
+            <a:r>
+              <a:rPr/>
+              <a:t> </a:t>
+            </a:r>
+            <a:r>
+              <a:rPr/>
+              <a:t>think</a:t>
+            </a:r>
+            <a:r>
+              <a:rPr/>
+              <a:t> </a:t>
+            </a:r>
+            <a:r>
+              <a:rPr/>
               <a:t>is</a:t>
             </a:r>
             <a:r>
@@ -11752,23 +12548,191 @@
             </a:r>
             <a:r>
               <a:rPr/>
-              <a:t>your</a:t>
-            </a:r>
-            <a:r>
-              <a:rPr/>
-              <a:t> </a:t>
-            </a:r>
-            <a:r>
-              <a:rPr/>
-              <a:t>homework</a:t>
-            </a:r>
-            <a:r>
-              <a:rPr/>
-              <a:t> </a:t>
-            </a:r>
-            <a:r>
-              <a:rPr/>
-              <a:t>assignment</a:t>
+              <a:t>a</a:t>
+            </a:r>
+            <a:r>
+              <a:rPr/>
+              <a:t> </a:t>
+            </a:r>
+            <a:r>
+              <a:rPr/>
+              <a:t>thoughtful</a:t>
+            </a:r>
+            <a:r>
+              <a:rPr/>
+              <a:t> </a:t>
+            </a:r>
+            <a:r>
+              <a:rPr/>
+              <a:t>choice:</a:t>
+            </a:r>
+            <a:r>
+              <a:rPr/>
+              <a:t> </a:t>
+            </a:r>
+            <a:r>
+              <a:rPr/>
+              <a:t>the</a:t>
+            </a:r>
+            <a:r>
+              <a:rPr/>
+              <a:t> </a:t>
+            </a:r>
+            <a:r>
+              <a:rPr/>
+              <a:t>pragmatic</a:t>
+            </a:r>
+            <a:r>
+              <a:rPr/>
+              <a:t> </a:t>
+            </a:r>
+            <a:r>
+              <a:rPr/>
+              <a:t>approach.</a:t>
+            </a:r>
+            <a:r>
+              <a:rPr/>
+              <a:t> </a:t>
+            </a:r>
+            <a:r>
+              <a:rPr/>
+              <a:t>A</a:t>
+            </a:r>
+            <a:r>
+              <a:rPr/>
+              <a:t> </a:t>
+            </a:r>
+            <a:r>
+              <a:rPr/>
+              <a:t>good</a:t>
+            </a:r>
+            <a:r>
+              <a:rPr/>
+              <a:t> </a:t>
+            </a:r>
+            <a:r>
+              <a:rPr/>
+              <a:t>researcher</a:t>
+            </a:r>
+            <a:r>
+              <a:rPr/>
+              <a:t> </a:t>
+            </a:r>
+            <a:r>
+              <a:rPr/>
+              <a:t>does</a:t>
+            </a:r>
+            <a:r>
+              <a:rPr/>
+              <a:t> </a:t>
+            </a:r>
+            <a:r>
+              <a:rPr/>
+              <a:t>not</a:t>
+            </a:r>
+            <a:r>
+              <a:rPr/>
+              <a:t> </a:t>
+            </a:r>
+            <a:r>
+              <a:rPr/>
+              <a:t>specialize</a:t>
+            </a:r>
+            <a:r>
+              <a:rPr/>
+              <a:t> </a:t>
+            </a:r>
+            <a:r>
+              <a:rPr/>
+              <a:t>in</a:t>
+            </a:r>
+            <a:r>
+              <a:rPr/>
+              <a:t> </a:t>
+            </a:r>
+            <a:r>
+              <a:rPr/>
+              <a:t>one</a:t>
+            </a:r>
+            <a:r>
+              <a:rPr/>
+              <a:t> </a:t>
+            </a:r>
+            <a:r>
+              <a:rPr/>
+              <a:t>particular</a:t>
+            </a:r>
+            <a:r>
+              <a:rPr/>
+              <a:t> </a:t>
+            </a:r>
+            <a:r>
+              <a:rPr/>
+              <a:t>type</a:t>
+            </a:r>
+            <a:r>
+              <a:rPr/>
+              <a:t> </a:t>
+            </a:r>
+            <a:r>
+              <a:rPr/>
+              <a:t>of</a:t>
+            </a:r>
+            <a:r>
+              <a:rPr/>
+              <a:t> </a:t>
+            </a:r>
+            <a:r>
+              <a:rPr/>
+              <a:t>research,</a:t>
+            </a:r>
+            <a:r>
+              <a:rPr/>
+              <a:t> </a:t>
+            </a:r>
+            <a:r>
+              <a:rPr/>
+              <a:t>but</a:t>
+            </a:r>
+            <a:r>
+              <a:rPr/>
+              <a:t> </a:t>
+            </a:r>
+            <a:r>
+              <a:rPr/>
+              <a:t>uses</a:t>
+            </a:r>
+            <a:r>
+              <a:rPr/>
+              <a:t> </a:t>
+            </a:r>
+            <a:r>
+              <a:rPr/>
+              <a:t>whatever</a:t>
+            </a:r>
+            <a:r>
+              <a:rPr/>
+              <a:t> </a:t>
+            </a:r>
+            <a:r>
+              <a:rPr/>
+              <a:t>approach</a:t>
+            </a:r>
+            <a:r>
+              <a:rPr/>
+              <a:t> </a:t>
+            </a:r>
+            <a:r>
+              <a:rPr/>
+              <a:t>is</a:t>
+            </a:r>
+            <a:r>
+              <a:rPr/>
+              <a:t> </a:t>
+            </a:r>
+            <a:r>
+              <a:rPr/>
+              <a:t>best</a:t>
             </a:r>
             <a:r>
               <a:rPr/>
@@ -11784,15 +12748,277 @@
             </a:r>
             <a:r>
               <a:rPr/>
-              <a:t>this</a:t>
-            </a:r>
-            <a:r>
-              <a:rPr/>
-              <a:t> </a:t>
-            </a:r>
-            <a:r>
-              <a:rPr/>
-              <a:t>week.</a:t>
+              <a:t>the</a:t>
+            </a:r>
+            <a:r>
+              <a:rPr/>
+              <a:t> </a:t>
+            </a:r>
+            <a:r>
+              <a:rPr/>
+              <a:t>particular</a:t>
+            </a:r>
+            <a:r>
+              <a:rPr/>
+              <a:t> </a:t>
+            </a:r>
+            <a:r>
+              <a:rPr/>
+              <a:t>research</a:t>
+            </a:r>
+            <a:r>
+              <a:rPr/>
+              <a:t> </a:t>
+            </a:r>
+            <a:r>
+              <a:rPr/>
+              <a:t>question.</a:t>
+            </a:r>
+          </a:p>
+          <a:p>
+            <a:pPr lvl="0" marL="0" indent="0">
+              <a:buNone/>
+            </a:pPr>
+          </a:p>
+          <a:p>
+            <a:pPr lvl="0" marL="0" indent="0">
+              <a:buNone/>
+            </a:pPr>
+            <a:r>
+              <a:rPr/>
+              <a:t>I</a:t>
+            </a:r>
+            <a:r>
+              <a:rPr/>
+              <a:t> </a:t>
+            </a:r>
+            <a:r>
+              <a:rPr/>
+              <a:t>need</a:t>
+            </a:r>
+            <a:r>
+              <a:rPr/>
+              <a:t> </a:t>
+            </a:r>
+            <a:r>
+              <a:rPr/>
+              <a:t>to</a:t>
+            </a:r>
+            <a:r>
+              <a:rPr/>
+              <a:t> </a:t>
+            </a:r>
+            <a:r>
+              <a:rPr/>
+              <a:t>emphasize</a:t>
+            </a:r>
+            <a:r>
+              <a:rPr/>
+              <a:t> </a:t>
+            </a:r>
+            <a:r>
+              <a:rPr/>
+              <a:t>again</a:t>
+            </a:r>
+            <a:r>
+              <a:rPr/>
+              <a:t> </a:t>
+            </a:r>
+            <a:r>
+              <a:rPr/>
+              <a:t>that</a:t>
+            </a:r>
+            <a:r>
+              <a:rPr/>
+              <a:t> </a:t>
+            </a:r>
+            <a:r>
+              <a:rPr/>
+              <a:t>you</a:t>
+            </a:r>
+            <a:r>
+              <a:rPr/>
+              <a:t> </a:t>
+            </a:r>
+            <a:r>
+              <a:rPr/>
+              <a:t>never</a:t>
+            </a:r>
+            <a:r>
+              <a:rPr/>
+              <a:t> </a:t>
+            </a:r>
+            <a:r>
+              <a:rPr/>
+              <a:t>stand</a:t>
+            </a:r>
+            <a:r>
+              <a:rPr/>
+              <a:t> </a:t>
+            </a:r>
+            <a:r>
+              <a:rPr/>
+              <a:t>at</a:t>
+            </a:r>
+            <a:r>
+              <a:rPr/>
+              <a:t> </a:t>
+            </a:r>
+            <a:r>
+              <a:rPr/>
+              <a:t>one</a:t>
+            </a:r>
+            <a:r>
+              <a:rPr/>
+              <a:t> </a:t>
+            </a:r>
+            <a:r>
+              <a:rPr/>
+              <a:t>end</a:t>
+            </a:r>
+            <a:r>
+              <a:rPr/>
+              <a:t> </a:t>
+            </a:r>
+            <a:r>
+              <a:rPr/>
+              <a:t>of</a:t>
+            </a:r>
+            <a:r>
+              <a:rPr/>
+              <a:t> </a:t>
+            </a:r>
+            <a:r>
+              <a:rPr/>
+              <a:t>a</a:t>
+            </a:r>
+            <a:r>
+              <a:rPr/>
+              <a:t> </a:t>
+            </a:r>
+            <a:r>
+              <a:rPr/>
+              <a:t>dichotomy</a:t>
+            </a:r>
+            <a:r>
+              <a:rPr/>
+              <a:t> </a:t>
+            </a:r>
+            <a:r>
+              <a:rPr/>
+              <a:t>and</a:t>
+            </a:r>
+            <a:r>
+              <a:rPr/>
+              <a:t> </a:t>
+            </a:r>
+            <a:r>
+              <a:rPr/>
+              <a:t>criticize</a:t>
+            </a:r>
+            <a:r>
+              <a:rPr/>
+              <a:t> </a:t>
+            </a:r>
+            <a:r>
+              <a:rPr/>
+              <a:t>the</a:t>
+            </a:r>
+            <a:r>
+              <a:rPr/>
+              <a:t> </a:t>
+            </a:r>
+            <a:r>
+              <a:rPr/>
+              <a:t>other</a:t>
+            </a:r>
+            <a:r>
+              <a:rPr/>
+              <a:t> </a:t>
+            </a:r>
+            <a:r>
+              <a:rPr/>
+              <a:t>end.</a:t>
+            </a:r>
+            <a:r>
+              <a:rPr/>
+              <a:t> </a:t>
+            </a:r>
+            <a:r>
+              <a:rPr/>
+              <a:t>Don’t</a:t>
+            </a:r>
+            <a:r>
+              <a:rPr/>
+              <a:t> </a:t>
+            </a:r>
+            <a:r>
+              <a:rPr/>
+              <a:t>be</a:t>
+            </a:r>
+            <a:r>
+              <a:rPr/>
+              <a:t> </a:t>
+            </a:r>
+            <a:r>
+              <a:rPr/>
+              <a:t>an</a:t>
+            </a:r>
+            <a:r>
+              <a:rPr/>
+              <a:t> </a:t>
+            </a:r>
+            <a:r>
+              <a:rPr/>
+              <a:t>applied</a:t>
+            </a:r>
+            <a:r>
+              <a:rPr/>
+              <a:t> </a:t>
+            </a:r>
+            <a:r>
+              <a:rPr/>
+              <a:t>researcher</a:t>
+            </a:r>
+            <a:r>
+              <a:rPr/>
+              <a:t> </a:t>
+            </a:r>
+            <a:r>
+              <a:rPr/>
+              <a:t>who</a:t>
+            </a:r>
+            <a:r>
+              <a:rPr/>
+              <a:t> </a:t>
+            </a:r>
+            <a:r>
+              <a:rPr/>
+              <a:t>sneers</a:t>
+            </a:r>
+            <a:r>
+              <a:rPr/>
+              <a:t> </a:t>
+            </a:r>
+            <a:r>
+              <a:rPr/>
+              <a:t>at</a:t>
+            </a:r>
+            <a:r>
+              <a:rPr/>
+              <a:t> </a:t>
+            </a:r>
+            <a:r>
+              <a:rPr/>
+              <a:t>theoretical</a:t>
+            </a:r>
+            <a:r>
+              <a:rPr/>
+              <a:t> </a:t>
+            </a:r>
+            <a:r>
+              <a:rPr/>
+              <a:t>research.</a:t>
             </a:r>
           </a:p>
         </p:txBody>
@@ -11815,6 +13041,1120 @@
             <a:fld id="{18BDFEC3-8487-43E8-A154-7C12CBC1FFF2}" type="slidenum">
               <a:rPr lang="en-US"/>
               <a:t>18</a:t>
+            </a:fld>
+            <a:endParaRPr lang="en-US"/>
+          </a:p>
+        </p:txBody>
+      </p:sp>
+    </p:spTree>
+  </p:cSld>
+</p:notes>
+</file>
+
+<file path=ppt/notesSlides/notesSlide18.xml><?xml version="1.0" encoding="utf-8"?>
+<p:notes xmlns:a="http://schemas.openxmlformats.org/drawingml/2006/main" xmlns:r="http://schemas.openxmlformats.org/officeDocument/2006/relationships" xmlns:p="http://schemas.openxmlformats.org/presentationml/2006/main">
+  <p:cSld>
+    <p:spTree>
+      <p:nvGrpSpPr>
+        <p:cNvPr id="1" name=""/>
+        <p:cNvGrpSpPr/>
+        <p:nvPr/>
+      </p:nvGrpSpPr>
+      <p:grpSpPr>
+        <a:xfrm>
+          <a:off x="0" y="0"/>
+          <a:ext cx="0" cy="0"/>
+          <a:chOff x="0" y="0"/>
+          <a:chExt cx="0" cy="0"/>
+        </a:xfrm>
+      </p:grpSpPr>
+      <p:sp>
+        <p:nvSpPr>
+          <p:cNvPr id="2" name="Slide Image Placeholder 1"/>
+          <p:cNvSpPr>
+            <a:spLocks noGrp="1" noRot="1" noChangeAspect="1"/>
+          </p:cNvSpPr>
+          <p:nvPr>
+            <p:ph type="sldImg"/>
+          </p:nvPr>
+        </p:nvSpPr>
+        <p:spPr/>
+      </p:sp>
+      <p:sp>
+        <p:nvSpPr>
+          <p:cNvPr id="3" name="Notes Placeholder 2"/>
+          <p:cNvSpPr>
+            <a:spLocks noGrp="1"/>
+          </p:cNvSpPr>
+          <p:nvPr>
+            <p:ph type="body" idx="1"/>
+          </p:nvPr>
+        </p:nvSpPr>
+        <p:spPr/>
+        <p:txBody>
+          <a:bodyPr/>
+          <a:lstStyle/>
+          <a:p>
+            <a:pPr lvl="0" marL="0" indent="0">
+              <a:buNone/>
+            </a:pPr>
+            <a:r>
+              <a:rPr/>
+              <a:t>Here’s</a:t>
+            </a:r>
+            <a:r>
+              <a:rPr/>
+              <a:t> </a:t>
+            </a:r>
+            <a:r>
+              <a:rPr/>
+              <a:t>that</a:t>
+            </a:r>
+            <a:r>
+              <a:rPr/>
+              <a:t> </a:t>
+            </a:r>
+            <a:r>
+              <a:rPr/>
+              <a:t>diagram</a:t>
+            </a:r>
+            <a:r>
+              <a:rPr/>
+              <a:t> </a:t>
+            </a:r>
+            <a:r>
+              <a:rPr/>
+              <a:t>again.</a:t>
+            </a:r>
+            <a:r>
+              <a:rPr/>
+              <a:t> </a:t>
+            </a:r>
+            <a:r>
+              <a:rPr/>
+              <a:t>The</a:t>
+            </a:r>
+            <a:r>
+              <a:rPr/>
+              <a:t> </a:t>
+            </a:r>
+            <a:r>
+              <a:rPr/>
+              <a:t>“</a:t>
+            </a:r>
+            <a:r>
+              <a:rPr/>
+              <a:t>quantitative</a:t>
+            </a:r>
+            <a:r>
+              <a:rPr/>
+              <a:t>”</a:t>
+            </a:r>
+            <a:r>
+              <a:rPr/>
+              <a:t> </a:t>
+            </a:r>
+            <a:r>
+              <a:rPr/>
+              <a:t>parts</a:t>
+            </a:r>
+            <a:r>
+              <a:rPr/>
+              <a:t> </a:t>
+            </a:r>
+            <a:r>
+              <a:rPr/>
+              <a:t>of</a:t>
+            </a:r>
+            <a:r>
+              <a:rPr/>
+              <a:t> </a:t>
+            </a:r>
+            <a:r>
+              <a:rPr/>
+              <a:t>the</a:t>
+            </a:r>
+            <a:r>
+              <a:rPr/>
+              <a:t> </a:t>
+            </a:r>
+            <a:r>
+              <a:rPr/>
+              <a:t>dichotomy</a:t>
+            </a:r>
+            <a:r>
+              <a:rPr/>
+              <a:t> </a:t>
+            </a:r>
+            <a:r>
+              <a:rPr/>
+              <a:t>(positivist</a:t>
+            </a:r>
+            <a:r>
+              <a:rPr/>
+              <a:t> </a:t>
+            </a:r>
+            <a:r>
+              <a:rPr/>
+              <a:t>approach,</a:t>
+            </a:r>
+            <a:r>
+              <a:rPr/>
+              <a:t> </a:t>
+            </a:r>
+            <a:r>
+              <a:rPr/>
+              <a:t>objective</a:t>
+            </a:r>
+            <a:r>
+              <a:rPr/>
+              <a:t> </a:t>
+            </a:r>
+            <a:r>
+              <a:rPr/>
+              <a:t>data,</a:t>
+            </a:r>
+            <a:r>
+              <a:rPr/>
+              <a:t> </a:t>
+            </a:r>
+            <a:r>
+              <a:rPr/>
+              <a:t>and</a:t>
+            </a:r>
+            <a:r>
+              <a:rPr/>
+              <a:t> </a:t>
+            </a:r>
+            <a:r>
+              <a:rPr/>
+              <a:t>inferential</a:t>
+            </a:r>
+            <a:r>
+              <a:rPr/>
+              <a:t> </a:t>
+            </a:r>
+            <a:r>
+              <a:rPr/>
+              <a:t>statistics)</a:t>
+            </a:r>
+            <a:r>
+              <a:rPr/>
+              <a:t> </a:t>
+            </a:r>
+            <a:r>
+              <a:rPr/>
+              <a:t>tend</a:t>
+            </a:r>
+            <a:r>
+              <a:rPr/>
+              <a:t> </a:t>
+            </a:r>
+            <a:r>
+              <a:rPr/>
+              <a:t>to</a:t>
+            </a:r>
+            <a:r>
+              <a:rPr/>
+              <a:t> </a:t>
+            </a:r>
+            <a:r>
+              <a:rPr/>
+              <a:t>congregate</a:t>
+            </a:r>
+            <a:r>
+              <a:rPr/>
+              <a:t> </a:t>
+            </a:r>
+            <a:r>
+              <a:rPr/>
+              <a:t>on</a:t>
+            </a:r>
+            <a:r>
+              <a:rPr/>
+              <a:t> </a:t>
+            </a:r>
+            <a:r>
+              <a:rPr/>
+              <a:t>the</a:t>
+            </a:r>
+            <a:r>
+              <a:rPr/>
+              <a:t> </a:t>
+            </a:r>
+            <a:r>
+              <a:rPr/>
+              <a:t>left</a:t>
+            </a:r>
+            <a:r>
+              <a:rPr/>
+              <a:t> </a:t>
+            </a:r>
+            <a:r>
+              <a:rPr/>
+              <a:t>side</a:t>
+            </a:r>
+            <a:r>
+              <a:rPr/>
+              <a:t> </a:t>
+            </a:r>
+            <a:r>
+              <a:rPr/>
+              <a:t>of</a:t>
+            </a:r>
+            <a:r>
+              <a:rPr/>
+              <a:t> </a:t>
+            </a:r>
+            <a:r>
+              <a:rPr/>
+              <a:t>this</a:t>
+            </a:r>
+            <a:r>
+              <a:rPr/>
+              <a:t> </a:t>
+            </a:r>
+            <a:r>
+              <a:rPr/>
+              <a:t>chart</a:t>
+            </a:r>
+            <a:r>
+              <a:rPr/>
+              <a:t> </a:t>
+            </a:r>
+            <a:r>
+              <a:rPr/>
+              <a:t>and</a:t>
+            </a:r>
+            <a:r>
+              <a:rPr/>
+              <a:t> </a:t>
+            </a:r>
+            <a:r>
+              <a:rPr/>
+              <a:t>the</a:t>
+            </a:r>
+            <a:r>
+              <a:rPr/>
+              <a:t> </a:t>
+            </a:r>
+            <a:r>
+              <a:rPr/>
+              <a:t>“</a:t>
+            </a:r>
+            <a:r>
+              <a:rPr/>
+              <a:t>qualitative</a:t>
+            </a:r>
+            <a:r>
+              <a:rPr/>
+              <a:t>”</a:t>
+            </a:r>
+            <a:r>
+              <a:rPr/>
+              <a:t> </a:t>
+            </a:r>
+            <a:r>
+              <a:rPr/>
+              <a:t>parts</a:t>
+            </a:r>
+            <a:r>
+              <a:rPr/>
+              <a:t> </a:t>
+            </a:r>
+            <a:r>
+              <a:rPr/>
+              <a:t>of</a:t>
+            </a:r>
+            <a:r>
+              <a:rPr/>
+              <a:t> </a:t>
+            </a:r>
+            <a:r>
+              <a:rPr/>
+              <a:t>the</a:t>
+            </a:r>
+            <a:r>
+              <a:rPr/>
+              <a:t> </a:t>
+            </a:r>
+            <a:r>
+              <a:rPr/>
+              <a:t>dichotomy</a:t>
+            </a:r>
+            <a:r>
+              <a:rPr/>
+              <a:t> </a:t>
+            </a:r>
+            <a:r>
+              <a:rPr/>
+              <a:t>(constructivist</a:t>
+            </a:r>
+            <a:r>
+              <a:rPr/>
+              <a:t> </a:t>
+            </a:r>
+            <a:r>
+              <a:rPr/>
+              <a:t>approach,</a:t>
+            </a:r>
+            <a:r>
+              <a:rPr/>
+              <a:t> </a:t>
+            </a:r>
+            <a:r>
+              <a:rPr/>
+              <a:t>subjective</a:t>
+            </a:r>
+            <a:r>
+              <a:rPr/>
+              <a:t> </a:t>
+            </a:r>
+            <a:r>
+              <a:rPr/>
+              <a:t>data,</a:t>
+            </a:r>
+            <a:r>
+              <a:rPr/>
+              <a:t> </a:t>
+            </a:r>
+            <a:r>
+              <a:rPr/>
+              <a:t>and</a:t>
+            </a:r>
+            <a:r>
+              <a:rPr/>
+              <a:t> </a:t>
+            </a:r>
+            <a:r>
+              <a:rPr/>
+              <a:t>descriptive</a:t>
+            </a:r>
+            <a:r>
+              <a:rPr/>
+              <a:t> </a:t>
+            </a:r>
+            <a:r>
+              <a:rPr/>
+              <a:t>statistics)</a:t>
+            </a:r>
+            <a:r>
+              <a:rPr/>
+              <a:t> </a:t>
+            </a:r>
+            <a:r>
+              <a:rPr/>
+              <a:t>tend</a:t>
+            </a:r>
+            <a:r>
+              <a:rPr/>
+              <a:t> </a:t>
+            </a:r>
+            <a:r>
+              <a:rPr/>
+              <a:t>to</a:t>
+            </a:r>
+            <a:r>
+              <a:rPr/>
+              <a:t> </a:t>
+            </a:r>
+            <a:r>
+              <a:rPr/>
+              <a:t>congregate</a:t>
+            </a:r>
+            <a:r>
+              <a:rPr/>
+              <a:t> </a:t>
+            </a:r>
+            <a:r>
+              <a:rPr/>
+              <a:t>on</a:t>
+            </a:r>
+            <a:r>
+              <a:rPr/>
+              <a:t> </a:t>
+            </a:r>
+            <a:r>
+              <a:rPr/>
+              <a:t>the</a:t>
+            </a:r>
+            <a:r>
+              <a:rPr/>
+              <a:t> </a:t>
+            </a:r>
+            <a:r>
+              <a:rPr/>
+              <a:t>right</a:t>
+            </a:r>
+            <a:r>
+              <a:rPr/>
+              <a:t> </a:t>
+            </a:r>
+            <a:r>
+              <a:rPr/>
+              <a:t>side</a:t>
+            </a:r>
+            <a:r>
+              <a:rPr/>
+              <a:t> </a:t>
+            </a:r>
+            <a:r>
+              <a:rPr/>
+              <a:t>of</a:t>
+            </a:r>
+            <a:r>
+              <a:rPr/>
+              <a:t> </a:t>
+            </a:r>
+            <a:r>
+              <a:rPr/>
+              <a:t>this</a:t>
+            </a:r>
+            <a:r>
+              <a:rPr/>
+              <a:t> </a:t>
+            </a:r>
+            <a:r>
+              <a:rPr/>
+              <a:t>chart.</a:t>
+            </a:r>
+          </a:p>
+          <a:p>
+            <a:pPr lvl="0" marL="0" indent="0">
+              <a:buNone/>
+            </a:pPr>
+          </a:p>
+          <a:p>
+            <a:pPr lvl="0" marL="0" indent="0">
+              <a:buNone/>
+            </a:pPr>
+            <a:r>
+              <a:rPr/>
+              <a:t>Don’t</a:t>
+            </a:r>
+            <a:r>
+              <a:rPr/>
+              <a:t> </a:t>
+            </a:r>
+            <a:r>
+              <a:rPr/>
+              <a:t>take</a:t>
+            </a:r>
+            <a:r>
+              <a:rPr/>
+              <a:t> </a:t>
+            </a:r>
+            <a:r>
+              <a:rPr/>
+              <a:t>this</a:t>
+            </a:r>
+            <a:r>
+              <a:rPr/>
+              <a:t> </a:t>
+            </a:r>
+            <a:r>
+              <a:rPr/>
+              <a:t>chart</a:t>
+            </a:r>
+            <a:r>
+              <a:rPr/>
+              <a:t> </a:t>
+            </a:r>
+            <a:r>
+              <a:rPr/>
+              <a:t>as</a:t>
+            </a:r>
+            <a:r>
+              <a:rPr/>
+              <a:t> </a:t>
+            </a:r>
+            <a:r>
+              <a:rPr/>
+              <a:t>a</a:t>
+            </a:r>
+            <a:r>
+              <a:rPr/>
+              <a:t> </a:t>
+            </a:r>
+            <a:r>
+              <a:rPr/>
+              <a:t>mandate,</a:t>
+            </a:r>
+            <a:r>
+              <a:rPr/>
+              <a:t> </a:t>
+            </a:r>
+            <a:r>
+              <a:rPr/>
+              <a:t>and</a:t>
+            </a:r>
+            <a:r>
+              <a:rPr/>
+              <a:t> </a:t>
+            </a:r>
+            <a:r>
+              <a:rPr/>
+              <a:t>certain</a:t>
+            </a:r>
+            <a:r>
+              <a:rPr/>
+              <a:t> </a:t>
+            </a:r>
+            <a:r>
+              <a:rPr/>
+              <a:t>research</a:t>
+            </a:r>
+            <a:r>
+              <a:rPr/>
+              <a:t> </a:t>
+            </a:r>
+            <a:r>
+              <a:rPr/>
+              <a:t>approaches</a:t>
+            </a:r>
+            <a:r>
+              <a:rPr/>
+              <a:t> </a:t>
+            </a:r>
+            <a:r>
+              <a:rPr/>
+              <a:t>are</a:t>
+            </a:r>
+            <a:r>
+              <a:rPr/>
+              <a:t> </a:t>
+            </a:r>
+            <a:r>
+              <a:rPr/>
+              <a:t>not</a:t>
+            </a:r>
+            <a:r>
+              <a:rPr/>
+              <a:t> </a:t>
+            </a:r>
+            <a:r>
+              <a:rPr/>
+              <a:t>confined</a:t>
+            </a:r>
+            <a:r>
+              <a:rPr/>
+              <a:t> </a:t>
+            </a:r>
+            <a:r>
+              <a:rPr/>
+              <a:t>unfailingly</a:t>
+            </a:r>
+            <a:r>
+              <a:rPr/>
+              <a:t> </a:t>
+            </a:r>
+            <a:r>
+              <a:rPr/>
+              <a:t>to</a:t>
+            </a:r>
+            <a:r>
+              <a:rPr/>
+              <a:t> </a:t>
+            </a:r>
+            <a:r>
+              <a:rPr/>
+              <a:t>one</a:t>
+            </a:r>
+            <a:r>
+              <a:rPr/>
+              <a:t> </a:t>
+            </a:r>
+            <a:r>
+              <a:rPr/>
+              <a:t>region</a:t>
+            </a:r>
+            <a:r>
+              <a:rPr/>
+              <a:t> </a:t>
+            </a:r>
+            <a:r>
+              <a:rPr/>
+              <a:t>or</a:t>
+            </a:r>
+            <a:r>
+              <a:rPr/>
+              <a:t> </a:t>
+            </a:r>
+            <a:r>
+              <a:rPr/>
+              <a:t>one</a:t>
+            </a:r>
+            <a:r>
+              <a:rPr/>
+              <a:t> </a:t>
+            </a:r>
+            <a:r>
+              <a:rPr/>
+              <a:t>path</a:t>
+            </a:r>
+            <a:r>
+              <a:rPr/>
+              <a:t> </a:t>
+            </a:r>
+            <a:r>
+              <a:rPr/>
+              <a:t>on</a:t>
+            </a:r>
+            <a:r>
+              <a:rPr/>
+              <a:t> </a:t>
+            </a:r>
+            <a:r>
+              <a:rPr/>
+              <a:t>this</a:t>
+            </a:r>
+            <a:r>
+              <a:rPr/>
+              <a:t> </a:t>
+            </a:r>
+            <a:r>
+              <a:rPr/>
+              <a:t>diagram.</a:t>
+            </a:r>
+            <a:r>
+              <a:rPr/>
+              <a:t> </a:t>
+            </a:r>
+            <a:r>
+              <a:rPr/>
+              <a:t>But</a:t>
+            </a:r>
+            <a:r>
+              <a:rPr/>
+              <a:t> </a:t>
+            </a:r>
+            <a:r>
+              <a:rPr/>
+              <a:t>when</a:t>
+            </a:r>
+            <a:r>
+              <a:rPr/>
+              <a:t> </a:t>
+            </a:r>
+            <a:r>
+              <a:rPr/>
+              <a:t>the</a:t>
+            </a:r>
+            <a:r>
+              <a:rPr/>
+              <a:t> </a:t>
+            </a:r>
+            <a:r>
+              <a:rPr/>
+              <a:t>seemingly</a:t>
+            </a:r>
+            <a:r>
+              <a:rPr/>
+              <a:t> </a:t>
+            </a:r>
+            <a:r>
+              <a:rPr/>
+              <a:t>infinite</a:t>
+            </a:r>
+            <a:r>
+              <a:rPr/>
+              <a:t> </a:t>
+            </a:r>
+            <a:r>
+              <a:rPr/>
+              <a:t>number</a:t>
+            </a:r>
+            <a:r>
+              <a:rPr/>
+              <a:t> </a:t>
+            </a:r>
+            <a:r>
+              <a:rPr/>
+              <a:t>of</a:t>
+            </a:r>
+            <a:r>
+              <a:rPr/>
+              <a:t> </a:t>
+            </a:r>
+            <a:r>
+              <a:rPr/>
+              <a:t>choices</a:t>
+            </a:r>
+            <a:r>
+              <a:rPr/>
+              <a:t> </a:t>
+            </a:r>
+            <a:r>
+              <a:rPr/>
+              <a:t>that</a:t>
+            </a:r>
+            <a:r>
+              <a:rPr/>
+              <a:t> </a:t>
+            </a:r>
+            <a:r>
+              <a:rPr/>
+              <a:t>you</a:t>
+            </a:r>
+            <a:r>
+              <a:rPr/>
+              <a:t> </a:t>
+            </a:r>
+            <a:r>
+              <a:rPr/>
+              <a:t>face</a:t>
+            </a:r>
+            <a:r>
+              <a:rPr/>
+              <a:t> </a:t>
+            </a:r>
+            <a:r>
+              <a:rPr/>
+              <a:t>in</a:t>
+            </a:r>
+            <a:r>
+              <a:rPr/>
+              <a:t> </a:t>
+            </a:r>
+            <a:r>
+              <a:rPr/>
+              <a:t>designing</a:t>
+            </a:r>
+            <a:r>
+              <a:rPr/>
+              <a:t> </a:t>
+            </a:r>
+            <a:r>
+              <a:rPr/>
+              <a:t>a</a:t>
+            </a:r>
+            <a:r>
+              <a:rPr/>
+              <a:t> </a:t>
+            </a:r>
+            <a:r>
+              <a:rPr/>
+              <a:t>research</a:t>
+            </a:r>
+            <a:r>
+              <a:rPr/>
+              <a:t> </a:t>
+            </a:r>
+            <a:r>
+              <a:rPr/>
+              <a:t>study</a:t>
+            </a:r>
+            <a:r>
+              <a:rPr/>
+              <a:t> </a:t>
+            </a:r>
+            <a:r>
+              <a:rPr/>
+              <a:t>can</a:t>
+            </a:r>
+            <a:r>
+              <a:rPr/>
+              <a:t> </a:t>
+            </a:r>
+            <a:r>
+              <a:rPr/>
+              <a:t>lead</a:t>
+            </a:r>
+            <a:r>
+              <a:rPr/>
+              <a:t> </a:t>
+            </a:r>
+            <a:r>
+              <a:rPr/>
+              <a:t>you</a:t>
+            </a:r>
+            <a:r>
+              <a:rPr/>
+              <a:t> </a:t>
+            </a:r>
+            <a:r>
+              <a:rPr/>
+              <a:t>to</a:t>
+            </a:r>
+            <a:r>
+              <a:rPr/>
+              <a:t> </a:t>
+            </a:r>
+            <a:r>
+              <a:rPr/>
+              <a:t>despair,</a:t>
+            </a:r>
+            <a:r>
+              <a:rPr/>
+              <a:t> </a:t>
+            </a:r>
+            <a:r>
+              <a:rPr/>
+              <a:t>the</a:t>
+            </a:r>
+            <a:r>
+              <a:rPr/>
+              <a:t> </a:t>
+            </a:r>
+            <a:r>
+              <a:rPr/>
+              <a:t>ability</a:t>
+            </a:r>
+            <a:r>
+              <a:rPr/>
+              <a:t> </a:t>
+            </a:r>
+            <a:r>
+              <a:rPr/>
+              <a:t>to</a:t>
+            </a:r>
+            <a:r>
+              <a:rPr/>
+              <a:t> </a:t>
+            </a:r>
+            <a:r>
+              <a:rPr/>
+              <a:t>focus</a:t>
+            </a:r>
+            <a:r>
+              <a:rPr/>
+              <a:t> </a:t>
+            </a:r>
+            <a:r>
+              <a:rPr/>
+              <a:t>on</a:t>
+            </a:r>
+            <a:r>
+              <a:rPr/>
+              <a:t> </a:t>
+            </a:r>
+            <a:r>
+              <a:rPr/>
+              <a:t>a</a:t>
+            </a:r>
+            <a:r>
+              <a:rPr/>
+              <a:t> </a:t>
+            </a:r>
+            <a:r>
+              <a:rPr/>
+              <a:t>smaller</a:t>
+            </a:r>
+            <a:r>
+              <a:rPr/>
+              <a:t> </a:t>
+            </a:r>
+            <a:r>
+              <a:rPr/>
+              <a:t>number</a:t>
+            </a:r>
+            <a:r>
+              <a:rPr/>
+              <a:t> </a:t>
+            </a:r>
+            <a:r>
+              <a:rPr/>
+              <a:t>of</a:t>
+            </a:r>
+            <a:r>
+              <a:rPr/>
+              <a:t> </a:t>
+            </a:r>
+            <a:r>
+              <a:rPr/>
+              <a:t>choices</a:t>
+            </a:r>
+            <a:r>
+              <a:rPr/>
+              <a:t> </a:t>
+            </a:r>
+            <a:r>
+              <a:rPr/>
+              <a:t>can</a:t>
+            </a:r>
+            <a:r>
+              <a:rPr/>
+              <a:t> </a:t>
+            </a:r>
+            <a:r>
+              <a:rPr/>
+              <a:t>help</a:t>
+            </a:r>
+            <a:r>
+              <a:rPr/>
+              <a:t> </a:t>
+            </a:r>
+            <a:r>
+              <a:rPr/>
+              <a:t>a</a:t>
+            </a:r>
+            <a:r>
+              <a:rPr/>
+              <a:t> </a:t>
+            </a:r>
+            <a:r>
+              <a:rPr/>
+              <a:t>lot.</a:t>
+            </a:r>
+          </a:p>
+        </p:txBody>
+      </p:sp>
+      <p:sp>
+        <p:nvSpPr>
+          <p:cNvPr id="4" name="Slide Number Placeholder 3"/>
+          <p:cNvSpPr>
+            <a:spLocks noGrp="1"/>
+          </p:cNvSpPr>
+          <p:nvPr>
+            <p:ph type="sldNum" sz="quarter" idx="10"/>
+          </p:nvPr>
+        </p:nvSpPr>
+        <p:spPr/>
+        <p:txBody>
+          <a:bodyPr/>
+          <a:lstStyle/>
+          <a:p>
+            <a:fld id="{18BDFEC3-8487-43E8-A154-7C12CBC1FFF2}" type="slidenum">
+              <a:rPr lang="en-US"/>
+              <a:t>19</a:t>
+            </a:fld>
+            <a:endParaRPr lang="en-US"/>
+          </a:p>
+        </p:txBody>
+      </p:sp>
+    </p:spTree>
+  </p:cSld>
+</p:notes>
+</file>
+
+<file path=ppt/notesSlides/notesSlide19.xml><?xml version="1.0" encoding="utf-8"?>
+<p:notes xmlns:a="http://schemas.openxmlformats.org/drawingml/2006/main" xmlns:r="http://schemas.openxmlformats.org/officeDocument/2006/relationships" xmlns:p="http://schemas.openxmlformats.org/presentationml/2006/main">
+  <p:cSld>
+    <p:spTree>
+      <p:nvGrpSpPr>
+        <p:cNvPr id="1" name=""/>
+        <p:cNvGrpSpPr/>
+        <p:nvPr/>
+      </p:nvGrpSpPr>
+      <p:grpSpPr>
+        <a:xfrm>
+          <a:off x="0" y="0"/>
+          <a:ext cx="0" cy="0"/>
+          <a:chOff x="0" y="0"/>
+          <a:chExt cx="0" cy="0"/>
+        </a:xfrm>
+      </p:grpSpPr>
+      <p:sp>
+        <p:nvSpPr>
+          <p:cNvPr id="2" name="Slide Image Placeholder 1"/>
+          <p:cNvSpPr>
+            <a:spLocks noGrp="1" noRot="1" noChangeAspect="1"/>
+          </p:cNvSpPr>
+          <p:nvPr>
+            <p:ph type="sldImg"/>
+          </p:nvPr>
+        </p:nvSpPr>
+        <p:spPr/>
+      </p:sp>
+      <p:sp>
+        <p:nvSpPr>
+          <p:cNvPr id="3" name="Notes Placeholder 2"/>
+          <p:cNvSpPr>
+            <a:spLocks noGrp="1"/>
+          </p:cNvSpPr>
+          <p:nvPr>
+            <p:ph type="body" idx="1"/>
+          </p:nvPr>
+        </p:nvSpPr>
+        <p:spPr/>
+        <p:txBody>
+          <a:bodyPr/>
+          <a:lstStyle/>
+          <a:p>
+            <a:pPr lvl="0" marL="0" indent="0">
+              <a:buNone/>
+            </a:pPr>
+            <a:r>
+              <a:rPr/>
+              <a:t>This</a:t>
+            </a:r>
+            <a:r>
+              <a:rPr/>
+              <a:t> </a:t>
+            </a:r>
+            <a:r>
+              <a:rPr/>
+              <a:t>is</a:t>
+            </a:r>
+            <a:r>
+              <a:rPr/>
+              <a:t> </a:t>
+            </a:r>
+            <a:r>
+              <a:rPr/>
+              <a:t>your</a:t>
+            </a:r>
+            <a:r>
+              <a:rPr/>
+              <a:t> </a:t>
+            </a:r>
+            <a:r>
+              <a:rPr/>
+              <a:t>homework</a:t>
+            </a:r>
+            <a:r>
+              <a:rPr/>
+              <a:t> </a:t>
+            </a:r>
+            <a:r>
+              <a:rPr/>
+              <a:t>assignment</a:t>
+            </a:r>
+            <a:r>
+              <a:rPr/>
+              <a:t> </a:t>
+            </a:r>
+            <a:r>
+              <a:rPr/>
+              <a:t>for</a:t>
+            </a:r>
+            <a:r>
+              <a:rPr/>
+              <a:t> </a:t>
+            </a:r>
+            <a:r>
+              <a:rPr/>
+              <a:t>this</a:t>
+            </a:r>
+            <a:r>
+              <a:rPr/>
+              <a:t> </a:t>
+            </a:r>
+            <a:r>
+              <a:rPr/>
+              <a:t>week.</a:t>
+            </a:r>
+          </a:p>
+        </p:txBody>
+      </p:sp>
+      <p:sp>
+        <p:nvSpPr>
+          <p:cNvPr id="4" name="Slide Number Placeholder 3"/>
+          <p:cNvSpPr>
+            <a:spLocks noGrp="1"/>
+          </p:cNvSpPr>
+          <p:nvPr>
+            <p:ph type="sldNum" sz="quarter" idx="10"/>
+          </p:nvPr>
+        </p:nvSpPr>
+        <p:spPr/>
+        <p:txBody>
+          <a:bodyPr/>
+          <a:lstStyle/>
+          <a:p>
+            <a:fld id="{18BDFEC3-8487-43E8-A154-7C12CBC1FFF2}" type="slidenum">
+              <a:rPr lang="en-US"/>
+              <a:t>20</a:t>
             </a:fld>
             <a:endParaRPr lang="en-US"/>
           </a:p>
@@ -23014,7 +25354,23 @@
             </a:pPr>
             <a:r>
               <a:rPr/>
-              <a:t>Interrelationships</a:t>
+              <a:t>Translational</a:t>
+            </a:r>
+            <a:r>
+              <a:rPr/>
+              <a:t> </a:t>
+            </a:r>
+            <a:r>
+              <a:rPr/>
+              <a:t>versus</a:t>
+            </a:r>
+            <a:r>
+              <a:rPr/>
+              <a:t> </a:t>
+            </a:r>
+            <a:r>
+              <a:rPr/>
+              <a:t>basic</a:t>
             </a:r>
           </a:p>
         </p:txBody>
@@ -23037,56 +25393,42 @@
             <a:pPr lvl="1"/>
             <a:r>
               <a:rPr/>
-              <a:t>Examples of typical associations</a:t>
+              <a:t>Basic research: “without thought of practical ends.”</a:t>
             </a:r>
           </a:p>
           <a:p>
             <a:pPr lvl="2"/>
             <a:r>
               <a:rPr/>
-              <a:t>Laboratory research and theoretical research.</a:t>
+              <a:t>National Science Foundation (1953) “What is Basic Research” published in the Third Annual Report of the National Science Foundation.</a:t>
+            </a:r>
+          </a:p>
+          <a:p>
+            <a:pPr lvl="1"/>
+            <a:r>
+              <a:rPr/>
+              <a:t>Translational research: transition from “bench to bedside.”</a:t>
             </a:r>
           </a:p>
           <a:p>
             <a:pPr lvl="2"/>
             <a:r>
               <a:rPr/>
-              <a:t>Constructivist research and subjective data.</a:t>
-            </a:r>
-          </a:p>
-          <a:p>
-            <a:pPr lvl="1"/>
-            <a:r>
-              <a:rPr/>
-              <a:t>Plenty of exceptions, though.</a:t>
-            </a:r>
-          </a:p>
-          <a:p>
-            <a:pPr lvl="1"/>
-            <a:r>
-              <a:rPr/>
-              <a:t>Mixed methods studies.</a:t>
+              <a:t>Called T1 research.</a:t>
             </a:r>
           </a:p>
           <a:p>
             <a:pPr lvl="2"/>
             <a:r>
               <a:rPr/>
-              <a:t>Combination of constructivist and positivist approaches.</a:t>
+              <a:t>Next step (T2): transition from bedside to community.</a:t>
             </a:r>
           </a:p>
           <a:p>
             <a:pPr lvl="2"/>
             <a:r>
               <a:rPr/>
-              <a:t>Sometimes called triangulation.</a:t>
-            </a:r>
-          </a:p>
-          <a:p>
-            <a:pPr lvl="1"/>
-            <a:r>
-              <a:rPr/>
-              <a:t>Pragmatic approach.</a:t>
+              <a:t>T3, T4, T5???</a:t>
             </a:r>
           </a:p>
         </p:txBody>
@@ -23097,6 +25439,246 @@
 </file>
 
 <file path=ppt/slides/slide17.xml><?xml version="1.0" encoding="utf-8"?>
+<p:sld xmlns:a="http://schemas.openxmlformats.org/drawingml/2006/main" xmlns:r="http://schemas.openxmlformats.org/officeDocument/2006/relationships" xmlns:p="http://schemas.openxmlformats.org/presentationml/2006/main">
+  <p:cSld>
+    <p:spTree>
+      <p:nvGrpSpPr>
+        <p:cNvPr id="1" name=""/>
+        <p:cNvGrpSpPr/>
+        <p:nvPr/>
+      </p:nvGrpSpPr>
+      <p:grpSpPr>
+        <a:xfrm>
+          <a:off x="0" y="0"/>
+          <a:ext cx="0" cy="0"/>
+          <a:chOff x="0" y="0"/>
+          <a:chExt cx="0" cy="0"/>
+        </a:xfrm>
+      </p:grpSpPr>
+      <p:sp>
+        <p:nvSpPr>
+          <p:cNvPr id="2" name="Title 1"/>
+          <p:cNvSpPr>
+            <a:spLocks noGrp="1"/>
+          </p:cNvSpPr>
+          <p:nvPr>
+            <p:ph type="title"/>
+          </p:nvPr>
+        </p:nvSpPr>
+        <p:spPr/>
+        <p:txBody>
+          <a:bodyPr/>
+          <a:lstStyle/>
+          <a:p>
+            <a:pPr lvl="0" marL="0" indent="0">
+              <a:buNone/>
+            </a:pPr>
+            <a:r>
+              <a:rPr/>
+              <a:t>Inductive</a:t>
+            </a:r>
+            <a:r>
+              <a:rPr/>
+              <a:t> </a:t>
+            </a:r>
+            <a:r>
+              <a:rPr/>
+              <a:t>versus</a:t>
+            </a:r>
+            <a:r>
+              <a:rPr/>
+              <a:t> </a:t>
+            </a:r>
+            <a:r>
+              <a:rPr/>
+              <a:t>deductive</a:t>
+            </a:r>
+          </a:p>
+        </p:txBody>
+      </p:sp>
+      <p:sp>
+        <p:nvSpPr>
+          <p:cNvPr id="3" name="Content Placeholder 2"/>
+          <p:cNvSpPr>
+            <a:spLocks noGrp="1"/>
+          </p:cNvSpPr>
+          <p:nvPr>
+            <p:ph idx="1"/>
+          </p:nvPr>
+        </p:nvSpPr>
+        <p:spPr/>
+        <p:txBody>
+          <a:bodyPr/>
+          <a:lstStyle/>
+          <a:p>
+            <a:pPr lvl="1"/>
+            <a:r>
+              <a:rPr/>
+              <a:t>Not the same as inductive/deductive reasoning.</a:t>
+            </a:r>
+          </a:p>
+          <a:p>
+            <a:pPr lvl="1"/>
+            <a:r>
+              <a:rPr/>
+              <a:t>Deductive: use theory to test a specific hypothesis</a:t>
+            </a:r>
+          </a:p>
+          <a:p>
+            <a:pPr lvl="2"/>
+            <a:r>
+              <a:rPr/>
+              <a:t>from general to specific.</a:t>
+            </a:r>
+          </a:p>
+          <a:p>
+            <a:pPr lvl="1"/>
+            <a:r>
+              <a:rPr/>
+              <a:t>Inductive: collect specific facts to build a theory</a:t>
+            </a:r>
+          </a:p>
+          <a:p>
+            <a:pPr lvl="2"/>
+            <a:r>
+              <a:rPr/>
+              <a:t>from specific to general.</a:t>
+            </a:r>
+          </a:p>
+          <a:p>
+            <a:pPr lvl="2"/>
+            <a:r>
+              <a:rPr/>
+              <a:t>often relies on qualitative research (grounded theory)</a:t>
+            </a:r>
+          </a:p>
+        </p:txBody>
+      </p:sp>
+    </p:spTree>
+  </p:cSld>
+</p:sld>
+</file>
+
+<file path=ppt/slides/slide18.xml><?xml version="1.0" encoding="utf-8"?>
+<p:sld xmlns:a="http://schemas.openxmlformats.org/drawingml/2006/main" xmlns:r="http://schemas.openxmlformats.org/officeDocument/2006/relationships" xmlns:p="http://schemas.openxmlformats.org/presentationml/2006/main">
+  <p:cSld>
+    <p:spTree>
+      <p:nvGrpSpPr>
+        <p:cNvPr id="1" name=""/>
+        <p:cNvGrpSpPr/>
+        <p:nvPr/>
+      </p:nvGrpSpPr>
+      <p:grpSpPr>
+        <a:xfrm>
+          <a:off x="0" y="0"/>
+          <a:ext cx="0" cy="0"/>
+          <a:chOff x="0" y="0"/>
+          <a:chExt cx="0" cy="0"/>
+        </a:xfrm>
+      </p:grpSpPr>
+      <p:sp>
+        <p:nvSpPr>
+          <p:cNvPr id="2" name="Title 1"/>
+          <p:cNvSpPr>
+            <a:spLocks noGrp="1"/>
+          </p:cNvSpPr>
+          <p:nvPr>
+            <p:ph type="title"/>
+          </p:nvPr>
+        </p:nvSpPr>
+        <p:spPr/>
+        <p:txBody>
+          <a:bodyPr/>
+          <a:lstStyle/>
+          <a:p>
+            <a:pPr lvl="0" marL="0" indent="0">
+              <a:buNone/>
+            </a:pPr>
+            <a:r>
+              <a:rPr/>
+              <a:t>Interrelationships</a:t>
+            </a:r>
+          </a:p>
+        </p:txBody>
+      </p:sp>
+      <p:sp>
+        <p:nvSpPr>
+          <p:cNvPr id="3" name="Content Placeholder 2"/>
+          <p:cNvSpPr>
+            <a:spLocks noGrp="1"/>
+          </p:cNvSpPr>
+          <p:nvPr>
+            <p:ph idx="1"/>
+          </p:nvPr>
+        </p:nvSpPr>
+        <p:spPr/>
+        <p:txBody>
+          <a:bodyPr/>
+          <a:lstStyle/>
+          <a:p>
+            <a:pPr lvl="1"/>
+            <a:r>
+              <a:rPr/>
+              <a:t>Examples of typical associations</a:t>
+            </a:r>
+          </a:p>
+          <a:p>
+            <a:pPr lvl="2"/>
+            <a:r>
+              <a:rPr/>
+              <a:t>Laboratory research and theoretical research.</a:t>
+            </a:r>
+          </a:p>
+          <a:p>
+            <a:pPr lvl="2"/>
+            <a:r>
+              <a:rPr/>
+              <a:t>Constructivist research and subjective data.</a:t>
+            </a:r>
+          </a:p>
+          <a:p>
+            <a:pPr lvl="1"/>
+            <a:r>
+              <a:rPr/>
+              <a:t>Plenty of exceptions, though.</a:t>
+            </a:r>
+          </a:p>
+          <a:p>
+            <a:pPr lvl="1"/>
+            <a:r>
+              <a:rPr/>
+              <a:t>Mixed methods studies.</a:t>
+            </a:r>
+          </a:p>
+          <a:p>
+            <a:pPr lvl="2"/>
+            <a:r>
+              <a:rPr/>
+              <a:t>Combination of constructivist and positivist approaches.</a:t>
+            </a:r>
+          </a:p>
+          <a:p>
+            <a:pPr lvl="2"/>
+            <a:r>
+              <a:rPr/>
+              <a:t>Sometimes called triangulation.</a:t>
+            </a:r>
+          </a:p>
+          <a:p>
+            <a:pPr lvl="1"/>
+            <a:r>
+              <a:rPr/>
+              <a:t>Pragmatic approach.</a:t>
+            </a:r>
+          </a:p>
+        </p:txBody>
+      </p:sp>
+    </p:spTree>
+  </p:cSld>
+</p:sld>
+</file>
+
+<file path=ppt/slides/slide19.xml><?xml version="1.0" encoding="utf-8"?>
 <p:sld xmlns:a="http://schemas.openxmlformats.org/drawingml/2006/main" xmlns:r="http://schemas.openxmlformats.org/officeDocument/2006/relationships" xmlns:p="http://schemas.openxmlformats.org/presentationml/2006/main">
   <p:cSld>
     <p:spTree>
@@ -23251,194 +25833,6 @@
 </p:sld>
 </file>
 
-<file path=ppt/slides/slide18.xml><?xml version="1.0" encoding="utf-8"?>
-<p:sld xmlns:a="http://schemas.openxmlformats.org/drawingml/2006/main" xmlns:r="http://schemas.openxmlformats.org/officeDocument/2006/relationships" xmlns:p="http://schemas.openxmlformats.org/presentationml/2006/main">
-  <p:cSld>
-    <p:spTree>
-      <p:nvGrpSpPr>
-        <p:cNvPr id="1" name=""/>
-        <p:cNvGrpSpPr/>
-        <p:nvPr/>
-      </p:nvGrpSpPr>
-      <p:grpSpPr>
-        <a:xfrm>
-          <a:off x="0" y="0"/>
-          <a:ext cx="0" cy="0"/>
-          <a:chOff x="0" y="0"/>
-          <a:chExt cx="0" cy="0"/>
-        </a:xfrm>
-      </p:grpSpPr>
-      <p:sp>
-        <p:nvSpPr>
-          <p:cNvPr id="2" name="Title 1"/>
-          <p:cNvSpPr>
-            <a:spLocks noGrp="1"/>
-          </p:cNvSpPr>
-          <p:nvPr>
-            <p:ph type="title"/>
-          </p:nvPr>
-        </p:nvSpPr>
-        <p:spPr/>
-        <p:txBody>
-          <a:bodyPr/>
-          <a:lstStyle/>
-          <a:p>
-            <a:pPr lvl="0" marL="0" indent="0">
-              <a:buNone/>
-            </a:pPr>
-            <a:r>
-              <a:rPr/>
-              <a:t>Assignment</a:t>
-            </a:r>
-          </a:p>
-        </p:txBody>
-      </p:sp>
-      <p:sp>
-        <p:nvSpPr>
-          <p:cNvPr id="3" name="Content Placeholder 2"/>
-          <p:cNvSpPr>
-            <a:spLocks noGrp="1"/>
-          </p:cNvSpPr>
-          <p:nvPr>
-            <p:ph idx="1"/>
-          </p:nvPr>
-        </p:nvSpPr>
-        <p:spPr/>
-        <p:txBody>
-          <a:bodyPr/>
-          <a:lstStyle/>
-          <a:p>
-            <a:pPr lvl="1">
-              <a:buAutoNum type="arabicPeriod"/>
-            </a:pPr>
-            <a:r>
-              <a:rPr/>
-              <a:t>Complete and send in Syllabus Quiz. Quiz must be submitted by midnight, to be eligible to receive full credit..</a:t>
-            </a:r>
-          </a:p>
-          <a:p>
-            <a:pPr lvl="1">
-              <a:buAutoNum type="arabicPeriod"/>
-            </a:pPr>
-            <a:r>
-              <a:rPr/>
-              <a:t>Prepare for next week’s session.</a:t>
-            </a:r>
-          </a:p>
-        </p:txBody>
-      </p:sp>
-    </p:spTree>
-  </p:cSld>
-</p:sld>
-</file>
-
-<file path=ppt/slides/slide19.xml><?xml version="1.0" encoding="utf-8"?>
-<p:sld xmlns:a="http://schemas.openxmlformats.org/drawingml/2006/main" xmlns:r="http://schemas.openxmlformats.org/officeDocument/2006/relationships" xmlns:p="http://schemas.openxmlformats.org/presentationml/2006/main">
-  <p:cSld>
-    <p:spTree>
-      <p:nvGrpSpPr>
-        <p:cNvPr id="1" name=""/>
-        <p:cNvGrpSpPr/>
-        <p:nvPr/>
-      </p:nvGrpSpPr>
-      <p:grpSpPr>
-        <a:xfrm>
-          <a:off x="0" y="0"/>
-          <a:ext cx="0" cy="0"/>
-          <a:chOff x="0" y="0"/>
-          <a:chExt cx="0" cy="0"/>
-        </a:xfrm>
-      </p:grpSpPr>
-      <p:sp>
-        <p:nvSpPr>
-          <p:cNvPr id="2" name="Title 1"/>
-          <p:cNvSpPr>
-            <a:spLocks noGrp="1"/>
-          </p:cNvSpPr>
-          <p:nvPr>
-            <p:ph type="title"/>
-          </p:nvPr>
-        </p:nvSpPr>
-        <p:spPr/>
-        <p:txBody>
-          <a:bodyPr/>
-          <a:lstStyle/>
-          <a:p>
-            <a:pPr lvl="0" marL="0" indent="0">
-              <a:buNone/>
-            </a:pPr>
-            <a:r>
-              <a:rPr/>
-              <a:t>Discussion</a:t>
-            </a:r>
-            <a:r>
-              <a:rPr/>
-              <a:t> </a:t>
-            </a:r>
-            <a:r>
-              <a:rPr/>
-              <a:t>questions</a:t>
-            </a:r>
-          </a:p>
-        </p:txBody>
-      </p:sp>
-      <p:sp>
-        <p:nvSpPr>
-          <p:cNvPr id="3" name="Content Placeholder 2"/>
-          <p:cNvSpPr>
-            <a:spLocks noGrp="1"/>
-          </p:cNvSpPr>
-          <p:nvPr>
-            <p:ph idx="1"/>
-          </p:nvPr>
-        </p:nvSpPr>
-        <p:spPr/>
-        <p:txBody>
-          <a:bodyPr/>
-          <a:lstStyle/>
-          <a:p>
-            <a:pPr lvl="0" marL="0" indent="0">
-              <a:buNone/>
-            </a:pPr>
-            <a:r>
-              <a:rPr/>
-              <a:t>Please submit your posts by and comment on at least one other post by the following Wednesday.</a:t>
-            </a:r>
-          </a:p>
-          <a:p>
-            <a:pPr lvl="1">
-              <a:buAutoNum type="arabicPeriod"/>
-            </a:pPr>
-            <a:r>
-              <a:rPr/>
-              <a:t>Briefly describe your background and explain why are you interested in this course?</a:t>
-            </a:r>
-          </a:p>
-          <a:p>
-            <a:pPr lvl="1">
-              <a:buAutoNum type="arabicPeriod"/>
-            </a:pPr>
-            <a:r>
-              <a:rPr/>
-              <a:t>Find a research paper that is relevant to your work or area of study. This must be a paper with full free text available. Post the abstract of this article and a link to the full text. Review the dichotomies discussed in Chapter 1 and classify the paper into one of the two levels in each dichotomy, or classify it as a mixture of both levels of the dichotomies. If you are unsure about any classification, be honest about your uncertainty.</a:t>
-            </a:r>
-          </a:p>
-          <a:p>
-            <a:pPr lvl="1">
-              <a:buAutoNum type="arabicPeriod"/>
-            </a:pPr>
-            <a:r>
-              <a:rPr/>
-              <a:t>Review at least one paper posted by another student and comment on their classifications.</a:t>
-            </a:r>
-          </a:p>
-        </p:txBody>
-      </p:sp>
-    </p:spTree>
-  </p:cSld>
-</p:sld>
-</file>
-
 <file path=ppt/slides/slide2.xml><?xml version="1.0" encoding="utf-8"?>
 <p:sld xmlns:a="http://schemas.openxmlformats.org/drawingml/2006/main" xmlns:r="http://schemas.openxmlformats.org/officeDocument/2006/relationships" xmlns:p="http://schemas.openxmlformats.org/presentationml/2006/main">
   <p:cSld>
@@ -23527,7 +25921,204 @@
             </a:pPr>
             <a:r>
               <a:rPr/>
-              <a:t>To demonstrate an understanding of the role of clinical research in health care</a:t>
+              <a:t>To distinguish between qualitative and quantitative research and identify when each type of research is called for.</a:t>
+            </a:r>
+          </a:p>
+        </p:txBody>
+      </p:sp>
+    </p:spTree>
+  </p:cSld>
+</p:sld>
+</file>
+
+<file path=ppt/slides/slide20.xml><?xml version="1.0" encoding="utf-8"?>
+<p:sld xmlns:a="http://schemas.openxmlformats.org/drawingml/2006/main" xmlns:r="http://schemas.openxmlformats.org/officeDocument/2006/relationships" xmlns:p="http://schemas.openxmlformats.org/presentationml/2006/main">
+  <p:cSld>
+    <p:spTree>
+      <p:nvGrpSpPr>
+        <p:cNvPr id="1" name=""/>
+        <p:cNvGrpSpPr/>
+        <p:nvPr/>
+      </p:nvGrpSpPr>
+      <p:grpSpPr>
+        <a:xfrm>
+          <a:off x="0" y="0"/>
+          <a:ext cx="0" cy="0"/>
+          <a:chOff x="0" y="0"/>
+          <a:chExt cx="0" cy="0"/>
+        </a:xfrm>
+      </p:grpSpPr>
+      <p:sp>
+        <p:nvSpPr>
+          <p:cNvPr id="2" name="Title 1"/>
+          <p:cNvSpPr>
+            <a:spLocks noGrp="1"/>
+          </p:cNvSpPr>
+          <p:nvPr>
+            <p:ph type="title"/>
+          </p:nvPr>
+        </p:nvSpPr>
+        <p:spPr/>
+        <p:txBody>
+          <a:bodyPr/>
+          <a:lstStyle/>
+          <a:p>
+            <a:pPr lvl="0" marL="0" indent="0">
+              <a:buNone/>
+            </a:pPr>
+            <a:r>
+              <a:rPr/>
+              <a:t>Assignment</a:t>
+            </a:r>
+          </a:p>
+        </p:txBody>
+      </p:sp>
+      <p:sp>
+        <p:nvSpPr>
+          <p:cNvPr id="3" name="Content Placeholder 2"/>
+          <p:cNvSpPr>
+            <a:spLocks noGrp="1"/>
+          </p:cNvSpPr>
+          <p:nvPr>
+            <p:ph idx="1"/>
+          </p:nvPr>
+        </p:nvSpPr>
+        <p:spPr/>
+        <p:txBody>
+          <a:bodyPr/>
+          <a:lstStyle/>
+          <a:p>
+            <a:pPr lvl="1">
+              <a:buAutoNum type="arabicPeriod"/>
+            </a:pPr>
+            <a:r>
+              <a:rPr/>
+              <a:t>Complete and send in Syllabus Quiz. Quiz must be submitted by midnight, to be eligible to receive full credit.</a:t>
+            </a:r>
+          </a:p>
+          <a:p>
+            <a:pPr lvl="1">
+              <a:buAutoNum type="arabicPeriod"/>
+            </a:pPr>
+            <a:r>
+              <a:rPr/>
+              <a:t>Prepare for next week’s session.</a:t>
+            </a:r>
+          </a:p>
+        </p:txBody>
+      </p:sp>
+    </p:spTree>
+  </p:cSld>
+</p:sld>
+</file>
+
+<file path=ppt/slides/slide21.xml><?xml version="1.0" encoding="utf-8"?>
+<p:sld xmlns:a="http://schemas.openxmlformats.org/drawingml/2006/main" xmlns:r="http://schemas.openxmlformats.org/officeDocument/2006/relationships" xmlns:p="http://schemas.openxmlformats.org/presentationml/2006/main">
+  <p:cSld>
+    <p:spTree>
+      <p:nvGrpSpPr>
+        <p:cNvPr id="1" name=""/>
+        <p:cNvGrpSpPr/>
+        <p:nvPr/>
+      </p:nvGrpSpPr>
+      <p:grpSpPr>
+        <a:xfrm>
+          <a:off x="0" y="0"/>
+          <a:ext cx="0" cy="0"/>
+          <a:chOff x="0" y="0"/>
+          <a:chExt cx="0" cy="0"/>
+        </a:xfrm>
+      </p:grpSpPr>
+      <p:sp>
+        <p:nvSpPr>
+          <p:cNvPr id="2" name="Title 1"/>
+          <p:cNvSpPr>
+            <a:spLocks noGrp="1"/>
+          </p:cNvSpPr>
+          <p:nvPr>
+            <p:ph type="title"/>
+          </p:nvPr>
+        </p:nvSpPr>
+        <p:spPr/>
+        <p:txBody>
+          <a:bodyPr/>
+          <a:lstStyle/>
+          <a:p>
+            <a:pPr lvl="0" marL="0" indent="0">
+              <a:buNone/>
+            </a:pPr>
+            <a:r>
+              <a:rPr/>
+              <a:t>Discussion</a:t>
+            </a:r>
+            <a:r>
+              <a:rPr/>
+              <a:t> </a:t>
+            </a:r>
+            <a:r>
+              <a:rPr/>
+              <a:t>questions</a:t>
+            </a:r>
+          </a:p>
+        </p:txBody>
+      </p:sp>
+      <p:sp>
+        <p:nvSpPr>
+          <p:cNvPr id="3" name="Content Placeholder 2"/>
+          <p:cNvSpPr>
+            <a:spLocks noGrp="1"/>
+          </p:cNvSpPr>
+          <p:nvPr>
+            <p:ph idx="1"/>
+          </p:nvPr>
+        </p:nvSpPr>
+        <p:spPr/>
+        <p:txBody>
+          <a:bodyPr/>
+          <a:lstStyle/>
+          <a:p>
+            <a:pPr lvl="0" marL="0" indent="0">
+              <a:buNone/>
+            </a:pPr>
+            <a:r>
+              <a:rPr/>
+              <a:t>Please submit your posts by and comment on at least one other post by the following Wednesday.</a:t>
+            </a:r>
+          </a:p>
+          <a:p>
+            <a:pPr lvl="1">
+              <a:buAutoNum type="arabicPeriod"/>
+            </a:pPr>
+            <a:r>
+              <a:rPr/>
+              <a:t>Briefly describe your background and explain why are you interested in this course.</a:t>
+            </a:r>
+          </a:p>
+          <a:p>
+            <a:pPr lvl="1">
+              <a:buAutoNum type="arabicPeriod"/>
+            </a:pPr>
+            <a:r>
+              <a:rPr/>
+              <a:t>Find a research paper that is relevant to your work or area of study. This must be a paper with full free text available. Post the abstract of this article and a link to the full text. Review the dichotomies discussed in Chapter 1 and classify the paper into one of the two levels in each dichotomy, or classify it as a mixture of both levels of the dichotomies. If you are unsure about any classification, be honest about your uncertainty.</a:t>
+            </a:r>
+          </a:p>
+          <a:p>
+            <a:pPr lvl="1">
+              <a:buAutoNum type="arabicPeriod"/>
+            </a:pPr>
+            <a:r>
+              <a:rPr/>
+              <a:t>Review at least one other paper posted by another student and comment on their classifications.</a:t>
+            </a:r>
+          </a:p>
+          <a:p>
+            <a:pPr lvl="0" marL="0" indent="0">
+              <a:buNone/>
+            </a:pPr>
+            <a:r>
+              <a:rPr/>
+              <a:t>Extra credit (one point). Find a peer-reviewed article or an article in the popular press on research methodology that relates to this week’s lecture material. Provide a three or four sentence summary and include a link, if the article is available openly, or attach a copy if it is not openly available. Please do not include any articles that are listed in the readings for this class or any articles that you have found on my website or blog.</a:t>
             </a:r>
           </a:p>
         </p:txBody>
